--- a/information/Factor Analysis.pptx
+++ b/information/Factor Analysis.pptx
@@ -4,14 +4,27 @@
   <p:sldMasterIdLst>
     <p:sldMasterId id="2147483840" r:id="rId1"/>
   </p:sldMasterIdLst>
+  <p:notesMasterIdLst>
+    <p:notesMasterId r:id="rId19"/>
+  </p:notesMasterIdLst>
   <p:sldIdLst>
     <p:sldId id="256" r:id="rId2"/>
-    <p:sldId id="257" r:id="rId3"/>
-    <p:sldId id="258" r:id="rId4"/>
-    <p:sldId id="260" r:id="rId5"/>
-    <p:sldId id="262" r:id="rId6"/>
-    <p:sldId id="261" r:id="rId7"/>
-    <p:sldId id="263" r:id="rId8"/>
+    <p:sldId id="264" r:id="rId3"/>
+    <p:sldId id="265" r:id="rId4"/>
+    <p:sldId id="266" r:id="rId5"/>
+    <p:sldId id="267" r:id="rId6"/>
+    <p:sldId id="270" r:id="rId7"/>
+    <p:sldId id="257" r:id="rId8"/>
+    <p:sldId id="268" r:id="rId9"/>
+    <p:sldId id="269" r:id="rId10"/>
+    <p:sldId id="262" r:id="rId11"/>
+    <p:sldId id="260" r:id="rId12"/>
+    <p:sldId id="271" r:id="rId13"/>
+    <p:sldId id="272" r:id="rId14"/>
+    <p:sldId id="273" r:id="rId15"/>
+    <p:sldId id="274" r:id="rId16"/>
+    <p:sldId id="261" r:id="rId17"/>
+    <p:sldId id="263" r:id="rId18"/>
   </p:sldIdLst>
   <p:sldSz cx="12192000" cy="6858000"/>
   <p:notesSz cx="6858000" cy="9144000"/>
@@ -110,7 +123,445 @@
       </a:defRPr>
     </a:lvl9pPr>
   </p:defaultTextStyle>
+  <p:extLst>
+    <p:ext uri="{EFAFB233-063F-42B5-8137-9DF3F51BA10A}">
+      <p15:sldGuideLst xmlns:p15="http://schemas.microsoft.com/office/powerpoint/2012/main"/>
+    </p:ext>
+  </p:extLst>
 </p:presentation>
+</file>
+
+<file path=ppt/notesMasters/notesMaster1.xml><?xml version="1.0" encoding="utf-8"?>
+<p:notesMaster xmlns:a="http://schemas.openxmlformats.org/drawingml/2006/main" xmlns:r="http://schemas.openxmlformats.org/officeDocument/2006/relationships" xmlns:p="http://schemas.openxmlformats.org/presentationml/2006/main">
+  <p:cSld>
+    <p:bg>
+      <p:bgRef idx="1001">
+        <a:schemeClr val="bg1"/>
+      </p:bgRef>
+    </p:bg>
+    <p:spTree>
+      <p:nvGrpSpPr>
+        <p:cNvPr id="1" name=""/>
+        <p:cNvGrpSpPr/>
+        <p:nvPr/>
+      </p:nvGrpSpPr>
+      <p:grpSpPr>
+        <a:xfrm>
+          <a:off x="0" y="0"/>
+          <a:ext cx="0" cy="0"/>
+          <a:chOff x="0" y="0"/>
+          <a:chExt cx="0" cy="0"/>
+        </a:xfrm>
+      </p:grpSpPr>
+      <p:sp>
+        <p:nvSpPr>
+          <p:cNvPr id="2" name="Kopfzeilenplatzhalter 1"/>
+          <p:cNvSpPr>
+            <a:spLocks noGrp="1"/>
+          </p:cNvSpPr>
+          <p:nvPr>
+            <p:ph type="hdr" sz="quarter"/>
+          </p:nvPr>
+        </p:nvSpPr>
+        <p:spPr>
+          <a:xfrm>
+            <a:off x="0" y="0"/>
+            <a:ext cx="2971800" cy="458788"/>
+          </a:xfrm>
+          <a:prstGeom prst="rect">
+            <a:avLst/>
+          </a:prstGeom>
+        </p:spPr>
+        <p:txBody>
+          <a:bodyPr vert="horz" lIns="91440" tIns="45720" rIns="91440" bIns="45720" rtlCol="0"/>
+          <a:lstStyle>
+            <a:lvl1pPr algn="l">
+              <a:defRPr sz="1200"/>
+            </a:lvl1pPr>
+          </a:lstStyle>
+          <a:p>
+            <a:endParaRPr lang="de-DE"/>
+          </a:p>
+        </p:txBody>
+      </p:sp>
+      <p:sp>
+        <p:nvSpPr>
+          <p:cNvPr id="3" name="Datumsplatzhalter 2"/>
+          <p:cNvSpPr>
+            <a:spLocks noGrp="1"/>
+          </p:cNvSpPr>
+          <p:nvPr>
+            <p:ph type="dt" idx="1"/>
+          </p:nvPr>
+        </p:nvSpPr>
+        <p:spPr>
+          <a:xfrm>
+            <a:off x="3884613" y="0"/>
+            <a:ext cx="2971800" cy="458788"/>
+          </a:xfrm>
+          <a:prstGeom prst="rect">
+            <a:avLst/>
+          </a:prstGeom>
+        </p:spPr>
+        <p:txBody>
+          <a:bodyPr vert="horz" lIns="91440" tIns="45720" rIns="91440" bIns="45720" rtlCol="0"/>
+          <a:lstStyle>
+            <a:lvl1pPr algn="r">
+              <a:defRPr sz="1200"/>
+            </a:lvl1pPr>
+          </a:lstStyle>
+          <a:p>
+            <a:fld id="{7221C7D0-1584-4F6E-9145-33173FBCFD55}" type="datetimeFigureOut">
+              <a:rPr lang="de-DE" smtClean="0"/>
+              <a:t>13.02.2026</a:t>
+            </a:fld>
+            <a:endParaRPr lang="de-DE"/>
+          </a:p>
+        </p:txBody>
+      </p:sp>
+      <p:sp>
+        <p:nvSpPr>
+          <p:cNvPr id="4" name="Folienbildplatzhalter 3"/>
+          <p:cNvSpPr>
+            <a:spLocks noGrp="1" noRot="1" noChangeAspect="1"/>
+          </p:cNvSpPr>
+          <p:nvPr>
+            <p:ph type="sldImg" idx="2"/>
+          </p:nvPr>
+        </p:nvSpPr>
+        <p:spPr>
+          <a:xfrm>
+            <a:off x="685800" y="1143000"/>
+            <a:ext cx="5486400" cy="3086100"/>
+          </a:xfrm>
+          <a:prstGeom prst="rect">
+            <a:avLst/>
+          </a:prstGeom>
+          <a:noFill/>
+          <a:ln w="12700">
+            <a:solidFill>
+              <a:prstClr val="black"/>
+            </a:solidFill>
+          </a:ln>
+        </p:spPr>
+        <p:txBody>
+          <a:bodyPr vert="horz" lIns="91440" tIns="45720" rIns="91440" bIns="45720" rtlCol="0" anchor="ctr"/>
+          <a:lstStyle/>
+          <a:p>
+            <a:endParaRPr lang="de-DE"/>
+          </a:p>
+        </p:txBody>
+      </p:sp>
+      <p:sp>
+        <p:nvSpPr>
+          <p:cNvPr id="5" name="Notizenplatzhalter 4"/>
+          <p:cNvSpPr>
+            <a:spLocks noGrp="1"/>
+          </p:cNvSpPr>
+          <p:nvPr>
+            <p:ph type="body" sz="quarter" idx="3"/>
+          </p:nvPr>
+        </p:nvSpPr>
+        <p:spPr>
+          <a:xfrm>
+            <a:off x="685800" y="4400550"/>
+            <a:ext cx="5486400" cy="3600450"/>
+          </a:xfrm>
+          <a:prstGeom prst="rect">
+            <a:avLst/>
+          </a:prstGeom>
+        </p:spPr>
+        <p:txBody>
+          <a:bodyPr vert="horz" lIns="91440" tIns="45720" rIns="91440" bIns="45720" rtlCol="0"/>
+          <a:lstStyle/>
+          <a:p>
+            <a:pPr lvl="0"/>
+            <a:r>
+              <a:rPr lang="de-DE"/>
+              <a:t>Mastertextformat bearbeiten</a:t>
+            </a:r>
+          </a:p>
+          <a:p>
+            <a:pPr lvl="1"/>
+            <a:r>
+              <a:rPr lang="de-DE"/>
+              <a:t>Zweite Ebene</a:t>
+            </a:r>
+          </a:p>
+          <a:p>
+            <a:pPr lvl="2"/>
+            <a:r>
+              <a:rPr lang="de-DE"/>
+              <a:t>Dritte Ebene</a:t>
+            </a:r>
+          </a:p>
+          <a:p>
+            <a:pPr lvl="3"/>
+            <a:r>
+              <a:rPr lang="de-DE"/>
+              <a:t>Vierte Ebene</a:t>
+            </a:r>
+          </a:p>
+          <a:p>
+            <a:pPr lvl="4"/>
+            <a:r>
+              <a:rPr lang="de-DE"/>
+              <a:t>Fünfte Ebene</a:t>
+            </a:r>
+          </a:p>
+        </p:txBody>
+      </p:sp>
+      <p:sp>
+        <p:nvSpPr>
+          <p:cNvPr id="6" name="Fußzeilenplatzhalter 5"/>
+          <p:cNvSpPr>
+            <a:spLocks noGrp="1"/>
+          </p:cNvSpPr>
+          <p:nvPr>
+            <p:ph type="ftr" sz="quarter" idx="4"/>
+          </p:nvPr>
+        </p:nvSpPr>
+        <p:spPr>
+          <a:xfrm>
+            <a:off x="0" y="8685213"/>
+            <a:ext cx="2971800" cy="458787"/>
+          </a:xfrm>
+          <a:prstGeom prst="rect">
+            <a:avLst/>
+          </a:prstGeom>
+        </p:spPr>
+        <p:txBody>
+          <a:bodyPr vert="horz" lIns="91440" tIns="45720" rIns="91440" bIns="45720" rtlCol="0" anchor="b"/>
+          <a:lstStyle>
+            <a:lvl1pPr algn="l">
+              <a:defRPr sz="1200"/>
+            </a:lvl1pPr>
+          </a:lstStyle>
+          <a:p>
+            <a:endParaRPr lang="de-DE"/>
+          </a:p>
+        </p:txBody>
+      </p:sp>
+      <p:sp>
+        <p:nvSpPr>
+          <p:cNvPr id="7" name="Foliennummernplatzhalter 6"/>
+          <p:cNvSpPr>
+            <a:spLocks noGrp="1"/>
+          </p:cNvSpPr>
+          <p:nvPr>
+            <p:ph type="sldNum" sz="quarter" idx="5"/>
+          </p:nvPr>
+        </p:nvSpPr>
+        <p:spPr>
+          <a:xfrm>
+            <a:off x="3884613" y="8685213"/>
+            <a:ext cx="2971800" cy="458787"/>
+          </a:xfrm>
+          <a:prstGeom prst="rect">
+            <a:avLst/>
+          </a:prstGeom>
+        </p:spPr>
+        <p:txBody>
+          <a:bodyPr vert="horz" lIns="91440" tIns="45720" rIns="91440" bIns="45720" rtlCol="0" anchor="b"/>
+          <a:lstStyle>
+            <a:lvl1pPr algn="r">
+              <a:defRPr sz="1200"/>
+            </a:lvl1pPr>
+          </a:lstStyle>
+          <a:p>
+            <a:fld id="{F3E2F865-E423-427F-8C3C-686AEE133379}" type="slidenum">
+              <a:rPr lang="de-DE" smtClean="0"/>
+              <a:t>‹Nr.›</a:t>
+            </a:fld>
+            <a:endParaRPr lang="de-DE"/>
+          </a:p>
+        </p:txBody>
+      </p:sp>
+    </p:spTree>
+    <p:extLst>
+      <p:ext uri="{BB962C8B-B14F-4D97-AF65-F5344CB8AC3E}">
+        <p14:creationId xmlns:p14="http://schemas.microsoft.com/office/powerpoint/2010/main" val="3194756058"/>
+      </p:ext>
+    </p:extLst>
+  </p:cSld>
+  <p:clrMap bg1="lt1" tx1="dk1" bg2="lt2" tx2="dk2" accent1="accent1" accent2="accent2" accent3="accent3" accent4="accent4" accent5="accent5" accent6="accent6" hlink="hlink" folHlink="folHlink"/>
+  <p:notesStyle>
+    <a:lvl1pPr marL="0" algn="l" defTabSz="914400" rtl="0" eaLnBrk="1" latinLnBrk="0" hangingPunct="1">
+      <a:defRPr sz="1200" kern="1200">
+        <a:solidFill>
+          <a:schemeClr val="tx1"/>
+        </a:solidFill>
+        <a:latin typeface="+mn-lt"/>
+        <a:ea typeface="+mn-ea"/>
+        <a:cs typeface="+mn-cs"/>
+      </a:defRPr>
+    </a:lvl1pPr>
+    <a:lvl2pPr marL="457200" algn="l" defTabSz="914400" rtl="0" eaLnBrk="1" latinLnBrk="0" hangingPunct="1">
+      <a:defRPr sz="1200" kern="1200">
+        <a:solidFill>
+          <a:schemeClr val="tx1"/>
+        </a:solidFill>
+        <a:latin typeface="+mn-lt"/>
+        <a:ea typeface="+mn-ea"/>
+        <a:cs typeface="+mn-cs"/>
+      </a:defRPr>
+    </a:lvl2pPr>
+    <a:lvl3pPr marL="914400" algn="l" defTabSz="914400" rtl="0" eaLnBrk="1" latinLnBrk="0" hangingPunct="1">
+      <a:defRPr sz="1200" kern="1200">
+        <a:solidFill>
+          <a:schemeClr val="tx1"/>
+        </a:solidFill>
+        <a:latin typeface="+mn-lt"/>
+        <a:ea typeface="+mn-ea"/>
+        <a:cs typeface="+mn-cs"/>
+      </a:defRPr>
+    </a:lvl3pPr>
+    <a:lvl4pPr marL="1371600" algn="l" defTabSz="914400" rtl="0" eaLnBrk="1" latinLnBrk="0" hangingPunct="1">
+      <a:defRPr sz="1200" kern="1200">
+        <a:solidFill>
+          <a:schemeClr val="tx1"/>
+        </a:solidFill>
+        <a:latin typeface="+mn-lt"/>
+        <a:ea typeface="+mn-ea"/>
+        <a:cs typeface="+mn-cs"/>
+      </a:defRPr>
+    </a:lvl4pPr>
+    <a:lvl5pPr marL="1828800" algn="l" defTabSz="914400" rtl="0" eaLnBrk="1" latinLnBrk="0" hangingPunct="1">
+      <a:defRPr sz="1200" kern="1200">
+        <a:solidFill>
+          <a:schemeClr val="tx1"/>
+        </a:solidFill>
+        <a:latin typeface="+mn-lt"/>
+        <a:ea typeface="+mn-ea"/>
+        <a:cs typeface="+mn-cs"/>
+      </a:defRPr>
+    </a:lvl5pPr>
+    <a:lvl6pPr marL="2286000" algn="l" defTabSz="914400" rtl="0" eaLnBrk="1" latinLnBrk="0" hangingPunct="1">
+      <a:defRPr sz="1200" kern="1200">
+        <a:solidFill>
+          <a:schemeClr val="tx1"/>
+        </a:solidFill>
+        <a:latin typeface="+mn-lt"/>
+        <a:ea typeface="+mn-ea"/>
+        <a:cs typeface="+mn-cs"/>
+      </a:defRPr>
+    </a:lvl6pPr>
+    <a:lvl7pPr marL="2743200" algn="l" defTabSz="914400" rtl="0" eaLnBrk="1" latinLnBrk="0" hangingPunct="1">
+      <a:defRPr sz="1200" kern="1200">
+        <a:solidFill>
+          <a:schemeClr val="tx1"/>
+        </a:solidFill>
+        <a:latin typeface="+mn-lt"/>
+        <a:ea typeface="+mn-ea"/>
+        <a:cs typeface="+mn-cs"/>
+      </a:defRPr>
+    </a:lvl7pPr>
+    <a:lvl8pPr marL="3200400" algn="l" defTabSz="914400" rtl="0" eaLnBrk="1" latinLnBrk="0" hangingPunct="1">
+      <a:defRPr sz="1200" kern="1200">
+        <a:solidFill>
+          <a:schemeClr val="tx1"/>
+        </a:solidFill>
+        <a:latin typeface="+mn-lt"/>
+        <a:ea typeface="+mn-ea"/>
+        <a:cs typeface="+mn-cs"/>
+      </a:defRPr>
+    </a:lvl8pPr>
+    <a:lvl9pPr marL="3657600" algn="l" defTabSz="914400" rtl="0" eaLnBrk="1" latinLnBrk="0" hangingPunct="1">
+      <a:defRPr sz="1200" kern="1200">
+        <a:solidFill>
+          <a:schemeClr val="tx1"/>
+        </a:solidFill>
+        <a:latin typeface="+mn-lt"/>
+        <a:ea typeface="+mn-ea"/>
+        <a:cs typeface="+mn-cs"/>
+      </a:defRPr>
+    </a:lvl9pPr>
+  </p:notesStyle>
+</p:notesMaster>
+</file>
+
+<file path=ppt/notesSlides/notesSlide1.xml><?xml version="1.0" encoding="utf-8"?>
+<p:notes xmlns:a="http://schemas.openxmlformats.org/drawingml/2006/main" xmlns:r="http://schemas.openxmlformats.org/officeDocument/2006/relationships" xmlns:p="http://schemas.openxmlformats.org/presentationml/2006/main">
+  <p:cSld>
+    <p:spTree>
+      <p:nvGrpSpPr>
+        <p:cNvPr id="1" name=""/>
+        <p:cNvGrpSpPr/>
+        <p:nvPr/>
+      </p:nvGrpSpPr>
+      <p:grpSpPr>
+        <a:xfrm>
+          <a:off x="0" y="0"/>
+          <a:ext cx="0" cy="0"/>
+          <a:chOff x="0" y="0"/>
+          <a:chExt cx="0" cy="0"/>
+        </a:xfrm>
+      </p:grpSpPr>
+      <p:sp>
+        <p:nvSpPr>
+          <p:cNvPr id="2" name="Folienbildplatzhalter 1"/>
+          <p:cNvSpPr>
+            <a:spLocks noGrp="1" noRot="1" noChangeAspect="1"/>
+          </p:cNvSpPr>
+          <p:nvPr>
+            <p:ph type="sldImg"/>
+          </p:nvPr>
+        </p:nvSpPr>
+        <p:spPr/>
+      </p:sp>
+      <p:sp>
+        <p:nvSpPr>
+          <p:cNvPr id="3" name="Notizenplatzhalter 2"/>
+          <p:cNvSpPr>
+            <a:spLocks noGrp="1"/>
+          </p:cNvSpPr>
+          <p:nvPr>
+            <p:ph type="body" idx="1"/>
+          </p:nvPr>
+        </p:nvSpPr>
+        <p:spPr/>
+        <p:txBody>
+          <a:bodyPr/>
+          <a:lstStyle/>
+          <a:p>
+            <a:endParaRPr lang="de-DE" dirty="0"/>
+          </a:p>
+        </p:txBody>
+      </p:sp>
+      <p:sp>
+        <p:nvSpPr>
+          <p:cNvPr id="4" name="Foliennummernplatzhalter 3"/>
+          <p:cNvSpPr>
+            <a:spLocks noGrp="1"/>
+          </p:cNvSpPr>
+          <p:nvPr>
+            <p:ph type="sldNum" sz="quarter" idx="5"/>
+          </p:nvPr>
+        </p:nvSpPr>
+        <p:spPr/>
+        <p:txBody>
+          <a:bodyPr/>
+          <a:lstStyle/>
+          <a:p>
+            <a:fld id="{F3E2F865-E423-427F-8C3C-686AEE133379}" type="slidenum">
+              <a:rPr lang="de-DE" smtClean="0"/>
+              <a:t>8</a:t>
+            </a:fld>
+            <a:endParaRPr lang="de-DE"/>
+          </a:p>
+        </p:txBody>
+      </p:sp>
+    </p:spTree>
+    <p:extLst>
+      <p:ext uri="{BB962C8B-B14F-4D97-AF65-F5344CB8AC3E}">
+        <p14:creationId xmlns:p14="http://schemas.microsoft.com/office/powerpoint/2010/main" val="3545171311"/>
+      </p:ext>
+    </p:extLst>
+  </p:cSld>
+  <p:clrMapOvr>
+    <a:masterClrMapping/>
+  </p:clrMapOvr>
+</p:notes>
 </file>
 
 <file path=ppt/slideLayouts/slideLayout1.xml><?xml version="1.0" encoding="utf-8"?>
@@ -338,7 +789,7 @@
             <a:fld id="{5586B75A-687E-405C-8A0B-8D00578BA2C3}" type="datetimeFigureOut">
               <a:rPr lang="en-US" dirty="0"/>
               <a:pPr/>
-              <a:t>12/16/2025</a:t>
+              <a:t>2/13/2026</a:t>
             </a:fld>
             <a:endParaRPr lang="en-US" dirty="0"/>
           </a:p>
@@ -505,7 +956,7 @@
             <a:fld id="{5586B75A-687E-405C-8A0B-8D00578BA2C3}" type="datetimeFigureOut">
               <a:rPr lang="en-US" dirty="0"/>
               <a:pPr/>
-              <a:t>12/16/2025</a:t>
+              <a:t>2/13/2026</a:t>
             </a:fld>
             <a:endParaRPr lang="en-US" dirty="0"/>
           </a:p>
@@ -682,7 +1133,7 @@
             <a:fld id="{5586B75A-687E-405C-8A0B-8D00578BA2C3}" type="datetimeFigureOut">
               <a:rPr lang="en-US" dirty="0"/>
               <a:pPr/>
-              <a:t>12/16/2025</a:t>
+              <a:t>2/13/2026</a:t>
             </a:fld>
             <a:endParaRPr lang="en-US" dirty="0"/>
           </a:p>
@@ -849,7 +1300,7 @@
             <a:fld id="{5586B75A-687E-405C-8A0B-8D00578BA2C3}" type="datetimeFigureOut">
               <a:rPr lang="en-US" dirty="0"/>
               <a:pPr/>
-              <a:t>12/16/2025</a:t>
+              <a:t>2/13/2026</a:t>
             </a:fld>
             <a:endParaRPr lang="en-US" dirty="0"/>
           </a:p>
@@ -1104,7 +1555,7 @@
             <a:fld id="{5586B75A-687E-405C-8A0B-8D00578BA2C3}" type="datetimeFigureOut">
               <a:rPr lang="en-US" dirty="0"/>
               <a:pPr/>
-              <a:t>12/16/2025</a:t>
+              <a:t>2/13/2026</a:t>
             </a:fld>
             <a:endParaRPr lang="en-US" dirty="0"/>
           </a:p>
@@ -1389,7 +1840,7 @@
             <a:fld id="{5586B75A-687E-405C-8A0B-8D00578BA2C3}" type="datetimeFigureOut">
               <a:rPr lang="en-US" dirty="0"/>
               <a:pPr/>
-              <a:t>12/16/2025</a:t>
+              <a:t>2/13/2026</a:t>
             </a:fld>
             <a:endParaRPr lang="en-US" dirty="0"/>
           </a:p>
@@ -1828,7 +2279,7 @@
             <a:fld id="{5586B75A-687E-405C-8A0B-8D00578BA2C3}" type="datetimeFigureOut">
               <a:rPr lang="en-US" dirty="0"/>
               <a:pPr/>
-              <a:t>12/16/2025</a:t>
+              <a:t>2/13/2026</a:t>
             </a:fld>
             <a:endParaRPr lang="en-US" dirty="0"/>
           </a:p>
@@ -1943,7 +2394,7 @@
             <a:fld id="{5586B75A-687E-405C-8A0B-8D00578BA2C3}" type="datetimeFigureOut">
               <a:rPr lang="en-US" dirty="0"/>
               <a:pPr/>
-              <a:t>12/16/2025</a:t>
+              <a:t>2/13/2026</a:t>
             </a:fld>
             <a:endParaRPr lang="en-US" dirty="0"/>
           </a:p>
@@ -2035,7 +2486,7 @@
             <a:fld id="{5586B75A-687E-405C-8A0B-8D00578BA2C3}" type="datetimeFigureOut">
               <a:rPr lang="en-US" dirty="0"/>
               <a:pPr/>
-              <a:t>12/16/2025</a:t>
+              <a:t>2/13/2026</a:t>
             </a:fld>
             <a:endParaRPr lang="en-US" dirty="0"/>
           </a:p>
@@ -2320,7 +2771,7 @@
             <a:fld id="{5586B75A-687E-405C-8A0B-8D00578BA2C3}" type="datetimeFigureOut">
               <a:rPr lang="en-US" dirty="0"/>
               <a:pPr/>
-              <a:t>12/16/2025</a:t>
+              <a:t>2/13/2026</a:t>
             </a:fld>
             <a:endParaRPr lang="en-US" dirty="0"/>
           </a:p>
@@ -2590,7 +3041,7 @@
             <a:fld id="{5586B75A-687E-405C-8A0B-8D00578BA2C3}" type="datetimeFigureOut">
               <a:rPr lang="en-US" dirty="0"/>
               <a:pPr/>
-              <a:t>12/16/2025</a:t>
+              <a:t>2/13/2026</a:t>
             </a:fld>
             <a:endParaRPr lang="en-US" dirty="0"/>
           </a:p>
@@ -2884,7 +3335,7 @@
             <a:fld id="{5586B75A-687E-405C-8A0B-8D00578BA2C3}" type="datetimeFigureOut">
               <a:rPr lang="en-US" dirty="0"/>
               <a:pPr/>
-              <a:t>12/16/2025</a:t>
+              <a:t>2/13/2026</a:t>
             </a:fld>
             <a:endParaRPr lang="en-US" dirty="0"/>
           </a:p>
@@ -3461,7 +3912,7 @@
 </p:sld>
 </file>
 
-<file path=ppt/slides/slide2.xml><?xml version="1.0" encoding="utf-8"?>
+<file path=ppt/slides/slide10.xml><?xml version="1.0" encoding="utf-8"?>
 <p:sld xmlns:a="http://schemas.openxmlformats.org/drawingml/2006/main" xmlns:r="http://schemas.openxmlformats.org/officeDocument/2006/relationships" xmlns:p="http://schemas.openxmlformats.org/presentationml/2006/main">
   <p:cSld>
     <p:spTree>
@@ -3483,7 +3934,7 @@
           <p:cNvPr id="2" name="Titel 1">
             <a:extLst>
               <a:ext uri="{FF2B5EF4-FFF2-40B4-BE49-F238E27FC236}">
-                <a16:creationId xmlns:a16="http://schemas.microsoft.com/office/drawing/2014/main" id="{BDCBB538-C533-4AAC-9D21-A15F38829E01}"/>
+                <a16:creationId xmlns:a16="http://schemas.microsoft.com/office/drawing/2014/main" id="{3F1D582D-C672-4571-B061-2099AF8E453B}"/>
               </a:ext>
             </a:extLst>
           </p:cNvPr>
@@ -3500,8 +3951,12 @@
           <a:lstStyle/>
           <a:p>
             <a:r>
-              <a:rPr lang="de-DE" dirty="0"/>
-              <a:t>EFA</a:t>
+              <a:rPr lang="de-DE" dirty="0" err="1"/>
+              <a:t>Stability</a:t>
+            </a:r>
+            <a:r>
+              <a:rPr lang="de-DE" dirty="0"/>
+              <a:t> Test</a:t>
             </a:r>
           </a:p>
         </p:txBody>
@@ -3511,7 +3966,7 @@
           <p:cNvPr id="3" name="Inhaltsplatzhalter 2">
             <a:extLst>
               <a:ext uri="{FF2B5EF4-FFF2-40B4-BE49-F238E27FC236}">
-                <a16:creationId xmlns:a16="http://schemas.microsoft.com/office/drawing/2014/main" id="{5D014D3B-C10B-446F-90C0-CC8BFF9F60A2}"/>
+                <a16:creationId xmlns:a16="http://schemas.microsoft.com/office/drawing/2014/main" id="{8B3A44C7-7D5E-4B5D-85EE-486E63D1ED9D}"/>
               </a:ext>
             </a:extLst>
           </p:cNvPr>
@@ -3524,38 +3979,20 @@
         </p:nvSpPr>
         <p:spPr/>
         <p:txBody>
-          <a:bodyPr>
-            <a:normAutofit/>
-          </a:bodyPr>
+          <a:bodyPr/>
           <a:lstStyle/>
           <a:p>
             <a:r>
               <a:rPr lang="de-DE" dirty="0" err="1"/>
-              <a:t>Choose</a:t>
-            </a:r>
-            <a:r>
-              <a:rPr lang="de-DE" dirty="0"/>
-              <a:t> </a:t>
-            </a:r>
-            <a:r>
-              <a:rPr lang="de-DE" dirty="0" err="1"/>
-              <a:t>level</a:t>
-            </a:r>
-            <a:r>
-              <a:rPr lang="de-DE" dirty="0"/>
-              <a:t> </a:t>
-            </a:r>
-            <a:r>
-              <a:rPr lang="de-DE" dirty="0" err="1"/>
-              <a:t>of</a:t>
-            </a:r>
-            <a:r>
-              <a:rPr lang="de-DE" dirty="0"/>
-              <a:t> </a:t>
-            </a:r>
-            <a:r>
-              <a:rPr lang="de-DE" dirty="0" err="1"/>
-              <a:t>analysis</a:t>
+              <a:t>Examine</a:t>
+            </a:r>
+            <a:r>
+              <a:rPr lang="de-DE" dirty="0"/>
+              <a:t> </a:t>
+            </a:r>
+            <a:r>
+              <a:rPr lang="de-DE" dirty="0" err="1"/>
+              <a:t>reliability</a:t>
             </a:r>
             <a:r>
               <a:rPr lang="de-DE" dirty="0"/>
@@ -3563,15 +4000,23 @@
             </a:r>
             <a:r>
               <a:rPr lang="de-DE" dirty="0" err="1"/>
-              <a:t>from</a:t>
-            </a:r>
-            <a:r>
-              <a:rPr lang="de-DE" dirty="0"/>
-              <a:t> </a:t>
-            </a:r>
-            <a:r>
-              <a:rPr lang="de-DE" dirty="0" err="1"/>
-              <a:t>fine</a:t>
+              <a:t>transfer</a:t>
+            </a:r>
+            <a:r>
+              <a:rPr lang="de-DE" dirty="0"/>
+              <a:t> </a:t>
+            </a:r>
+            <a:r>
+              <a:rPr lang="de-DE" dirty="0" err="1"/>
+              <a:t>factor</a:t>
+            </a:r>
+            <a:r>
+              <a:rPr lang="de-DE" dirty="0"/>
+              <a:t> </a:t>
+            </a:r>
+            <a:r>
+              <a:rPr lang="de-DE" dirty="0" err="1"/>
+              <a:t>weights</a:t>
             </a:r>
             <a:r>
               <a:rPr lang="de-DE" dirty="0"/>
@@ -3587,844 +4032,168 @@
             </a:r>
             <a:r>
               <a:rPr lang="de-DE" dirty="0" err="1"/>
-              <a:t>coarse</a:t>
-            </a:r>
-            <a:r>
-              <a:rPr lang="de-DE" dirty="0"/>
-              <a:t>):</a:t>
+              <a:t>test</a:t>
+            </a:r>
+            <a:r>
+              <a:rPr lang="de-DE" dirty="0"/>
+              <a:t> </a:t>
+            </a:r>
+            <a:r>
+              <a:rPr lang="de-DE" dirty="0" err="1"/>
+              <a:t>set</a:t>
+            </a:r>
+            <a:r>
+              <a:rPr lang="de-DE" dirty="0"/>
+              <a:t>)</a:t>
+            </a:r>
+          </a:p>
+          <a:p>
+            <a:r>
+              <a:rPr lang="de-DE" dirty="0" err="1"/>
+              <a:t>Calculate</a:t>
+            </a:r>
+            <a:r>
+              <a:rPr lang="de-DE" dirty="0"/>
+              <a:t> </a:t>
+            </a:r>
+            <a:r>
+              <a:rPr lang="de-DE" dirty="0" err="1"/>
+              <a:t>tucker</a:t>
+            </a:r>
+            <a:r>
+              <a:rPr lang="de-DE" dirty="0"/>
+              <a:t> </a:t>
+            </a:r>
+            <a:r>
+              <a:rPr lang="de-DE" dirty="0" err="1"/>
+              <a:t>congruence</a:t>
+            </a:r>
+            <a:r>
+              <a:rPr lang="de-DE" dirty="0"/>
+              <a:t> </a:t>
+            </a:r>
+            <a:r>
+              <a:rPr lang="de-DE" dirty="0" err="1"/>
+              <a:t>test</a:t>
+            </a:r>
+            <a:r>
+              <a:rPr lang="de-DE" dirty="0"/>
+              <a:t> </a:t>
+            </a:r>
+            <a:r>
+              <a:rPr lang="de-DE" dirty="0" err="1"/>
+              <a:t>between</a:t>
+            </a:r>
+            <a:r>
+              <a:rPr lang="de-DE" dirty="0"/>
+              <a:t> </a:t>
+            </a:r>
+            <a:r>
+              <a:rPr lang="de-DE" dirty="0" err="1"/>
+              <a:t>the</a:t>
+            </a:r>
+            <a:r>
+              <a:rPr lang="de-DE" dirty="0"/>
+              <a:t> </a:t>
+            </a:r>
+            <a:r>
+              <a:rPr lang="de-DE" dirty="0" err="1"/>
+              <a:t>ttraining</a:t>
+            </a:r>
+            <a:r>
+              <a:rPr lang="de-DE" dirty="0"/>
+              <a:t> and </a:t>
+            </a:r>
+            <a:r>
+              <a:rPr lang="de-DE" dirty="0" err="1"/>
+              <a:t>test</a:t>
+            </a:r>
+            <a:r>
+              <a:rPr lang="de-DE" dirty="0"/>
+              <a:t> </a:t>
+            </a:r>
+            <a:r>
+              <a:rPr lang="de-DE" dirty="0" err="1"/>
+              <a:t>set</a:t>
+            </a:r>
+            <a:r>
+              <a:rPr lang="de-DE" dirty="0"/>
+              <a:t> [-1, 1]</a:t>
             </a:r>
           </a:p>
           <a:p>
             <a:pPr lvl="1"/>
             <a:r>
               <a:rPr lang="de-DE" dirty="0"/>
-              <a:t>Individual </a:t>
-            </a:r>
-            <a:r>
-              <a:rPr lang="de-DE" dirty="0" err="1"/>
-              <a:t>items</a:t>
-            </a:r>
-            <a:r>
-              <a:rPr lang="de-DE" dirty="0"/>
-              <a:t> -&gt; </a:t>
-            </a:r>
-            <a:r>
-              <a:rPr lang="de-DE" dirty="0" err="1"/>
-              <a:t>usually</a:t>
-            </a:r>
-            <a:r>
-              <a:rPr lang="de-DE" dirty="0"/>
-              <a:t> ordinal</a:t>
-            </a:r>
-          </a:p>
-          <a:p>
-            <a:pPr lvl="1"/>
-            <a:r>
-              <a:rPr lang="de-DE" dirty="0" err="1"/>
-              <a:t>Subscales</a:t>
-            </a:r>
-            <a:r>
-              <a:rPr lang="de-DE" dirty="0"/>
-              <a:t> -&gt; </a:t>
-            </a:r>
-            <a:r>
-              <a:rPr lang="de-DE" dirty="0" err="1"/>
-              <a:t>might</a:t>
-            </a:r>
-            <a:r>
-              <a:rPr lang="de-DE" dirty="0"/>
-              <a:t> </a:t>
-            </a:r>
-            <a:r>
-              <a:rPr lang="de-DE" dirty="0" err="1"/>
-              <a:t>be</a:t>
-            </a:r>
-            <a:r>
-              <a:rPr lang="de-DE" dirty="0"/>
-              <a:t> </a:t>
-            </a:r>
-            <a:r>
-              <a:rPr lang="de-DE" dirty="0" err="1"/>
-              <a:t>almost</a:t>
-            </a:r>
-            <a:r>
-              <a:rPr lang="de-DE" dirty="0"/>
-              <a:t> </a:t>
-            </a:r>
-            <a:r>
-              <a:rPr lang="de-DE" dirty="0" err="1"/>
-              <a:t>continuous</a:t>
+              <a:t>Values </a:t>
+            </a:r>
+            <a:r>
+              <a:rPr lang="de-DE" dirty="0" err="1"/>
+              <a:t>above</a:t>
+            </a:r>
+            <a:r>
+              <a:rPr lang="de-DE" dirty="0"/>
+              <a:t> .85 </a:t>
+            </a:r>
+            <a:r>
+              <a:rPr lang="de-DE" dirty="0" err="1"/>
+              <a:t>are</a:t>
+            </a:r>
+            <a:r>
+              <a:rPr lang="de-DE" dirty="0"/>
+              <a:t> </a:t>
+            </a:r>
+            <a:r>
+              <a:rPr lang="de-DE" dirty="0" err="1"/>
+              <a:t>good</a:t>
+            </a:r>
+            <a:r>
+              <a:rPr lang="de-DE" dirty="0"/>
+              <a:t> (</a:t>
+            </a:r>
+            <a:r>
+              <a:rPr lang="de-DE" dirty="0" err="1"/>
+              <a:t>factors</a:t>
+            </a:r>
+            <a:r>
+              <a:rPr lang="de-DE" dirty="0"/>
+              <a:t> </a:t>
+            </a:r>
+            <a:r>
+              <a:rPr lang="de-DE" dirty="0" err="1"/>
+              <a:t>are</a:t>
+            </a:r>
+            <a:r>
+              <a:rPr lang="de-DE" dirty="0"/>
+              <a:t> </a:t>
+            </a:r>
+            <a:r>
+              <a:rPr lang="de-DE" dirty="0" err="1"/>
+              <a:t>very</a:t>
+            </a:r>
+            <a:r>
+              <a:rPr lang="de-DE" dirty="0"/>
+              <a:t> </a:t>
+            </a:r>
+            <a:r>
+              <a:rPr lang="de-DE" dirty="0" err="1"/>
+              <a:t>similar</a:t>
+            </a:r>
+            <a:r>
+              <a:rPr lang="de-DE"/>
+              <a:t>)</a:t>
             </a:r>
             <a:endParaRPr lang="de-DE" dirty="0"/>
           </a:p>
           <a:p>
-            <a:pPr lvl="1"/>
-            <a:r>
-              <a:rPr lang="de-DE" dirty="0" err="1"/>
-              <a:t>Diagnoses</a:t>
-            </a:r>
-            <a:r>
-              <a:rPr lang="de-DE" dirty="0"/>
-              <a:t> </a:t>
-            </a:r>
-          </a:p>
-          <a:p>
-            <a:pPr lvl="1"/>
-            <a:r>
-              <a:rPr lang="de-DE" dirty="0"/>
-              <a:t>…</a:t>
-            </a:r>
-          </a:p>
-          <a:p>
             <a:endParaRPr lang="de-DE" dirty="0"/>
-          </a:p>
-          <a:p>
-            <a:endParaRPr lang="de-DE" dirty="0"/>
-          </a:p>
-          <a:p>
-            <a:endParaRPr lang="de-DE" dirty="0"/>
-          </a:p>
-          <a:p>
-            <a:endParaRPr lang="de-DE" dirty="0"/>
-          </a:p>
-          <a:p>
-            <a:r>
-              <a:rPr lang="de-DE" dirty="0"/>
-              <a:t>Pick </a:t>
-            </a:r>
-            <a:r>
-              <a:rPr lang="de-DE" dirty="0" err="1"/>
-              <a:t>appropriate</a:t>
-            </a:r>
-            <a:r>
-              <a:rPr lang="de-DE" dirty="0"/>
-              <a:t> </a:t>
-            </a:r>
-            <a:r>
-              <a:rPr lang="de-DE" dirty="0" err="1"/>
-              <a:t>correlation</a:t>
-            </a:r>
-            <a:r>
-              <a:rPr lang="de-DE" dirty="0"/>
-              <a:t> </a:t>
-            </a:r>
-            <a:r>
-              <a:rPr lang="de-DE" dirty="0" err="1"/>
-              <a:t>matrix</a:t>
-            </a:r>
-            <a:endParaRPr lang="de-DE" dirty="0"/>
-          </a:p>
-          <a:p>
-            <a:pPr lvl="1"/>
-            <a:r>
-              <a:rPr lang="de-DE" dirty="0"/>
-              <a:t>Pearson (</a:t>
-            </a:r>
-            <a:r>
-              <a:rPr lang="de-DE" dirty="0" err="1"/>
-              <a:t>continuous</a:t>
-            </a:r>
-            <a:r>
-              <a:rPr lang="de-DE" dirty="0"/>
-              <a:t>)</a:t>
-            </a:r>
-          </a:p>
-          <a:p>
-            <a:pPr lvl="1"/>
-            <a:r>
-              <a:rPr lang="de-DE" dirty="0" err="1"/>
-              <a:t>Polychoric</a:t>
-            </a:r>
-            <a:r>
-              <a:rPr lang="de-DE" dirty="0"/>
-              <a:t> (ordinal)</a:t>
-            </a:r>
-          </a:p>
-          <a:p>
-            <a:pPr lvl="1"/>
-            <a:r>
-              <a:rPr lang="de-DE" dirty="0" err="1"/>
-              <a:t>Tetrachoric</a:t>
-            </a:r>
-            <a:r>
-              <a:rPr lang="de-DE" dirty="0"/>
-              <a:t> (</a:t>
-            </a:r>
-            <a:r>
-              <a:rPr lang="de-DE" dirty="0" err="1"/>
-              <a:t>binary</a:t>
-            </a:r>
-            <a:r>
-              <a:rPr lang="de-DE" dirty="0"/>
-              <a:t>)</a:t>
-            </a:r>
-          </a:p>
-          <a:p>
-            <a:pPr lvl="1"/>
-            <a:r>
-              <a:rPr lang="de-DE" dirty="0"/>
-              <a:t>…</a:t>
-            </a:r>
-          </a:p>
-        </p:txBody>
-      </p:sp>
-      <p:sp>
-        <p:nvSpPr>
-          <p:cNvPr id="5" name="Rechteck 4">
-            <a:extLst>
-              <a:ext uri="{FF2B5EF4-FFF2-40B4-BE49-F238E27FC236}">
-                <a16:creationId xmlns:a16="http://schemas.microsoft.com/office/drawing/2014/main" id="{4972C686-9D91-4358-895B-30107CE1B5B5}"/>
-              </a:ext>
-            </a:extLst>
-          </p:cNvPr>
-          <p:cNvSpPr/>
-          <p:nvPr/>
-        </p:nvSpPr>
-        <p:spPr>
-          <a:xfrm>
-            <a:off x="4377265" y="4982295"/>
-            <a:ext cx="2108202" cy="304800"/>
-          </a:xfrm>
-          <a:prstGeom prst="rect">
-            <a:avLst/>
-          </a:prstGeom>
-          <a:noFill/>
-          <a:ln w="57150">
-            <a:solidFill>
-              <a:schemeClr val="accent4"/>
-            </a:solidFill>
-          </a:ln>
-        </p:spPr>
-        <p:style>
-          <a:lnRef idx="2">
-            <a:schemeClr val="accent1">
-              <a:shade val="50000"/>
-            </a:schemeClr>
-          </a:lnRef>
-          <a:fillRef idx="1">
-            <a:schemeClr val="accent1"/>
-          </a:fillRef>
-          <a:effectRef idx="0">
-            <a:schemeClr val="accent1"/>
-          </a:effectRef>
-          <a:fontRef idx="minor">
-            <a:schemeClr val="lt1"/>
-          </a:fontRef>
-        </p:style>
-        <p:txBody>
-          <a:bodyPr rtlCol="0" anchor="ctr"/>
-          <a:lstStyle/>
-          <a:p>
-            <a:pPr algn="ctr"/>
-            <a:endParaRPr lang="de-DE"/>
-          </a:p>
-        </p:txBody>
-      </p:sp>
-      <p:sp>
-        <p:nvSpPr>
-          <p:cNvPr id="6" name="Rechteck 5">
-            <a:extLst>
-              <a:ext uri="{FF2B5EF4-FFF2-40B4-BE49-F238E27FC236}">
-                <a16:creationId xmlns:a16="http://schemas.microsoft.com/office/drawing/2014/main" id="{9C17A1B1-C9D0-4458-8D41-9D54E1141E54}"/>
-              </a:ext>
-            </a:extLst>
-          </p:cNvPr>
-          <p:cNvSpPr/>
-          <p:nvPr/>
-        </p:nvSpPr>
-        <p:spPr>
-          <a:xfrm>
-            <a:off x="4377265" y="1225075"/>
-            <a:ext cx="3437469" cy="304800"/>
-          </a:xfrm>
-          <a:prstGeom prst="rect">
-            <a:avLst/>
-          </a:prstGeom>
-          <a:noFill/>
-          <a:ln w="57150">
-            <a:solidFill>
-              <a:schemeClr val="accent4"/>
-            </a:solidFill>
-          </a:ln>
-        </p:spPr>
-        <p:style>
-          <a:lnRef idx="2">
-            <a:schemeClr val="accent1">
-              <a:shade val="50000"/>
-            </a:schemeClr>
-          </a:lnRef>
-          <a:fillRef idx="1">
-            <a:schemeClr val="accent1"/>
-          </a:fillRef>
-          <a:effectRef idx="0">
-            <a:schemeClr val="accent1"/>
-          </a:effectRef>
-          <a:fontRef idx="minor">
-            <a:schemeClr val="lt1"/>
-          </a:fontRef>
-        </p:style>
-        <p:txBody>
-          <a:bodyPr rtlCol="0" anchor="ctr"/>
-          <a:lstStyle/>
-          <a:p>
-            <a:pPr algn="ctr"/>
-            <a:endParaRPr lang="de-DE"/>
-          </a:p>
-        </p:txBody>
-      </p:sp>
-      <p:sp>
-        <p:nvSpPr>
-          <p:cNvPr id="7" name="Textfeld 6">
-            <a:extLst>
-              <a:ext uri="{FF2B5EF4-FFF2-40B4-BE49-F238E27FC236}">
-                <a16:creationId xmlns:a16="http://schemas.microsoft.com/office/drawing/2014/main" id="{AF8B6516-10E6-4AB8-9E31-136B361091BF}"/>
-              </a:ext>
-            </a:extLst>
-          </p:cNvPr>
-          <p:cNvSpPr txBox="1"/>
-          <p:nvPr/>
-        </p:nvSpPr>
-        <p:spPr>
-          <a:xfrm>
-            <a:off x="6825214" y="4982295"/>
-            <a:ext cx="4968852" cy="769441"/>
-          </a:xfrm>
-          <a:prstGeom prst="rect">
-            <a:avLst/>
-          </a:prstGeom>
-          <a:solidFill>
-            <a:schemeClr val="bg1">
-              <a:lumMod val="95000"/>
-            </a:schemeClr>
-          </a:solidFill>
-          <a:ln w="12700">
-            <a:solidFill>
-              <a:schemeClr val="tx1">
-                <a:lumMod val="50000"/>
-                <a:lumOff val="50000"/>
-              </a:schemeClr>
-            </a:solidFill>
-          </a:ln>
-        </p:spPr>
-        <p:txBody>
-          <a:bodyPr wrap="square" rtlCol="0">
-            <a:spAutoFit/>
-          </a:bodyPr>
-          <a:lstStyle/>
-          <a:p>
-            <a:r>
-              <a:rPr lang="en-US" sz="1100" dirty="0">
-                <a:latin typeface="Cascadia Mono" panose="020B0609020000020004" pitchFamily="49" charset="0"/>
-                <a:ea typeface="Cascadia Mono" panose="020B0609020000020004" pitchFamily="49" charset="0"/>
-                <a:cs typeface="Cascadia Mono" panose="020B0609020000020004" pitchFamily="49" charset="0"/>
-              </a:rPr>
-              <a:t># Check correlation matrix for large enough sample size:</a:t>
-            </a:r>
-          </a:p>
-          <a:p>
-            <a:r>
-              <a:rPr lang="en-US" sz="1100" dirty="0">
-                <a:latin typeface="Cascadia Mono" panose="020B0609020000020004" pitchFamily="49" charset="0"/>
-                <a:ea typeface="Cascadia Mono" panose="020B0609020000020004" pitchFamily="49" charset="0"/>
-                <a:cs typeface="Cascadia Mono" panose="020B0609020000020004" pitchFamily="49" charset="0"/>
-              </a:rPr>
-              <a:t>Psych::KMO(R) # ratio partial to global correlations</a:t>
-            </a:r>
-          </a:p>
-          <a:p>
-            <a:r>
-              <a:rPr lang="en-US" sz="1100" dirty="0">
-                <a:latin typeface="Cascadia Mono" panose="020B0609020000020004" pitchFamily="49" charset="0"/>
-                <a:ea typeface="Cascadia Mono" panose="020B0609020000020004" pitchFamily="49" charset="0"/>
-                <a:cs typeface="Cascadia Mono" panose="020B0609020000020004" pitchFamily="49" charset="0"/>
-              </a:rPr>
-              <a:t>Psych::</a:t>
-            </a:r>
-            <a:r>
-              <a:rPr lang="en-US" sz="1100" dirty="0" err="1">
-                <a:latin typeface="Cascadia Mono" panose="020B0609020000020004" pitchFamily="49" charset="0"/>
-                <a:ea typeface="Cascadia Mono" panose="020B0609020000020004" pitchFamily="49" charset="0"/>
-                <a:cs typeface="Cascadia Mono" panose="020B0609020000020004" pitchFamily="49" charset="0"/>
-              </a:rPr>
-              <a:t>cortest.bartlett</a:t>
-            </a:r>
-            <a:r>
-              <a:rPr lang="en-US" sz="1100" dirty="0">
-                <a:latin typeface="Cascadia Mono" panose="020B0609020000020004" pitchFamily="49" charset="0"/>
-                <a:ea typeface="Cascadia Mono" panose="020B0609020000020004" pitchFamily="49" charset="0"/>
-                <a:cs typeface="Cascadia Mono" panose="020B0609020000020004" pitchFamily="49" charset="0"/>
-              </a:rPr>
-              <a:t>(R, n = N) # are there correlations</a:t>
-            </a:r>
-            <a:endParaRPr lang="de-DE" sz="1100" dirty="0">
-              <a:latin typeface="Cascadia Mono" panose="020B0609020000020004" pitchFamily="49" charset="0"/>
-              <a:ea typeface="Cascadia Mono" panose="020B0609020000020004" pitchFamily="49" charset="0"/>
-              <a:cs typeface="Cascadia Mono" panose="020B0609020000020004" pitchFamily="49" charset="0"/>
-            </a:endParaRPr>
-          </a:p>
-        </p:txBody>
-      </p:sp>
-      <p:sp>
-        <p:nvSpPr>
-          <p:cNvPr id="8" name="Textfeld 7">
-            <a:extLst>
-              <a:ext uri="{FF2B5EF4-FFF2-40B4-BE49-F238E27FC236}">
-                <a16:creationId xmlns:a16="http://schemas.microsoft.com/office/drawing/2014/main" id="{62FBEB34-02B6-4C24-8F0F-D85A94305BAB}"/>
-              </a:ext>
-            </a:extLst>
-          </p:cNvPr>
-          <p:cNvSpPr txBox="1"/>
-          <p:nvPr/>
-        </p:nvSpPr>
-        <p:spPr>
-          <a:xfrm>
-            <a:off x="6825214" y="1977878"/>
-            <a:ext cx="4968852" cy="1277273"/>
-          </a:xfrm>
-          <a:prstGeom prst="rect">
-            <a:avLst/>
-          </a:prstGeom>
-          <a:solidFill>
-            <a:schemeClr val="bg1">
-              <a:lumMod val="95000"/>
-            </a:schemeClr>
-          </a:solidFill>
-          <a:ln w="12700">
-            <a:solidFill>
-              <a:schemeClr val="tx1">
-                <a:lumMod val="50000"/>
-                <a:lumOff val="50000"/>
-              </a:schemeClr>
-            </a:solidFill>
-          </a:ln>
-        </p:spPr>
-        <p:txBody>
-          <a:bodyPr wrap="square" rtlCol="0">
-            <a:spAutoFit/>
-          </a:bodyPr>
-          <a:lstStyle/>
-          <a:p>
-            <a:r>
-              <a:rPr lang="en-US" sz="1100" dirty="0">
-                <a:latin typeface="Cascadia Mono" panose="020B0609020000020004" pitchFamily="49" charset="0"/>
-                <a:ea typeface="Cascadia Mono" panose="020B0609020000020004" pitchFamily="49" charset="0"/>
-                <a:cs typeface="Cascadia Mono" panose="020B0609020000020004" pitchFamily="49" charset="0"/>
-              </a:rPr>
-              <a:t># Split dataset in training and test set:</a:t>
-            </a:r>
-          </a:p>
-          <a:p>
-            <a:r>
-              <a:rPr lang="de-DE" sz="1100" dirty="0" err="1">
-                <a:latin typeface="Cascadia Mono" panose="020B0609020000020004" pitchFamily="49" charset="0"/>
-                <a:ea typeface="Cascadia Mono" panose="020B0609020000020004" pitchFamily="49" charset="0"/>
-                <a:cs typeface="Cascadia Mono" panose="020B0609020000020004" pitchFamily="49" charset="0"/>
-              </a:rPr>
-              <a:t>library</a:t>
-            </a:r>
-            <a:r>
-              <a:rPr lang="de-DE" sz="1100" dirty="0">
-                <a:latin typeface="Cascadia Mono" panose="020B0609020000020004" pitchFamily="49" charset="0"/>
-                <a:ea typeface="Cascadia Mono" panose="020B0609020000020004" pitchFamily="49" charset="0"/>
-                <a:cs typeface="Cascadia Mono" panose="020B0609020000020004" pitchFamily="49" charset="0"/>
-              </a:rPr>
-              <a:t>(</a:t>
-            </a:r>
-            <a:r>
-              <a:rPr lang="de-DE" sz="1100" dirty="0" err="1">
-                <a:latin typeface="Cascadia Mono" panose="020B0609020000020004" pitchFamily="49" charset="0"/>
-                <a:ea typeface="Cascadia Mono" panose="020B0609020000020004" pitchFamily="49" charset="0"/>
-                <a:cs typeface="Cascadia Mono" panose="020B0609020000020004" pitchFamily="49" charset="0"/>
-              </a:rPr>
-              <a:t>rsample</a:t>
-            </a:r>
-            <a:r>
-              <a:rPr lang="de-DE" sz="1100" dirty="0">
-                <a:latin typeface="Cascadia Mono" panose="020B0609020000020004" pitchFamily="49" charset="0"/>
-                <a:ea typeface="Cascadia Mono" panose="020B0609020000020004" pitchFamily="49" charset="0"/>
-                <a:cs typeface="Cascadia Mono" panose="020B0609020000020004" pitchFamily="49" charset="0"/>
-              </a:rPr>
-              <a:t>)</a:t>
-            </a:r>
-          </a:p>
-          <a:p>
-            <a:endParaRPr lang="de-DE" sz="1100" dirty="0">
-              <a:latin typeface="Cascadia Mono" panose="020B0609020000020004" pitchFamily="49" charset="0"/>
-              <a:ea typeface="Cascadia Mono" panose="020B0609020000020004" pitchFamily="49" charset="0"/>
-              <a:cs typeface="Cascadia Mono" panose="020B0609020000020004" pitchFamily="49" charset="0"/>
-            </a:endParaRPr>
-          </a:p>
-          <a:p>
-            <a:r>
-              <a:rPr lang="de-DE" sz="1100" dirty="0" err="1">
-                <a:latin typeface="Cascadia Mono" panose="020B0609020000020004" pitchFamily="49" charset="0"/>
-                <a:ea typeface="Cascadia Mono" panose="020B0609020000020004" pitchFamily="49" charset="0"/>
-                <a:cs typeface="Cascadia Mono" panose="020B0609020000020004" pitchFamily="49" charset="0"/>
-              </a:rPr>
-              <a:t>set.seed</a:t>
-            </a:r>
-            <a:r>
-              <a:rPr lang="de-DE" sz="1100" dirty="0">
-                <a:latin typeface="Cascadia Mono" panose="020B0609020000020004" pitchFamily="49" charset="0"/>
-                <a:ea typeface="Cascadia Mono" panose="020B0609020000020004" pitchFamily="49" charset="0"/>
-                <a:cs typeface="Cascadia Mono" panose="020B0609020000020004" pitchFamily="49" charset="0"/>
-              </a:rPr>
-              <a:t>(20251216)</a:t>
-            </a:r>
-          </a:p>
-          <a:p>
-            <a:r>
-              <a:rPr lang="de-DE" sz="1100" dirty="0" err="1">
-                <a:latin typeface="Cascadia Mono" panose="020B0609020000020004" pitchFamily="49" charset="0"/>
-                <a:ea typeface="Cascadia Mono" panose="020B0609020000020004" pitchFamily="49" charset="0"/>
-                <a:cs typeface="Cascadia Mono" panose="020B0609020000020004" pitchFamily="49" charset="0"/>
-              </a:rPr>
-              <a:t>sp</a:t>
-            </a:r>
-            <a:r>
-              <a:rPr lang="de-DE" sz="1100" dirty="0">
-                <a:latin typeface="Cascadia Mono" panose="020B0609020000020004" pitchFamily="49" charset="0"/>
-                <a:ea typeface="Cascadia Mono" panose="020B0609020000020004" pitchFamily="49" charset="0"/>
-                <a:cs typeface="Cascadia Mono" panose="020B0609020000020004" pitchFamily="49" charset="0"/>
-              </a:rPr>
-              <a:t> &lt;- </a:t>
-            </a:r>
-            <a:r>
-              <a:rPr lang="de-DE" sz="1100" dirty="0" err="1">
-                <a:latin typeface="Cascadia Mono" panose="020B0609020000020004" pitchFamily="49" charset="0"/>
-                <a:ea typeface="Cascadia Mono" panose="020B0609020000020004" pitchFamily="49" charset="0"/>
-                <a:cs typeface="Cascadia Mono" panose="020B0609020000020004" pitchFamily="49" charset="0"/>
-              </a:rPr>
-              <a:t>initial_split</a:t>
-            </a:r>
-            <a:r>
-              <a:rPr lang="de-DE" sz="1100" dirty="0">
-                <a:latin typeface="Cascadia Mono" panose="020B0609020000020004" pitchFamily="49" charset="0"/>
-                <a:ea typeface="Cascadia Mono" panose="020B0609020000020004" pitchFamily="49" charset="0"/>
-                <a:cs typeface="Cascadia Mono" panose="020B0609020000020004" pitchFamily="49" charset="0"/>
-              </a:rPr>
-              <a:t>(</a:t>
-            </a:r>
-            <a:r>
-              <a:rPr lang="de-DE" sz="1100" dirty="0" err="1">
-                <a:latin typeface="Cascadia Mono" panose="020B0609020000020004" pitchFamily="49" charset="0"/>
-                <a:ea typeface="Cascadia Mono" panose="020B0609020000020004" pitchFamily="49" charset="0"/>
-                <a:cs typeface="Cascadia Mono" panose="020B0609020000020004" pitchFamily="49" charset="0"/>
-              </a:rPr>
-              <a:t>df</a:t>
-            </a:r>
-            <a:r>
-              <a:rPr lang="de-DE" sz="1100" dirty="0">
-                <a:latin typeface="Cascadia Mono" panose="020B0609020000020004" pitchFamily="49" charset="0"/>
-                <a:ea typeface="Cascadia Mono" panose="020B0609020000020004" pitchFamily="49" charset="0"/>
-                <a:cs typeface="Cascadia Mono" panose="020B0609020000020004" pitchFamily="49" charset="0"/>
-              </a:rPr>
-              <a:t>, </a:t>
-            </a:r>
-            <a:r>
-              <a:rPr lang="de-DE" sz="1100" dirty="0" err="1">
-                <a:latin typeface="Cascadia Mono" panose="020B0609020000020004" pitchFamily="49" charset="0"/>
-                <a:ea typeface="Cascadia Mono" panose="020B0609020000020004" pitchFamily="49" charset="0"/>
-                <a:cs typeface="Cascadia Mono" panose="020B0609020000020004" pitchFamily="49" charset="0"/>
-              </a:rPr>
-              <a:t>prop</a:t>
-            </a:r>
-            <a:r>
-              <a:rPr lang="de-DE" sz="1100" dirty="0">
-                <a:latin typeface="Cascadia Mono" panose="020B0609020000020004" pitchFamily="49" charset="0"/>
-                <a:ea typeface="Cascadia Mono" panose="020B0609020000020004" pitchFamily="49" charset="0"/>
-                <a:cs typeface="Cascadia Mono" panose="020B0609020000020004" pitchFamily="49" charset="0"/>
-              </a:rPr>
-              <a:t> = 0.75, </a:t>
-            </a:r>
-            <a:r>
-              <a:rPr lang="de-DE" sz="1100" dirty="0" err="1">
-                <a:latin typeface="Cascadia Mono" panose="020B0609020000020004" pitchFamily="49" charset="0"/>
-                <a:ea typeface="Cascadia Mono" panose="020B0609020000020004" pitchFamily="49" charset="0"/>
-                <a:cs typeface="Cascadia Mono" panose="020B0609020000020004" pitchFamily="49" charset="0"/>
-              </a:rPr>
-              <a:t>strata</a:t>
-            </a:r>
-            <a:r>
-              <a:rPr lang="de-DE" sz="1100" dirty="0">
-                <a:latin typeface="Cascadia Mono" panose="020B0609020000020004" pitchFamily="49" charset="0"/>
-                <a:ea typeface="Cascadia Mono" panose="020B0609020000020004" pitchFamily="49" charset="0"/>
-                <a:cs typeface="Cascadia Mono" panose="020B0609020000020004" pitchFamily="49" charset="0"/>
-              </a:rPr>
-              <a:t> = </a:t>
-            </a:r>
-            <a:r>
-              <a:rPr lang="de-DE" sz="1100" dirty="0" err="1">
-                <a:latin typeface="Cascadia Mono" panose="020B0609020000020004" pitchFamily="49" charset="0"/>
-                <a:ea typeface="Cascadia Mono" panose="020B0609020000020004" pitchFamily="49" charset="0"/>
-                <a:cs typeface="Cascadia Mono" panose="020B0609020000020004" pitchFamily="49" charset="0"/>
-              </a:rPr>
-              <a:t>project</a:t>
-            </a:r>
-            <a:r>
-              <a:rPr lang="de-DE" sz="1100" dirty="0">
-                <a:latin typeface="Cascadia Mono" panose="020B0609020000020004" pitchFamily="49" charset="0"/>
-                <a:ea typeface="Cascadia Mono" panose="020B0609020000020004" pitchFamily="49" charset="0"/>
-                <a:cs typeface="Cascadia Mono" panose="020B0609020000020004" pitchFamily="49" charset="0"/>
-              </a:rPr>
-              <a:t>)  </a:t>
-            </a:r>
-            <a:r>
-              <a:rPr lang="de-DE" sz="1100" dirty="0" err="1">
-                <a:latin typeface="Cascadia Mono" panose="020B0609020000020004" pitchFamily="49" charset="0"/>
-                <a:ea typeface="Cascadia Mono" panose="020B0609020000020004" pitchFamily="49" charset="0"/>
-                <a:cs typeface="Cascadia Mono" panose="020B0609020000020004" pitchFamily="49" charset="0"/>
-              </a:rPr>
-              <a:t>df_training</a:t>
-            </a:r>
-            <a:r>
-              <a:rPr lang="de-DE" sz="1100" dirty="0">
-                <a:latin typeface="Cascadia Mono" panose="020B0609020000020004" pitchFamily="49" charset="0"/>
-                <a:ea typeface="Cascadia Mono" panose="020B0609020000020004" pitchFamily="49" charset="0"/>
-                <a:cs typeface="Cascadia Mono" panose="020B0609020000020004" pitchFamily="49" charset="0"/>
-              </a:rPr>
-              <a:t> &lt;- </a:t>
-            </a:r>
-            <a:r>
-              <a:rPr lang="de-DE" sz="1100" dirty="0" err="1">
-                <a:latin typeface="Cascadia Mono" panose="020B0609020000020004" pitchFamily="49" charset="0"/>
-                <a:ea typeface="Cascadia Mono" panose="020B0609020000020004" pitchFamily="49" charset="0"/>
-                <a:cs typeface="Cascadia Mono" panose="020B0609020000020004" pitchFamily="49" charset="0"/>
-              </a:rPr>
-              <a:t>training</a:t>
-            </a:r>
-            <a:r>
-              <a:rPr lang="de-DE" sz="1100" dirty="0">
-                <a:latin typeface="Cascadia Mono" panose="020B0609020000020004" pitchFamily="49" charset="0"/>
-                <a:ea typeface="Cascadia Mono" panose="020B0609020000020004" pitchFamily="49" charset="0"/>
-                <a:cs typeface="Cascadia Mono" panose="020B0609020000020004" pitchFamily="49" charset="0"/>
-              </a:rPr>
-              <a:t>(</a:t>
-            </a:r>
-            <a:r>
-              <a:rPr lang="de-DE" sz="1100" dirty="0" err="1">
-                <a:latin typeface="Cascadia Mono" panose="020B0609020000020004" pitchFamily="49" charset="0"/>
-                <a:ea typeface="Cascadia Mono" panose="020B0609020000020004" pitchFamily="49" charset="0"/>
-                <a:cs typeface="Cascadia Mono" panose="020B0609020000020004" pitchFamily="49" charset="0"/>
-              </a:rPr>
-              <a:t>sp</a:t>
-            </a:r>
-            <a:r>
-              <a:rPr lang="de-DE" sz="1100" dirty="0">
-                <a:latin typeface="Cascadia Mono" panose="020B0609020000020004" pitchFamily="49" charset="0"/>
-                <a:ea typeface="Cascadia Mono" panose="020B0609020000020004" pitchFamily="49" charset="0"/>
-                <a:cs typeface="Cascadia Mono" panose="020B0609020000020004" pitchFamily="49" charset="0"/>
-              </a:rPr>
-              <a:t>)</a:t>
-            </a:r>
-          </a:p>
-          <a:p>
-            <a:r>
-              <a:rPr lang="de-DE" sz="1100" dirty="0" err="1">
-                <a:latin typeface="Cascadia Mono" panose="020B0609020000020004" pitchFamily="49" charset="0"/>
-                <a:ea typeface="Cascadia Mono" panose="020B0609020000020004" pitchFamily="49" charset="0"/>
-                <a:cs typeface="Cascadia Mono" panose="020B0609020000020004" pitchFamily="49" charset="0"/>
-              </a:rPr>
-              <a:t>df_test</a:t>
-            </a:r>
-            <a:r>
-              <a:rPr lang="de-DE" sz="1100" dirty="0">
-                <a:latin typeface="Cascadia Mono" panose="020B0609020000020004" pitchFamily="49" charset="0"/>
-                <a:ea typeface="Cascadia Mono" panose="020B0609020000020004" pitchFamily="49" charset="0"/>
-                <a:cs typeface="Cascadia Mono" panose="020B0609020000020004" pitchFamily="49" charset="0"/>
-              </a:rPr>
-              <a:t>   &lt;- </a:t>
-            </a:r>
-            <a:r>
-              <a:rPr lang="de-DE" sz="1100" dirty="0" err="1">
-                <a:latin typeface="Cascadia Mono" panose="020B0609020000020004" pitchFamily="49" charset="0"/>
-                <a:ea typeface="Cascadia Mono" panose="020B0609020000020004" pitchFamily="49" charset="0"/>
-                <a:cs typeface="Cascadia Mono" panose="020B0609020000020004" pitchFamily="49" charset="0"/>
-              </a:rPr>
-              <a:t>testing</a:t>
-            </a:r>
-            <a:r>
-              <a:rPr lang="de-DE" sz="1100" dirty="0">
-                <a:latin typeface="Cascadia Mono" panose="020B0609020000020004" pitchFamily="49" charset="0"/>
-                <a:ea typeface="Cascadia Mono" panose="020B0609020000020004" pitchFamily="49" charset="0"/>
-                <a:cs typeface="Cascadia Mono" panose="020B0609020000020004" pitchFamily="49" charset="0"/>
-              </a:rPr>
-              <a:t>(</a:t>
-            </a:r>
-            <a:r>
-              <a:rPr lang="de-DE" sz="1100" dirty="0" err="1">
-                <a:latin typeface="Cascadia Mono" panose="020B0609020000020004" pitchFamily="49" charset="0"/>
-                <a:ea typeface="Cascadia Mono" panose="020B0609020000020004" pitchFamily="49" charset="0"/>
-                <a:cs typeface="Cascadia Mono" panose="020B0609020000020004" pitchFamily="49" charset="0"/>
-              </a:rPr>
-              <a:t>sp</a:t>
-            </a:r>
-            <a:r>
-              <a:rPr lang="de-DE" sz="1100" dirty="0">
-                <a:latin typeface="Cascadia Mono" panose="020B0609020000020004" pitchFamily="49" charset="0"/>
-                <a:ea typeface="Cascadia Mono" panose="020B0609020000020004" pitchFamily="49" charset="0"/>
-                <a:cs typeface="Cascadia Mono" panose="020B0609020000020004" pitchFamily="49" charset="0"/>
-              </a:rPr>
-              <a:t>)</a:t>
-            </a:r>
-          </a:p>
-        </p:txBody>
-      </p:sp>
-      <p:sp>
-        <p:nvSpPr>
-          <p:cNvPr id="9" name="Textfeld 8">
-            <a:extLst>
-              <a:ext uri="{FF2B5EF4-FFF2-40B4-BE49-F238E27FC236}">
-                <a16:creationId xmlns:a16="http://schemas.microsoft.com/office/drawing/2014/main" id="{58D9467C-3ACB-4A73-9A43-0B0BF082618C}"/>
-              </a:ext>
-            </a:extLst>
-          </p:cNvPr>
-          <p:cNvSpPr txBox="1"/>
-          <p:nvPr/>
-        </p:nvSpPr>
-        <p:spPr>
-          <a:xfrm>
-            <a:off x="3428993" y="129627"/>
-            <a:ext cx="8501943" cy="369332"/>
-          </a:xfrm>
-          <a:prstGeom prst="rect">
-            <a:avLst/>
-          </a:prstGeom>
-          <a:noFill/>
-        </p:spPr>
-        <p:txBody>
-          <a:bodyPr wrap="none" rtlCol="0">
-            <a:spAutoFit/>
-          </a:bodyPr>
-          <a:lstStyle/>
-          <a:p>
-            <a:r>
-              <a:rPr lang="de-DE" dirty="0">
-                <a:solidFill>
-                  <a:schemeClr val="accent4"/>
-                </a:solidFill>
-              </a:rPr>
-              <a:t>Fox et al. 2025 </a:t>
-            </a:r>
-            <a:r>
-              <a:rPr lang="de-DE" dirty="0" err="1">
-                <a:solidFill>
-                  <a:schemeClr val="accent4"/>
-                </a:solidFill>
-              </a:rPr>
-              <a:t>Cognitive</a:t>
-            </a:r>
-            <a:r>
-              <a:rPr lang="de-DE" dirty="0">
-                <a:solidFill>
-                  <a:schemeClr val="accent4"/>
-                </a:solidFill>
-              </a:rPr>
-              <a:t> </a:t>
-            </a:r>
-            <a:r>
-              <a:rPr lang="de-DE" dirty="0" err="1">
-                <a:solidFill>
-                  <a:schemeClr val="accent4"/>
-                </a:solidFill>
-              </a:rPr>
-              <a:t>arbitration</a:t>
-            </a:r>
-            <a:r>
-              <a:rPr lang="de-DE" dirty="0">
-                <a:solidFill>
-                  <a:schemeClr val="accent4"/>
-                </a:solidFill>
-              </a:rPr>
-              <a:t> </a:t>
-            </a:r>
-            <a:r>
-              <a:rPr lang="de-DE" dirty="0" err="1">
-                <a:solidFill>
-                  <a:schemeClr val="accent4"/>
-                </a:solidFill>
-              </a:rPr>
-              <a:t>between</a:t>
-            </a:r>
-            <a:r>
-              <a:rPr lang="de-DE" dirty="0">
-                <a:solidFill>
-                  <a:schemeClr val="accent4"/>
-                </a:solidFill>
-              </a:rPr>
-              <a:t> </a:t>
-            </a:r>
-            <a:r>
-              <a:rPr lang="de-DE" dirty="0" err="1">
-                <a:solidFill>
-                  <a:schemeClr val="accent4"/>
-                </a:solidFill>
-              </a:rPr>
-              <a:t>candidate</a:t>
-            </a:r>
-            <a:r>
-              <a:rPr lang="de-DE" dirty="0">
-                <a:solidFill>
-                  <a:schemeClr val="accent4"/>
-                </a:solidFill>
-              </a:rPr>
-              <a:t> </a:t>
-            </a:r>
-            <a:r>
-              <a:rPr lang="de-DE" dirty="0" err="1">
-                <a:solidFill>
-                  <a:schemeClr val="accent4"/>
-                </a:solidFill>
-              </a:rPr>
-              <a:t>dimensions</a:t>
-            </a:r>
-            <a:r>
-              <a:rPr lang="de-DE" dirty="0">
-                <a:solidFill>
-                  <a:schemeClr val="accent4"/>
-                </a:solidFill>
-              </a:rPr>
-              <a:t> </a:t>
-            </a:r>
-            <a:r>
-              <a:rPr lang="de-DE" dirty="0" err="1">
-                <a:solidFill>
-                  <a:schemeClr val="accent4"/>
-                </a:solidFill>
-              </a:rPr>
-              <a:t>of</a:t>
-            </a:r>
-            <a:r>
-              <a:rPr lang="de-DE" dirty="0">
-                <a:solidFill>
-                  <a:schemeClr val="accent4"/>
-                </a:solidFill>
-              </a:rPr>
-              <a:t> </a:t>
-            </a:r>
-            <a:r>
-              <a:rPr lang="de-DE" dirty="0" err="1">
-                <a:solidFill>
-                  <a:schemeClr val="accent4"/>
-                </a:solidFill>
-              </a:rPr>
-              <a:t>psychopathology</a:t>
-            </a:r>
-            <a:r>
-              <a:rPr lang="de-DE" dirty="0">
-                <a:solidFill>
-                  <a:schemeClr val="accent4"/>
-                </a:solidFill>
-              </a:rPr>
-              <a:t> </a:t>
-            </a:r>
           </a:p>
         </p:txBody>
       </p:sp>
     </p:spTree>
     <p:extLst>
       <p:ext uri="{BB962C8B-B14F-4D97-AF65-F5344CB8AC3E}">
-        <p14:creationId xmlns:p14="http://schemas.microsoft.com/office/powerpoint/2010/main" val="524473774"/>
+        <p14:creationId xmlns:p14="http://schemas.microsoft.com/office/powerpoint/2010/main" val="832530222"/>
       </p:ext>
     </p:extLst>
   </p:cSld>
@@ -4434,871 +4203,7 @@
 </p:sld>
 </file>
 
-<file path=ppt/slides/slide3.xml><?xml version="1.0" encoding="utf-8"?>
-<p:sld xmlns:a="http://schemas.openxmlformats.org/drawingml/2006/main" xmlns:r="http://schemas.openxmlformats.org/officeDocument/2006/relationships" xmlns:p="http://schemas.openxmlformats.org/presentationml/2006/main">
-  <p:cSld>
-    <p:spTree>
-      <p:nvGrpSpPr>
-        <p:cNvPr id="1" name=""/>
-        <p:cNvGrpSpPr/>
-        <p:nvPr/>
-      </p:nvGrpSpPr>
-      <p:grpSpPr>
-        <a:xfrm>
-          <a:off x="0" y="0"/>
-          <a:ext cx="0" cy="0"/>
-          <a:chOff x="0" y="0"/>
-          <a:chExt cx="0" cy="0"/>
-        </a:xfrm>
-      </p:grpSpPr>
-      <p:sp>
-        <p:nvSpPr>
-          <p:cNvPr id="2" name="Titel 1">
-            <a:extLst>
-              <a:ext uri="{FF2B5EF4-FFF2-40B4-BE49-F238E27FC236}">
-                <a16:creationId xmlns:a16="http://schemas.microsoft.com/office/drawing/2014/main" id="{AEDF1756-C3AD-49D9-9F73-C47CC5FF8404}"/>
-              </a:ext>
-            </a:extLst>
-          </p:cNvPr>
-          <p:cNvSpPr>
-            <a:spLocks noGrp="1"/>
-          </p:cNvSpPr>
-          <p:nvPr>
-            <p:ph type="title"/>
-          </p:nvPr>
-        </p:nvSpPr>
-        <p:spPr/>
-        <p:txBody>
-          <a:bodyPr/>
-          <a:lstStyle/>
-          <a:p>
-            <a:r>
-              <a:rPr lang="de-DE" dirty="0"/>
-              <a:t>EFA</a:t>
-            </a:r>
-          </a:p>
-        </p:txBody>
-      </p:sp>
-      <p:sp>
-        <p:nvSpPr>
-          <p:cNvPr id="3" name="Inhaltsplatzhalter 2">
-            <a:extLst>
-              <a:ext uri="{FF2B5EF4-FFF2-40B4-BE49-F238E27FC236}">
-                <a16:creationId xmlns:a16="http://schemas.microsoft.com/office/drawing/2014/main" id="{BC1A5B2D-2810-496F-B6F5-B2681DBAD1D7}"/>
-              </a:ext>
-            </a:extLst>
-          </p:cNvPr>
-          <p:cNvSpPr>
-            <a:spLocks noGrp="1"/>
-          </p:cNvSpPr>
-          <p:nvPr>
-            <p:ph idx="1"/>
-          </p:nvPr>
-        </p:nvSpPr>
-        <p:spPr/>
-        <p:txBody>
-          <a:bodyPr>
-            <a:normAutofit fontScale="92500" lnSpcReduction="10000"/>
-          </a:bodyPr>
-          <a:lstStyle/>
-          <a:p>
-            <a:r>
-              <a:rPr lang="de-DE" dirty="0" err="1"/>
-              <a:t>How</a:t>
-            </a:r>
-            <a:r>
-              <a:rPr lang="de-DE" dirty="0"/>
-              <a:t> </a:t>
-            </a:r>
-            <a:r>
-              <a:rPr lang="de-DE" dirty="0" err="1"/>
-              <a:t>many</a:t>
-            </a:r>
-            <a:r>
-              <a:rPr lang="de-DE" dirty="0"/>
-              <a:t> </a:t>
-            </a:r>
-            <a:r>
-              <a:rPr lang="de-DE" dirty="0" err="1"/>
-              <a:t>factors</a:t>
-            </a:r>
-            <a:r>
-              <a:rPr lang="de-DE" dirty="0"/>
-              <a:t> </a:t>
-            </a:r>
-            <a:r>
-              <a:rPr lang="de-DE" dirty="0" err="1"/>
-              <a:t>to</a:t>
-            </a:r>
-            <a:r>
-              <a:rPr lang="de-DE" dirty="0"/>
-              <a:t> </a:t>
-            </a:r>
-            <a:r>
-              <a:rPr lang="de-DE" dirty="0" err="1"/>
-              <a:t>extract</a:t>
-            </a:r>
-            <a:r>
-              <a:rPr lang="de-DE" dirty="0"/>
-              <a:t>?</a:t>
-            </a:r>
-          </a:p>
-          <a:p>
-            <a:pPr lvl="1"/>
-            <a:r>
-              <a:rPr lang="de-DE" dirty="0"/>
-              <a:t>Parallel </a:t>
-            </a:r>
-            <a:r>
-              <a:rPr lang="de-DE" dirty="0" err="1"/>
-              <a:t>analysis</a:t>
-            </a:r>
-            <a:endParaRPr lang="de-DE" dirty="0"/>
-          </a:p>
-          <a:p>
-            <a:pPr lvl="1"/>
-            <a:r>
-              <a:rPr lang="de-DE" dirty="0" err="1"/>
-              <a:t>Scree</a:t>
-            </a:r>
-            <a:r>
-              <a:rPr lang="de-DE" dirty="0"/>
-              <a:t> </a:t>
-            </a:r>
-            <a:r>
-              <a:rPr lang="de-DE" dirty="0" err="1"/>
-              <a:t>plot</a:t>
-            </a:r>
-            <a:r>
-              <a:rPr lang="de-DE" dirty="0"/>
-              <a:t> (+ Nelson-</a:t>
-            </a:r>
-            <a:r>
-              <a:rPr lang="de-DE" dirty="0" err="1"/>
-              <a:t>Gorsuch</a:t>
-            </a:r>
-            <a:r>
-              <a:rPr lang="de-DE" dirty="0"/>
-              <a:t> Index)</a:t>
-            </a:r>
-          </a:p>
-          <a:p>
-            <a:pPr lvl="1"/>
-            <a:r>
-              <a:rPr lang="de-DE" dirty="0"/>
-              <a:t>Model fit </a:t>
-            </a:r>
-            <a:r>
-              <a:rPr lang="de-DE" dirty="0" err="1"/>
-              <a:t>indices</a:t>
-            </a:r>
-            <a:r>
-              <a:rPr lang="de-DE" dirty="0"/>
-              <a:t> (</a:t>
-            </a:r>
-            <a:r>
-              <a:rPr lang="de-DE" dirty="0" err="1"/>
-              <a:t>only</a:t>
-            </a:r>
-            <a:r>
-              <a:rPr lang="de-DE" dirty="0"/>
-              <a:t> CFA)</a:t>
-            </a:r>
-          </a:p>
-          <a:p>
-            <a:pPr lvl="1"/>
-            <a:r>
-              <a:rPr lang="de-DE" dirty="0"/>
-              <a:t>…</a:t>
-            </a:r>
-          </a:p>
-          <a:p>
-            <a:endParaRPr lang="de-DE" dirty="0"/>
-          </a:p>
-          <a:p>
-            <a:r>
-              <a:rPr lang="de-DE" dirty="0" err="1"/>
-              <a:t>Which</a:t>
-            </a:r>
-            <a:r>
-              <a:rPr lang="de-DE" dirty="0"/>
-              <a:t> </a:t>
-            </a:r>
-            <a:r>
-              <a:rPr lang="de-DE" dirty="0" err="1"/>
-              <a:t>estimator</a:t>
-            </a:r>
-            <a:r>
-              <a:rPr lang="de-DE" dirty="0"/>
-              <a:t> </a:t>
-            </a:r>
-            <a:r>
-              <a:rPr lang="de-DE" dirty="0" err="1"/>
-              <a:t>to</a:t>
-            </a:r>
-            <a:r>
-              <a:rPr lang="de-DE" dirty="0"/>
-              <a:t> </a:t>
-            </a:r>
-            <a:r>
-              <a:rPr lang="de-DE" dirty="0" err="1"/>
-              <a:t>use</a:t>
-            </a:r>
-            <a:r>
-              <a:rPr lang="de-DE" dirty="0"/>
-              <a:t> (</a:t>
-            </a:r>
-            <a:r>
-              <a:rPr lang="de-DE" dirty="0" err="1"/>
-              <a:t>only</a:t>
-            </a:r>
-            <a:r>
-              <a:rPr lang="de-DE" dirty="0"/>
-              <a:t> EFA)?</a:t>
-            </a:r>
-          </a:p>
-          <a:p>
-            <a:pPr lvl="1"/>
-            <a:r>
-              <a:rPr lang="de-DE" dirty="0"/>
-              <a:t>ML (</a:t>
-            </a:r>
-            <a:r>
-              <a:rPr lang="de-DE" dirty="0" err="1"/>
-              <a:t>continuous</a:t>
-            </a:r>
-            <a:r>
-              <a:rPr lang="de-DE" dirty="0"/>
-              <a:t>)</a:t>
-            </a:r>
-          </a:p>
-          <a:p>
-            <a:pPr lvl="1"/>
-            <a:r>
-              <a:rPr lang="de-DE" dirty="0"/>
-              <a:t>WLSMV (ordinal)</a:t>
-            </a:r>
-          </a:p>
-          <a:p>
-            <a:pPr lvl="1"/>
-            <a:r>
-              <a:rPr lang="de-DE" dirty="0"/>
-              <a:t>…</a:t>
-            </a:r>
-          </a:p>
-          <a:p>
-            <a:r>
-              <a:rPr lang="de-DE" dirty="0" err="1"/>
-              <a:t>Which</a:t>
-            </a:r>
-            <a:r>
-              <a:rPr lang="de-DE" dirty="0"/>
-              <a:t> (oblique) </a:t>
-            </a:r>
-            <a:r>
-              <a:rPr lang="de-DE" dirty="0" err="1"/>
-              <a:t>rotation</a:t>
-            </a:r>
-            <a:r>
-              <a:rPr lang="de-DE" dirty="0"/>
-              <a:t>?</a:t>
-            </a:r>
-          </a:p>
-          <a:p>
-            <a:pPr lvl="1"/>
-            <a:r>
-              <a:rPr lang="de-DE" dirty="0" err="1"/>
-              <a:t>Geomin</a:t>
-            </a:r>
-            <a:r>
-              <a:rPr lang="de-DE" dirty="0"/>
-              <a:t> (</a:t>
-            </a:r>
-            <a:r>
-              <a:rPr lang="de-DE" dirty="0" err="1"/>
-              <a:t>small</a:t>
-            </a:r>
-            <a:r>
-              <a:rPr lang="de-DE" dirty="0"/>
-              <a:t> but </a:t>
-            </a:r>
-            <a:r>
-              <a:rPr lang="de-DE" dirty="0" err="1"/>
-              <a:t>many</a:t>
-            </a:r>
-            <a:r>
-              <a:rPr lang="de-DE" dirty="0"/>
-              <a:t> </a:t>
-            </a:r>
-            <a:r>
-              <a:rPr lang="de-DE" dirty="0" err="1"/>
-              <a:t>cross-loadings</a:t>
-            </a:r>
-            <a:r>
-              <a:rPr lang="de-DE" dirty="0"/>
-              <a:t>)</a:t>
-            </a:r>
-          </a:p>
-          <a:p>
-            <a:pPr lvl="1"/>
-            <a:r>
-              <a:rPr lang="de-DE" dirty="0" err="1"/>
-              <a:t>Oblimin</a:t>
-            </a:r>
-            <a:r>
-              <a:rPr lang="de-DE" dirty="0"/>
-              <a:t> (</a:t>
-            </a:r>
-            <a:r>
-              <a:rPr lang="de-DE" dirty="0" err="1"/>
-              <a:t>very</a:t>
-            </a:r>
-            <a:r>
-              <a:rPr lang="de-DE" dirty="0"/>
-              <a:t> </a:t>
-            </a:r>
-            <a:r>
-              <a:rPr lang="de-DE" dirty="0" err="1"/>
-              <a:t>small</a:t>
-            </a:r>
-            <a:r>
-              <a:rPr lang="de-DE" dirty="0"/>
-              <a:t> </a:t>
-            </a:r>
-            <a:r>
-              <a:rPr lang="de-DE" dirty="0" err="1"/>
-              <a:t>cross-loadings</a:t>
-            </a:r>
-            <a:r>
-              <a:rPr lang="de-DE" dirty="0"/>
-              <a:t>)</a:t>
-            </a:r>
-          </a:p>
-          <a:p>
-            <a:pPr lvl="1"/>
-            <a:r>
-              <a:rPr lang="de-DE" dirty="0" err="1"/>
-              <a:t>Promax</a:t>
-            </a:r>
-            <a:r>
-              <a:rPr lang="de-DE" dirty="0"/>
-              <a:t> (staple)</a:t>
-            </a:r>
-          </a:p>
-          <a:p>
-            <a:pPr lvl="1"/>
-            <a:r>
-              <a:rPr lang="de-DE" dirty="0"/>
-              <a:t>Target Rotation (</a:t>
-            </a:r>
-            <a:r>
-              <a:rPr lang="de-DE" dirty="0" err="1"/>
-              <a:t>specify</a:t>
-            </a:r>
-            <a:r>
-              <a:rPr lang="de-DE" dirty="0"/>
-              <a:t> </a:t>
-            </a:r>
-            <a:r>
-              <a:rPr lang="de-DE" dirty="0" err="1"/>
-              <a:t>goal</a:t>
-            </a:r>
-            <a:r>
-              <a:rPr lang="de-DE" dirty="0"/>
-              <a:t> and still </a:t>
-            </a:r>
-            <a:r>
-              <a:rPr lang="de-DE" dirty="0" err="1"/>
-              <a:t>want</a:t>
-            </a:r>
-            <a:r>
-              <a:rPr lang="de-DE" dirty="0"/>
-              <a:t> </a:t>
-            </a:r>
-            <a:r>
-              <a:rPr lang="de-DE" dirty="0" err="1"/>
-              <a:t>some</a:t>
-            </a:r>
-            <a:r>
-              <a:rPr lang="de-DE" dirty="0"/>
-              <a:t> EFA </a:t>
-            </a:r>
-            <a:r>
-              <a:rPr lang="de-DE" dirty="0" err="1"/>
-              <a:t>flexibility</a:t>
-            </a:r>
-            <a:r>
-              <a:rPr lang="de-DE" dirty="0"/>
-              <a:t>)</a:t>
-            </a:r>
-          </a:p>
-          <a:p>
-            <a:pPr lvl="1"/>
-            <a:r>
-              <a:rPr lang="de-DE" dirty="0"/>
-              <a:t>…</a:t>
-            </a:r>
-          </a:p>
-          <a:p>
-            <a:pPr lvl="1"/>
-            <a:endParaRPr lang="de-DE" dirty="0"/>
-          </a:p>
-        </p:txBody>
-      </p:sp>
-      <p:sp>
-        <p:nvSpPr>
-          <p:cNvPr id="4" name="Rechteck 3">
-            <a:extLst>
-              <a:ext uri="{FF2B5EF4-FFF2-40B4-BE49-F238E27FC236}">
-                <a16:creationId xmlns:a16="http://schemas.microsoft.com/office/drawing/2014/main" id="{2D860586-CA30-4A43-B07A-3DA060697EF7}"/>
-              </a:ext>
-            </a:extLst>
-          </p:cNvPr>
-          <p:cNvSpPr/>
-          <p:nvPr/>
-        </p:nvSpPr>
-        <p:spPr>
-          <a:xfrm>
-            <a:off x="4377264" y="4529667"/>
-            <a:ext cx="3640666" cy="304800"/>
-          </a:xfrm>
-          <a:prstGeom prst="rect">
-            <a:avLst/>
-          </a:prstGeom>
-          <a:noFill/>
-          <a:ln w="57150">
-            <a:solidFill>
-              <a:schemeClr val="accent4"/>
-            </a:solidFill>
-          </a:ln>
-        </p:spPr>
-        <p:style>
-          <a:lnRef idx="2">
-            <a:schemeClr val="accent1">
-              <a:shade val="50000"/>
-            </a:schemeClr>
-          </a:lnRef>
-          <a:fillRef idx="1">
-            <a:schemeClr val="accent1"/>
-          </a:fillRef>
-          <a:effectRef idx="0">
-            <a:schemeClr val="accent1"/>
-          </a:effectRef>
-          <a:fontRef idx="minor">
-            <a:schemeClr val="lt1"/>
-          </a:fontRef>
-        </p:style>
-        <p:txBody>
-          <a:bodyPr rtlCol="0" anchor="ctr"/>
-          <a:lstStyle/>
-          <a:p>
-            <a:pPr algn="ctr"/>
-            <a:endParaRPr lang="de-DE"/>
-          </a:p>
-        </p:txBody>
-      </p:sp>
-      <p:sp>
-        <p:nvSpPr>
-          <p:cNvPr id="5" name="Rechteck 4">
-            <a:extLst>
-              <a:ext uri="{FF2B5EF4-FFF2-40B4-BE49-F238E27FC236}">
-                <a16:creationId xmlns:a16="http://schemas.microsoft.com/office/drawing/2014/main" id="{ED33CD97-88DA-418F-A342-052D2617B779}"/>
-              </a:ext>
-            </a:extLst>
-          </p:cNvPr>
-          <p:cNvSpPr/>
-          <p:nvPr/>
-        </p:nvSpPr>
-        <p:spPr>
-          <a:xfrm>
-            <a:off x="4377264" y="2977073"/>
-            <a:ext cx="1930402" cy="304800"/>
-          </a:xfrm>
-          <a:prstGeom prst="rect">
-            <a:avLst/>
-          </a:prstGeom>
-          <a:noFill/>
-          <a:ln w="57150">
-            <a:solidFill>
-              <a:schemeClr val="accent4"/>
-            </a:solidFill>
-          </a:ln>
-        </p:spPr>
-        <p:style>
-          <a:lnRef idx="2">
-            <a:schemeClr val="accent1">
-              <a:shade val="50000"/>
-            </a:schemeClr>
-          </a:lnRef>
-          <a:fillRef idx="1">
-            <a:schemeClr val="accent1"/>
-          </a:fillRef>
-          <a:effectRef idx="0">
-            <a:schemeClr val="accent1"/>
-          </a:effectRef>
-          <a:fontRef idx="minor">
-            <a:schemeClr val="lt1"/>
-          </a:fontRef>
-        </p:style>
-        <p:txBody>
-          <a:bodyPr rtlCol="0" anchor="ctr"/>
-          <a:lstStyle/>
-          <a:p>
-            <a:pPr algn="ctr"/>
-            <a:endParaRPr lang="de-DE"/>
-          </a:p>
-        </p:txBody>
-      </p:sp>
-      <p:sp>
-        <p:nvSpPr>
-          <p:cNvPr id="6" name="Textfeld 5">
-            <a:extLst>
-              <a:ext uri="{FF2B5EF4-FFF2-40B4-BE49-F238E27FC236}">
-                <a16:creationId xmlns:a16="http://schemas.microsoft.com/office/drawing/2014/main" id="{65C9B705-4B1F-47EA-9031-B005C34B4564}"/>
-              </a:ext>
-            </a:extLst>
-          </p:cNvPr>
-          <p:cNvSpPr txBox="1"/>
-          <p:nvPr/>
-        </p:nvSpPr>
-        <p:spPr>
-          <a:xfrm>
-            <a:off x="6460065" y="3129473"/>
-            <a:ext cx="5257800" cy="430887"/>
-          </a:xfrm>
-          <a:prstGeom prst="rect">
-            <a:avLst/>
-          </a:prstGeom>
-          <a:solidFill>
-            <a:schemeClr val="bg1">
-              <a:lumMod val="95000"/>
-            </a:schemeClr>
-          </a:solidFill>
-          <a:ln w="38100">
-            <a:solidFill>
-              <a:schemeClr val="accent4"/>
-            </a:solidFill>
-          </a:ln>
-        </p:spPr>
-        <p:txBody>
-          <a:bodyPr wrap="square" rtlCol="0">
-            <a:spAutoFit/>
-          </a:bodyPr>
-          <a:lstStyle/>
-          <a:p>
-            <a:r>
-              <a:rPr lang="en-US" sz="1100" dirty="0">
-                <a:latin typeface="Cascadia Mono" panose="020B0609020000020004" pitchFamily="49" charset="0"/>
-                <a:ea typeface="Cascadia Mono" panose="020B0609020000020004" pitchFamily="49" charset="0"/>
-                <a:cs typeface="Cascadia Mono" panose="020B0609020000020004" pitchFamily="49" charset="0"/>
-              </a:rPr>
-              <a:t>fa(R, </a:t>
-            </a:r>
-            <a:r>
-              <a:rPr lang="en-US" sz="1100" dirty="0" err="1">
-                <a:latin typeface="Cascadia Mono" panose="020B0609020000020004" pitchFamily="49" charset="0"/>
-                <a:ea typeface="Cascadia Mono" panose="020B0609020000020004" pitchFamily="49" charset="0"/>
-                <a:cs typeface="Cascadia Mono" panose="020B0609020000020004" pitchFamily="49" charset="0"/>
-              </a:rPr>
-              <a:t>nfactors</a:t>
-            </a:r>
-            <a:r>
-              <a:rPr lang="en-US" sz="1100" dirty="0">
-                <a:latin typeface="Cascadia Mono" panose="020B0609020000020004" pitchFamily="49" charset="0"/>
-                <a:ea typeface="Cascadia Mono" panose="020B0609020000020004" pitchFamily="49" charset="0"/>
-                <a:cs typeface="Cascadia Mono" panose="020B0609020000020004" pitchFamily="49" charset="0"/>
-              </a:rPr>
-              <a:t> = k, </a:t>
-            </a:r>
-            <a:r>
-              <a:rPr lang="en-US" sz="1100" dirty="0" err="1">
-                <a:latin typeface="Cascadia Mono" panose="020B0609020000020004" pitchFamily="49" charset="0"/>
-                <a:ea typeface="Cascadia Mono" panose="020B0609020000020004" pitchFamily="49" charset="0"/>
-                <a:cs typeface="Cascadia Mono" panose="020B0609020000020004" pitchFamily="49" charset="0"/>
-              </a:rPr>
-              <a:t>fm</a:t>
-            </a:r>
-            <a:r>
-              <a:rPr lang="en-US" sz="1100" dirty="0">
-                <a:latin typeface="Cascadia Mono" panose="020B0609020000020004" pitchFamily="49" charset="0"/>
-                <a:ea typeface="Cascadia Mono" panose="020B0609020000020004" pitchFamily="49" charset="0"/>
-                <a:cs typeface="Cascadia Mono" panose="020B0609020000020004" pitchFamily="49" charset="0"/>
-              </a:rPr>
-              <a:t> = "ml", rotate = "</a:t>
-            </a:r>
-            <a:r>
-              <a:rPr lang="en-US" sz="1100" dirty="0" err="1">
-                <a:latin typeface="Cascadia Mono" panose="020B0609020000020004" pitchFamily="49" charset="0"/>
-                <a:ea typeface="Cascadia Mono" panose="020B0609020000020004" pitchFamily="49" charset="0"/>
-                <a:cs typeface="Cascadia Mono" panose="020B0609020000020004" pitchFamily="49" charset="0"/>
-              </a:rPr>
-              <a:t>oblimin</a:t>
-            </a:r>
-            <a:r>
-              <a:rPr lang="en-US" sz="1100" dirty="0">
-                <a:latin typeface="Cascadia Mono" panose="020B0609020000020004" pitchFamily="49" charset="0"/>
-                <a:ea typeface="Cascadia Mono" panose="020B0609020000020004" pitchFamily="49" charset="0"/>
-                <a:cs typeface="Cascadia Mono" panose="020B0609020000020004" pitchFamily="49" charset="0"/>
-              </a:rPr>
-              <a:t>", scores = "regression", </a:t>
-            </a:r>
-            <a:r>
-              <a:rPr lang="en-US" sz="1100" dirty="0" err="1">
-                <a:latin typeface="Cascadia Mono" panose="020B0609020000020004" pitchFamily="49" charset="0"/>
-                <a:ea typeface="Cascadia Mono" panose="020B0609020000020004" pitchFamily="49" charset="0"/>
-                <a:cs typeface="Cascadia Mono" panose="020B0609020000020004" pitchFamily="49" charset="0"/>
-              </a:rPr>
-              <a:t>n.obs</a:t>
-            </a:r>
-            <a:r>
-              <a:rPr lang="en-US" sz="1100" dirty="0">
-                <a:latin typeface="Cascadia Mono" panose="020B0609020000020004" pitchFamily="49" charset="0"/>
-                <a:ea typeface="Cascadia Mono" panose="020B0609020000020004" pitchFamily="49" charset="0"/>
-                <a:cs typeface="Cascadia Mono" panose="020B0609020000020004" pitchFamily="49" charset="0"/>
-              </a:rPr>
-              <a:t> = </a:t>
-            </a:r>
-            <a:r>
-              <a:rPr lang="en-US" sz="1100" dirty="0" err="1">
-                <a:latin typeface="Cascadia Mono" panose="020B0609020000020004" pitchFamily="49" charset="0"/>
-                <a:ea typeface="Cascadia Mono" panose="020B0609020000020004" pitchFamily="49" charset="0"/>
-                <a:cs typeface="Cascadia Mono" panose="020B0609020000020004" pitchFamily="49" charset="0"/>
-              </a:rPr>
-              <a:t>nrow</a:t>
-            </a:r>
-            <a:r>
-              <a:rPr lang="en-US" sz="1100" dirty="0">
-                <a:latin typeface="Cascadia Mono" panose="020B0609020000020004" pitchFamily="49" charset="0"/>
-                <a:ea typeface="Cascadia Mono" panose="020B0609020000020004" pitchFamily="49" charset="0"/>
-                <a:cs typeface="Cascadia Mono" panose="020B0609020000020004" pitchFamily="49" charset="0"/>
-              </a:rPr>
-              <a:t>(items))</a:t>
-            </a:r>
-            <a:endParaRPr lang="de-DE" sz="1100" dirty="0">
-              <a:latin typeface="Cascadia Mono" panose="020B0609020000020004" pitchFamily="49" charset="0"/>
-              <a:ea typeface="Cascadia Mono" panose="020B0609020000020004" pitchFamily="49" charset="0"/>
-              <a:cs typeface="Cascadia Mono" panose="020B0609020000020004" pitchFamily="49" charset="0"/>
-            </a:endParaRPr>
-          </a:p>
-        </p:txBody>
-      </p:sp>
-      <p:sp>
-        <p:nvSpPr>
-          <p:cNvPr id="7" name="Rechteck 6">
-            <a:extLst>
-              <a:ext uri="{FF2B5EF4-FFF2-40B4-BE49-F238E27FC236}">
-                <a16:creationId xmlns:a16="http://schemas.microsoft.com/office/drawing/2014/main" id="{445A8452-903E-4003-8995-BD9C675F676C}"/>
-              </a:ext>
-            </a:extLst>
-          </p:cNvPr>
-          <p:cNvSpPr/>
-          <p:nvPr/>
-        </p:nvSpPr>
-        <p:spPr>
-          <a:xfrm>
-            <a:off x="4377264" y="1387445"/>
-            <a:ext cx="3708402" cy="304800"/>
-          </a:xfrm>
-          <a:prstGeom prst="rect">
-            <a:avLst/>
-          </a:prstGeom>
-          <a:noFill/>
-          <a:ln w="57150">
-            <a:solidFill>
-              <a:schemeClr val="accent4"/>
-            </a:solidFill>
-          </a:ln>
-        </p:spPr>
-        <p:style>
-          <a:lnRef idx="2">
-            <a:schemeClr val="accent1">
-              <a:shade val="50000"/>
-            </a:schemeClr>
-          </a:lnRef>
-          <a:fillRef idx="1">
-            <a:schemeClr val="accent1"/>
-          </a:fillRef>
-          <a:effectRef idx="0">
-            <a:schemeClr val="accent1"/>
-          </a:effectRef>
-          <a:fontRef idx="minor">
-            <a:schemeClr val="lt1"/>
-          </a:fontRef>
-        </p:style>
-        <p:txBody>
-          <a:bodyPr rtlCol="0" anchor="ctr"/>
-          <a:lstStyle/>
-          <a:p>
-            <a:pPr algn="ctr"/>
-            <a:endParaRPr lang="de-DE"/>
-          </a:p>
-        </p:txBody>
-      </p:sp>
-      <p:sp>
-        <p:nvSpPr>
-          <p:cNvPr id="9" name="Textfeld 8">
-            <a:extLst>
-              <a:ext uri="{FF2B5EF4-FFF2-40B4-BE49-F238E27FC236}">
-                <a16:creationId xmlns:a16="http://schemas.microsoft.com/office/drawing/2014/main" id="{02475EAC-D201-4403-9537-9E3352D74B2A}"/>
-              </a:ext>
-            </a:extLst>
-          </p:cNvPr>
-          <p:cNvSpPr txBox="1"/>
-          <p:nvPr/>
-        </p:nvSpPr>
-        <p:spPr>
-          <a:xfrm>
-            <a:off x="3420526" y="234692"/>
-            <a:ext cx="8501943" cy="369332"/>
-          </a:xfrm>
-          <a:prstGeom prst="rect">
-            <a:avLst/>
-          </a:prstGeom>
-          <a:noFill/>
-        </p:spPr>
-        <p:txBody>
-          <a:bodyPr wrap="none" rtlCol="0">
-            <a:spAutoFit/>
-          </a:bodyPr>
-          <a:lstStyle/>
-          <a:p>
-            <a:r>
-              <a:rPr lang="de-DE" dirty="0">
-                <a:solidFill>
-                  <a:schemeClr val="accent4"/>
-                </a:solidFill>
-              </a:rPr>
-              <a:t>Fox et al. 2025 </a:t>
-            </a:r>
-            <a:r>
-              <a:rPr lang="de-DE" dirty="0" err="1">
-                <a:solidFill>
-                  <a:schemeClr val="accent4"/>
-                </a:solidFill>
-              </a:rPr>
-              <a:t>Cognitive</a:t>
-            </a:r>
-            <a:r>
-              <a:rPr lang="de-DE" dirty="0">
-                <a:solidFill>
-                  <a:schemeClr val="accent4"/>
-                </a:solidFill>
-              </a:rPr>
-              <a:t> </a:t>
-            </a:r>
-            <a:r>
-              <a:rPr lang="de-DE" dirty="0" err="1">
-                <a:solidFill>
-                  <a:schemeClr val="accent4"/>
-                </a:solidFill>
-              </a:rPr>
-              <a:t>arbitration</a:t>
-            </a:r>
-            <a:r>
-              <a:rPr lang="de-DE" dirty="0">
-                <a:solidFill>
-                  <a:schemeClr val="accent4"/>
-                </a:solidFill>
-              </a:rPr>
-              <a:t> </a:t>
-            </a:r>
-            <a:r>
-              <a:rPr lang="de-DE" dirty="0" err="1">
-                <a:solidFill>
-                  <a:schemeClr val="accent4"/>
-                </a:solidFill>
-              </a:rPr>
-              <a:t>between</a:t>
-            </a:r>
-            <a:r>
-              <a:rPr lang="de-DE" dirty="0">
-                <a:solidFill>
-                  <a:schemeClr val="accent4"/>
-                </a:solidFill>
-              </a:rPr>
-              <a:t> </a:t>
-            </a:r>
-            <a:r>
-              <a:rPr lang="de-DE" dirty="0" err="1">
-                <a:solidFill>
-                  <a:schemeClr val="accent4"/>
-                </a:solidFill>
-              </a:rPr>
-              <a:t>candidate</a:t>
-            </a:r>
-            <a:r>
-              <a:rPr lang="de-DE" dirty="0">
-                <a:solidFill>
-                  <a:schemeClr val="accent4"/>
-                </a:solidFill>
-              </a:rPr>
-              <a:t> </a:t>
-            </a:r>
-            <a:r>
-              <a:rPr lang="de-DE" dirty="0" err="1">
-                <a:solidFill>
-                  <a:schemeClr val="accent4"/>
-                </a:solidFill>
-              </a:rPr>
-              <a:t>dimensions</a:t>
-            </a:r>
-            <a:r>
-              <a:rPr lang="de-DE" dirty="0">
-                <a:solidFill>
-                  <a:schemeClr val="accent4"/>
-                </a:solidFill>
-              </a:rPr>
-              <a:t> </a:t>
-            </a:r>
-            <a:r>
-              <a:rPr lang="de-DE" dirty="0" err="1">
-                <a:solidFill>
-                  <a:schemeClr val="accent4"/>
-                </a:solidFill>
-              </a:rPr>
-              <a:t>of</a:t>
-            </a:r>
-            <a:r>
-              <a:rPr lang="de-DE" dirty="0">
-                <a:solidFill>
-                  <a:schemeClr val="accent4"/>
-                </a:solidFill>
-              </a:rPr>
-              <a:t> </a:t>
-            </a:r>
-            <a:r>
-              <a:rPr lang="de-DE" dirty="0" err="1">
-                <a:solidFill>
-                  <a:schemeClr val="accent4"/>
-                </a:solidFill>
-              </a:rPr>
-              <a:t>psychopathology</a:t>
-            </a:r>
-            <a:r>
-              <a:rPr lang="de-DE" dirty="0">
-                <a:solidFill>
-                  <a:schemeClr val="accent4"/>
-                </a:solidFill>
-              </a:rPr>
-              <a:t> </a:t>
-            </a:r>
-          </a:p>
-        </p:txBody>
-      </p:sp>
-    </p:spTree>
-    <p:extLst>
-      <p:ext uri="{BB962C8B-B14F-4D97-AF65-F5344CB8AC3E}">
-        <p14:creationId xmlns:p14="http://schemas.microsoft.com/office/powerpoint/2010/main" val="1160586043"/>
-      </p:ext>
-    </p:extLst>
-  </p:cSld>
-  <p:clrMapOvr>
-    <a:masterClrMapping/>
-  </p:clrMapOvr>
-</p:sld>
-</file>
-
-<file path=ppt/slides/slide4.xml><?xml version="1.0" encoding="utf-8"?>
+<file path=ppt/slides/slide11.xml><?xml version="1.0" encoding="utf-8"?>
 <p:sld xmlns:a="http://schemas.openxmlformats.org/drawingml/2006/main" xmlns:r="http://schemas.openxmlformats.org/officeDocument/2006/relationships" xmlns:p="http://schemas.openxmlformats.org/presentationml/2006/main">
   <p:cSld>
     <p:spTree>
@@ -6266,6 +5171,2641 @@
 </p:sld>
 </file>
 
+<file path=ppt/slides/slide12.xml><?xml version="1.0" encoding="utf-8"?>
+<p:sld xmlns:a="http://schemas.openxmlformats.org/drawingml/2006/main" xmlns:r="http://schemas.openxmlformats.org/officeDocument/2006/relationships" xmlns:p="http://schemas.openxmlformats.org/presentationml/2006/main">
+  <p:cSld>
+    <p:spTree>
+      <p:nvGrpSpPr>
+        <p:cNvPr id="1" name=""/>
+        <p:cNvGrpSpPr/>
+        <p:nvPr/>
+      </p:nvGrpSpPr>
+      <p:grpSpPr>
+        <a:xfrm>
+          <a:off x="0" y="0"/>
+          <a:ext cx="0" cy="0"/>
+          <a:chOff x="0" y="0"/>
+          <a:chExt cx="0" cy="0"/>
+        </a:xfrm>
+      </p:grpSpPr>
+      <p:sp>
+        <p:nvSpPr>
+          <p:cNvPr id="2" name="Titel 1">
+            <a:extLst>
+              <a:ext uri="{FF2B5EF4-FFF2-40B4-BE49-F238E27FC236}">
+                <a16:creationId xmlns:a16="http://schemas.microsoft.com/office/drawing/2014/main" id="{5C800AE2-2BB5-44FC-8CE4-E8B7B4B236A4}"/>
+              </a:ext>
+            </a:extLst>
+          </p:cNvPr>
+          <p:cNvSpPr>
+            <a:spLocks noGrp="1"/>
+          </p:cNvSpPr>
+          <p:nvPr>
+            <p:ph type="title"/>
+          </p:nvPr>
+        </p:nvSpPr>
+        <p:spPr/>
+        <p:txBody>
+          <a:bodyPr/>
+          <a:lstStyle/>
+          <a:p>
+            <a:r>
+              <a:rPr lang="de-DE" dirty="0" err="1"/>
+              <a:t>Understand</a:t>
+            </a:r>
+            <a:r>
+              <a:rPr lang="de-DE" dirty="0"/>
+              <a:t> Output</a:t>
+            </a:r>
+          </a:p>
+        </p:txBody>
+      </p:sp>
+      <p:sp>
+        <p:nvSpPr>
+          <p:cNvPr id="3" name="Inhaltsplatzhalter 2">
+            <a:extLst>
+              <a:ext uri="{FF2B5EF4-FFF2-40B4-BE49-F238E27FC236}">
+                <a16:creationId xmlns:a16="http://schemas.microsoft.com/office/drawing/2014/main" id="{B6A0ABC4-2E6D-4E67-A8B2-2DB439D5D6CA}"/>
+              </a:ext>
+            </a:extLst>
+          </p:cNvPr>
+          <p:cNvSpPr>
+            <a:spLocks noGrp="1"/>
+          </p:cNvSpPr>
+          <p:nvPr>
+            <p:ph idx="1"/>
+          </p:nvPr>
+        </p:nvSpPr>
+        <p:spPr/>
+        <p:txBody>
+          <a:bodyPr/>
+          <a:lstStyle/>
+          <a:p>
+            <a:r>
+              <a:rPr lang="en-US" dirty="0"/>
+              <a:t>Aspects of Indicators</a:t>
+            </a:r>
+          </a:p>
+          <a:p>
+            <a:pPr lvl="1"/>
+            <a:r>
+              <a:rPr lang="en-US" dirty="0"/>
+              <a:t>Communality = variance explained by the common factors</a:t>
+            </a:r>
+          </a:p>
+          <a:p>
+            <a:pPr lvl="1"/>
+            <a:r>
+              <a:rPr lang="en-US" dirty="0"/>
+              <a:t>Uniqueness = 1 − communality (in standardized terms)</a:t>
+            </a:r>
+          </a:p>
+          <a:p>
+            <a:pPr lvl="2"/>
+            <a:r>
+              <a:rPr lang="en-US" dirty="0"/>
+              <a:t>If high: well-explained by factors</a:t>
+            </a:r>
+          </a:p>
+          <a:p>
+            <a:pPr lvl="2"/>
+            <a:r>
+              <a:rPr lang="en-US" dirty="0"/>
+              <a:t>If low: poorly explained by factors</a:t>
+            </a:r>
+            <a:endParaRPr lang="de-DE" dirty="0"/>
+          </a:p>
+        </p:txBody>
+      </p:sp>
+    </p:spTree>
+    <p:extLst>
+      <p:ext uri="{BB962C8B-B14F-4D97-AF65-F5344CB8AC3E}">
+        <p14:creationId xmlns:p14="http://schemas.microsoft.com/office/powerpoint/2010/main" val="2925157878"/>
+      </p:ext>
+    </p:extLst>
+  </p:cSld>
+  <p:clrMapOvr>
+    <a:masterClrMapping/>
+  </p:clrMapOvr>
+</p:sld>
+</file>
+
+<file path=ppt/slides/slide13.xml><?xml version="1.0" encoding="utf-8"?>
+<p:sld xmlns:a="http://schemas.openxmlformats.org/drawingml/2006/main" xmlns:r="http://schemas.openxmlformats.org/officeDocument/2006/relationships" xmlns:p="http://schemas.openxmlformats.org/presentationml/2006/main">
+  <p:cSld>
+    <p:spTree>
+      <p:nvGrpSpPr>
+        <p:cNvPr id="1" name=""/>
+        <p:cNvGrpSpPr/>
+        <p:nvPr/>
+      </p:nvGrpSpPr>
+      <p:grpSpPr>
+        <a:xfrm>
+          <a:off x="0" y="0"/>
+          <a:ext cx="0" cy="0"/>
+          <a:chOff x="0" y="0"/>
+          <a:chExt cx="0" cy="0"/>
+        </a:xfrm>
+      </p:grpSpPr>
+      <p:sp>
+        <p:nvSpPr>
+          <p:cNvPr id="2" name="Titel 1">
+            <a:extLst>
+              <a:ext uri="{FF2B5EF4-FFF2-40B4-BE49-F238E27FC236}">
+                <a16:creationId xmlns:a16="http://schemas.microsoft.com/office/drawing/2014/main" id="{2FDE0F8F-DF4A-4CE1-BD46-9BF84848996D}"/>
+              </a:ext>
+            </a:extLst>
+          </p:cNvPr>
+          <p:cNvSpPr>
+            <a:spLocks noGrp="1"/>
+          </p:cNvSpPr>
+          <p:nvPr>
+            <p:ph type="title"/>
+          </p:nvPr>
+        </p:nvSpPr>
+        <p:spPr/>
+        <p:txBody>
+          <a:bodyPr/>
+          <a:lstStyle/>
+          <a:p>
+            <a:r>
+              <a:rPr lang="de-DE" dirty="0"/>
+              <a:t>Heywood Cases</a:t>
+            </a:r>
+          </a:p>
+        </p:txBody>
+      </p:sp>
+      <p:sp>
+        <p:nvSpPr>
+          <p:cNvPr id="3" name="Inhaltsplatzhalter 2">
+            <a:extLst>
+              <a:ext uri="{FF2B5EF4-FFF2-40B4-BE49-F238E27FC236}">
+                <a16:creationId xmlns:a16="http://schemas.microsoft.com/office/drawing/2014/main" id="{B2C9C6E1-53CE-49A8-B390-0CF067FCFA19}"/>
+              </a:ext>
+            </a:extLst>
+          </p:cNvPr>
+          <p:cNvSpPr>
+            <a:spLocks noGrp="1"/>
+          </p:cNvSpPr>
+          <p:nvPr>
+            <p:ph idx="1"/>
+          </p:nvPr>
+        </p:nvSpPr>
+        <p:spPr/>
+        <p:txBody>
+          <a:bodyPr/>
+          <a:lstStyle/>
+          <a:p>
+            <a:r>
+              <a:rPr lang="de-DE" dirty="0"/>
+              <a:t>A </a:t>
+            </a:r>
+            <a:r>
+              <a:rPr lang="de-DE" dirty="0" err="1"/>
+              <a:t>parameter</a:t>
+            </a:r>
+            <a:r>
+              <a:rPr lang="de-DE" dirty="0"/>
+              <a:t> </a:t>
+            </a:r>
+            <a:r>
+              <a:rPr lang="de-DE" dirty="0" err="1"/>
+              <a:t>estimate</a:t>
+            </a:r>
+            <a:r>
+              <a:rPr lang="de-DE" dirty="0"/>
+              <a:t> outside </a:t>
+            </a:r>
+            <a:r>
+              <a:rPr lang="de-DE" dirty="0" err="1"/>
+              <a:t>the</a:t>
+            </a:r>
+            <a:r>
+              <a:rPr lang="de-DE" dirty="0"/>
+              <a:t> </a:t>
+            </a:r>
+            <a:r>
+              <a:rPr lang="de-DE" dirty="0" err="1"/>
+              <a:t>range</a:t>
+            </a:r>
+            <a:r>
+              <a:rPr lang="de-DE" dirty="0"/>
+              <a:t> </a:t>
+            </a:r>
+            <a:r>
+              <a:rPr lang="de-DE" dirty="0" err="1"/>
+              <a:t>of</a:t>
+            </a:r>
+            <a:r>
+              <a:rPr lang="de-DE" dirty="0"/>
+              <a:t> </a:t>
+            </a:r>
+            <a:r>
+              <a:rPr lang="de-DE" dirty="0" err="1"/>
+              <a:t>permissible</a:t>
+            </a:r>
+            <a:r>
+              <a:rPr lang="de-DE" dirty="0"/>
+              <a:t> </a:t>
+            </a:r>
+            <a:r>
+              <a:rPr lang="de-DE" dirty="0" err="1"/>
+              <a:t>values</a:t>
+            </a:r>
+            <a:r>
+              <a:rPr lang="de-DE" dirty="0"/>
+              <a:t>, e.g. </a:t>
+            </a:r>
+            <a:r>
+              <a:rPr lang="de-DE" dirty="0" err="1"/>
+              <a:t>clearly</a:t>
+            </a:r>
+            <a:r>
+              <a:rPr lang="de-DE" dirty="0"/>
+              <a:t> negative </a:t>
+            </a:r>
+            <a:r>
+              <a:rPr lang="de-DE" dirty="0" err="1"/>
+              <a:t>standardized</a:t>
+            </a:r>
+            <a:r>
+              <a:rPr lang="de-DE" dirty="0"/>
+              <a:t> </a:t>
+            </a:r>
+            <a:r>
+              <a:rPr lang="de-DE" dirty="0" err="1"/>
+              <a:t>variance</a:t>
+            </a:r>
+            <a:r>
+              <a:rPr lang="de-DE" dirty="0"/>
+              <a:t> </a:t>
+            </a:r>
+            <a:r>
+              <a:rPr lang="de-DE" dirty="0" err="1"/>
+              <a:t>estimate</a:t>
+            </a:r>
+            <a:r>
+              <a:rPr lang="de-DE" dirty="0"/>
+              <a:t> (e.g. -0.3 </a:t>
+            </a:r>
+            <a:r>
+              <a:rPr lang="de-DE" dirty="0" err="1"/>
+              <a:t>would</a:t>
+            </a:r>
+            <a:r>
+              <a:rPr lang="de-DE" dirty="0"/>
+              <a:t> </a:t>
+            </a:r>
+            <a:r>
+              <a:rPr lang="de-DE" dirty="0" err="1"/>
+              <a:t>be</a:t>
+            </a:r>
+            <a:r>
+              <a:rPr lang="de-DE" dirty="0"/>
+              <a:t> </a:t>
+            </a:r>
+            <a:r>
+              <a:rPr lang="de-DE" dirty="0" err="1"/>
+              <a:t>serious</a:t>
+            </a:r>
+            <a:r>
+              <a:rPr lang="de-DE" dirty="0"/>
+              <a:t>)</a:t>
+            </a:r>
+          </a:p>
+          <a:p>
+            <a:r>
+              <a:rPr lang="de-DE" dirty="0" err="1"/>
+              <a:t>Causes</a:t>
+            </a:r>
+            <a:r>
+              <a:rPr lang="de-DE" dirty="0"/>
+              <a:t>: </a:t>
+            </a:r>
+          </a:p>
+          <a:p>
+            <a:pPr lvl="1"/>
+            <a:r>
+              <a:rPr lang="de-DE" dirty="0" err="1"/>
+              <a:t>Overfitting</a:t>
+            </a:r>
+            <a:r>
+              <a:rPr lang="de-DE" dirty="0"/>
+              <a:t> (not </a:t>
+            </a:r>
+            <a:r>
+              <a:rPr lang="de-DE" dirty="0" err="1"/>
+              <a:t>enough</a:t>
+            </a:r>
+            <a:r>
+              <a:rPr lang="de-DE" dirty="0"/>
+              <a:t> </a:t>
+            </a:r>
+            <a:r>
+              <a:rPr lang="de-DE" dirty="0" err="1"/>
+              <a:t>indicators</a:t>
+            </a:r>
+            <a:r>
+              <a:rPr lang="de-DE" dirty="0"/>
+              <a:t> </a:t>
+            </a:r>
+            <a:r>
+              <a:rPr lang="de-DE" dirty="0" err="1"/>
+              <a:t>for</a:t>
+            </a:r>
+            <a:r>
+              <a:rPr lang="de-DE" dirty="0"/>
+              <a:t> </a:t>
+            </a:r>
+            <a:r>
+              <a:rPr lang="de-DE" dirty="0" err="1"/>
+              <a:t>number</a:t>
+            </a:r>
+            <a:r>
+              <a:rPr lang="de-DE" dirty="0"/>
+              <a:t> </a:t>
+            </a:r>
+            <a:r>
+              <a:rPr lang="de-DE" dirty="0" err="1"/>
+              <a:t>of</a:t>
+            </a:r>
+            <a:r>
+              <a:rPr lang="de-DE" dirty="0"/>
+              <a:t> </a:t>
+            </a:r>
+            <a:r>
+              <a:rPr lang="de-DE" dirty="0" err="1"/>
+              <a:t>parameters</a:t>
+            </a:r>
+            <a:r>
+              <a:rPr lang="de-DE" dirty="0"/>
+              <a:t>)</a:t>
+            </a:r>
+          </a:p>
+          <a:p>
+            <a:pPr lvl="1"/>
+            <a:r>
+              <a:rPr lang="de-DE" dirty="0" err="1"/>
+              <a:t>Underspecified</a:t>
+            </a:r>
+            <a:r>
+              <a:rPr lang="de-DE" dirty="0"/>
+              <a:t> (</a:t>
+            </a:r>
+            <a:r>
+              <a:rPr lang="de-DE" dirty="0" err="1"/>
+              <a:t>too</a:t>
+            </a:r>
+            <a:r>
+              <a:rPr lang="de-DE" dirty="0"/>
+              <a:t> </a:t>
+            </a:r>
+            <a:r>
+              <a:rPr lang="de-DE" dirty="0" err="1"/>
+              <a:t>few</a:t>
+            </a:r>
+            <a:r>
+              <a:rPr lang="de-DE" dirty="0"/>
+              <a:t> </a:t>
+            </a:r>
+            <a:r>
+              <a:rPr lang="de-DE" dirty="0" err="1"/>
+              <a:t>parameters</a:t>
+            </a:r>
+            <a:r>
+              <a:rPr lang="de-DE" dirty="0"/>
+              <a:t> </a:t>
+            </a:r>
+            <a:r>
+              <a:rPr lang="de-DE" dirty="0" err="1"/>
+              <a:t>to</a:t>
+            </a:r>
+            <a:r>
+              <a:rPr lang="de-DE" dirty="0"/>
+              <a:t> </a:t>
+            </a:r>
+            <a:r>
+              <a:rPr lang="de-DE" dirty="0" err="1"/>
+              <a:t>explain</a:t>
+            </a:r>
+            <a:r>
+              <a:rPr lang="de-DE" dirty="0"/>
+              <a:t> </a:t>
+            </a:r>
+            <a:r>
+              <a:rPr lang="de-DE" dirty="0" err="1"/>
+              <a:t>data</a:t>
+            </a:r>
+            <a:r>
+              <a:rPr lang="de-DE" dirty="0"/>
+              <a:t>)</a:t>
+            </a:r>
+          </a:p>
+          <a:p>
+            <a:pPr lvl="1"/>
+            <a:r>
+              <a:rPr lang="de-DE" dirty="0" err="1"/>
+              <a:t>Too</a:t>
+            </a:r>
+            <a:r>
+              <a:rPr lang="de-DE" dirty="0"/>
+              <a:t> </a:t>
+            </a:r>
+            <a:r>
+              <a:rPr lang="de-DE" dirty="0" err="1"/>
+              <a:t>small</a:t>
+            </a:r>
+            <a:r>
+              <a:rPr lang="de-DE" dirty="0"/>
+              <a:t> sample</a:t>
+            </a:r>
+          </a:p>
+          <a:p>
+            <a:pPr lvl="1"/>
+            <a:r>
+              <a:rPr lang="de-DE" dirty="0" err="1"/>
+              <a:t>Multicollinearity</a:t>
+            </a:r>
+            <a:endParaRPr lang="de-DE" dirty="0"/>
+          </a:p>
+          <a:p>
+            <a:r>
+              <a:rPr lang="de-DE" dirty="0"/>
+              <a:t>Solution: </a:t>
+            </a:r>
+          </a:p>
+          <a:p>
+            <a:pPr lvl="1"/>
+            <a:r>
+              <a:rPr lang="de-DE" dirty="0"/>
+              <a:t>Try </a:t>
+            </a:r>
+            <a:r>
+              <a:rPr lang="de-DE" dirty="0" err="1"/>
+              <a:t>if</a:t>
+            </a:r>
+            <a:r>
+              <a:rPr lang="de-DE" dirty="0"/>
+              <a:t> </a:t>
+            </a:r>
+            <a:r>
+              <a:rPr lang="de-DE" dirty="0" err="1"/>
+              <a:t>it</a:t>
+            </a:r>
+            <a:r>
+              <a:rPr lang="de-DE" dirty="0"/>
+              <a:t> </a:t>
+            </a:r>
+            <a:r>
+              <a:rPr lang="de-DE" dirty="0" err="1"/>
+              <a:t>disappears</a:t>
+            </a:r>
+            <a:r>
+              <a:rPr lang="de-DE" dirty="0"/>
+              <a:t> </a:t>
+            </a:r>
+            <a:r>
+              <a:rPr lang="de-DE" dirty="0" err="1"/>
+              <a:t>wiht</a:t>
+            </a:r>
+            <a:r>
+              <a:rPr lang="de-DE" dirty="0"/>
+              <a:t> 1 </a:t>
+            </a:r>
+            <a:r>
+              <a:rPr lang="de-DE" dirty="0" err="1"/>
+              <a:t>factor</a:t>
+            </a:r>
+            <a:r>
+              <a:rPr lang="de-DE" dirty="0"/>
+              <a:t> </a:t>
+            </a:r>
+            <a:r>
+              <a:rPr lang="de-DE" dirty="0" err="1"/>
+              <a:t>less</a:t>
+            </a:r>
+            <a:endParaRPr lang="de-DE" dirty="0"/>
+          </a:p>
+          <a:p>
+            <a:pPr lvl="1"/>
+            <a:r>
+              <a:rPr lang="de-DE" dirty="0"/>
+              <a:t>Check </a:t>
+            </a:r>
+            <a:r>
+              <a:rPr lang="de-DE" dirty="0" err="1"/>
+              <a:t>for</a:t>
+            </a:r>
+            <a:r>
+              <a:rPr lang="de-DE" dirty="0"/>
+              <a:t> super high </a:t>
+            </a:r>
+            <a:r>
+              <a:rPr lang="de-DE" dirty="0" err="1"/>
+              <a:t>correlation</a:t>
+            </a:r>
+            <a:r>
+              <a:rPr lang="de-DE" dirty="0"/>
+              <a:t> </a:t>
+            </a:r>
+            <a:r>
+              <a:rPr lang="de-DE" dirty="0" err="1"/>
+              <a:t>between</a:t>
+            </a:r>
+            <a:r>
+              <a:rPr lang="de-DE" dirty="0"/>
+              <a:t> </a:t>
+            </a:r>
+            <a:r>
+              <a:rPr lang="de-DE" dirty="0" err="1"/>
+              <a:t>scales</a:t>
+            </a:r>
+            <a:r>
+              <a:rPr lang="de-DE" dirty="0"/>
+              <a:t> – </a:t>
+            </a:r>
+            <a:r>
+              <a:rPr lang="de-DE" dirty="0" err="1"/>
+              <a:t>if</a:t>
+            </a:r>
+            <a:r>
+              <a:rPr lang="de-DE" dirty="0"/>
+              <a:t> </a:t>
+            </a:r>
+            <a:r>
+              <a:rPr lang="de-DE" dirty="0" err="1"/>
+              <a:t>yes</a:t>
+            </a:r>
+            <a:r>
+              <a:rPr lang="de-DE" dirty="0"/>
+              <a:t>, </a:t>
+            </a:r>
+            <a:r>
+              <a:rPr lang="de-DE" dirty="0" err="1"/>
+              <a:t>drop</a:t>
+            </a:r>
+            <a:r>
+              <a:rPr lang="de-DE" dirty="0"/>
+              <a:t> </a:t>
+            </a:r>
+            <a:r>
+              <a:rPr lang="de-DE" dirty="0" err="1"/>
+              <a:t>one</a:t>
+            </a:r>
+            <a:r>
+              <a:rPr lang="de-DE" dirty="0"/>
+              <a:t> </a:t>
+            </a:r>
+            <a:r>
+              <a:rPr lang="de-DE" dirty="0" err="1"/>
+              <a:t>scale</a:t>
+            </a:r>
+            <a:endParaRPr lang="de-DE" dirty="0"/>
+          </a:p>
+          <a:p>
+            <a:pPr lvl="1"/>
+            <a:r>
+              <a:rPr lang="de-DE" dirty="0" err="1"/>
+              <a:t>Possibly</a:t>
+            </a:r>
+            <a:r>
+              <a:rPr lang="de-DE" dirty="0"/>
+              <a:t> </a:t>
+            </a:r>
+            <a:r>
+              <a:rPr lang="de-DE" dirty="0" err="1"/>
+              <a:t>try</a:t>
+            </a:r>
+            <a:r>
+              <a:rPr lang="de-DE" dirty="0"/>
+              <a:t> a </a:t>
+            </a:r>
+            <a:r>
+              <a:rPr lang="de-DE" dirty="0" err="1"/>
+              <a:t>more</a:t>
+            </a:r>
+            <a:r>
+              <a:rPr lang="de-DE" dirty="0"/>
+              <a:t> robust </a:t>
+            </a:r>
+            <a:r>
+              <a:rPr lang="de-DE" dirty="0" err="1"/>
+              <a:t>estimator</a:t>
+            </a:r>
+            <a:endParaRPr lang="de-DE" dirty="0"/>
+          </a:p>
+          <a:p>
+            <a:pPr lvl="1"/>
+            <a:endParaRPr lang="de-DE" dirty="0"/>
+          </a:p>
+        </p:txBody>
+      </p:sp>
+    </p:spTree>
+    <p:extLst>
+      <p:ext uri="{BB962C8B-B14F-4D97-AF65-F5344CB8AC3E}">
+        <p14:creationId xmlns:p14="http://schemas.microsoft.com/office/powerpoint/2010/main" val="3047841084"/>
+      </p:ext>
+    </p:extLst>
+  </p:cSld>
+  <p:clrMapOvr>
+    <a:masterClrMapping/>
+  </p:clrMapOvr>
+</p:sld>
+</file>
+
+<file path=ppt/slides/slide14.xml><?xml version="1.0" encoding="utf-8"?>
+<p:sld xmlns:a="http://schemas.openxmlformats.org/drawingml/2006/main" xmlns:r="http://schemas.openxmlformats.org/officeDocument/2006/relationships" xmlns:p="http://schemas.openxmlformats.org/presentationml/2006/main">
+  <p:cSld>
+    <p:spTree>
+      <p:nvGrpSpPr>
+        <p:cNvPr id="1" name=""/>
+        <p:cNvGrpSpPr/>
+        <p:nvPr/>
+      </p:nvGrpSpPr>
+      <p:grpSpPr>
+        <a:xfrm>
+          <a:off x="0" y="0"/>
+          <a:ext cx="0" cy="0"/>
+          <a:chOff x="0" y="0"/>
+          <a:chExt cx="0" cy="0"/>
+        </a:xfrm>
+      </p:grpSpPr>
+      <p:sp>
+        <p:nvSpPr>
+          <p:cNvPr id="2" name="Titel 1">
+            <a:extLst>
+              <a:ext uri="{FF2B5EF4-FFF2-40B4-BE49-F238E27FC236}">
+                <a16:creationId xmlns:a16="http://schemas.microsoft.com/office/drawing/2014/main" id="{1C826333-E9F8-4D2C-B9FE-E480C3543416}"/>
+              </a:ext>
+            </a:extLst>
+          </p:cNvPr>
+          <p:cNvSpPr>
+            <a:spLocks noGrp="1"/>
+          </p:cNvSpPr>
+          <p:nvPr>
+            <p:ph type="title"/>
+          </p:nvPr>
+        </p:nvSpPr>
+        <p:spPr/>
+        <p:txBody>
+          <a:bodyPr/>
+          <a:lstStyle/>
+          <a:p>
+            <a:r>
+              <a:rPr lang="de-DE" dirty="0" err="1"/>
+              <a:t>What</a:t>
+            </a:r>
+            <a:r>
+              <a:rPr lang="de-DE" dirty="0"/>
+              <a:t> </a:t>
+            </a:r>
+            <a:r>
+              <a:rPr lang="de-DE" dirty="0" err="1"/>
+              <a:t>went</a:t>
+            </a:r>
+            <a:r>
+              <a:rPr lang="de-DE" dirty="0"/>
+              <a:t> </a:t>
+            </a:r>
+            <a:r>
+              <a:rPr lang="de-DE" dirty="0" err="1"/>
+              <a:t>into</a:t>
+            </a:r>
+            <a:r>
+              <a:rPr lang="de-DE" dirty="0"/>
+              <a:t> Backbone </a:t>
+            </a:r>
+            <a:r>
+              <a:rPr lang="de-DE" dirty="0" err="1"/>
+              <a:t>Factor</a:t>
+            </a:r>
+            <a:r>
+              <a:rPr lang="de-DE" dirty="0"/>
+              <a:t> Analysis</a:t>
+            </a:r>
+          </a:p>
+        </p:txBody>
+      </p:sp>
+      <p:sp>
+        <p:nvSpPr>
+          <p:cNvPr id="3" name="Inhaltsplatzhalter 2">
+            <a:extLst>
+              <a:ext uri="{FF2B5EF4-FFF2-40B4-BE49-F238E27FC236}">
+                <a16:creationId xmlns:a16="http://schemas.microsoft.com/office/drawing/2014/main" id="{BBDD0D8C-0590-408D-8A9E-5E9A227EADD6}"/>
+              </a:ext>
+            </a:extLst>
+          </p:cNvPr>
+          <p:cNvSpPr>
+            <a:spLocks noGrp="1"/>
+          </p:cNvSpPr>
+          <p:nvPr>
+            <p:ph idx="1"/>
+          </p:nvPr>
+        </p:nvSpPr>
+        <p:spPr/>
+        <p:txBody>
+          <a:bodyPr/>
+          <a:lstStyle/>
+          <a:p>
+            <a:r>
+              <a:rPr lang="de-DE" dirty="0"/>
+              <a:t>IDAS</a:t>
+            </a:r>
+          </a:p>
+          <a:p>
+            <a:pPr lvl="1"/>
+            <a:r>
+              <a:rPr lang="de-DE" dirty="0" err="1"/>
+              <a:t>Internalizing</a:t>
+            </a:r>
+            <a:endParaRPr lang="de-DE" dirty="0"/>
+          </a:p>
+          <a:p>
+            <a:r>
+              <a:rPr lang="de-DE" dirty="0"/>
+              <a:t>SUQ </a:t>
+            </a:r>
+          </a:p>
+          <a:p>
+            <a:pPr lvl="1"/>
+            <a:r>
+              <a:rPr lang="de-DE" dirty="0" err="1"/>
+              <a:t>HiTOP</a:t>
+            </a:r>
+            <a:r>
+              <a:rPr lang="de-DE" dirty="0"/>
+              <a:t> </a:t>
+            </a:r>
+            <a:r>
+              <a:rPr lang="de-DE" dirty="0" err="1"/>
+              <a:t>Assumption</a:t>
+            </a:r>
+            <a:r>
+              <a:rPr lang="de-DE" dirty="0"/>
+              <a:t>: </a:t>
+            </a:r>
+            <a:r>
+              <a:rPr lang="de-DE" dirty="0" err="1"/>
+              <a:t>Antisocial</a:t>
+            </a:r>
+            <a:r>
+              <a:rPr lang="de-DE" dirty="0"/>
+              <a:t> </a:t>
+            </a:r>
+            <a:r>
+              <a:rPr lang="de-DE" dirty="0" err="1"/>
+              <a:t>Behavior</a:t>
+            </a:r>
+            <a:r>
+              <a:rPr lang="de-DE" dirty="0"/>
+              <a:t> -&gt; </a:t>
+            </a:r>
+            <a:r>
+              <a:rPr lang="de-DE" dirty="0" err="1"/>
+              <a:t>Disinhibited</a:t>
+            </a:r>
+            <a:r>
+              <a:rPr lang="de-DE" dirty="0"/>
+              <a:t> </a:t>
+            </a:r>
+            <a:r>
+              <a:rPr lang="de-DE" dirty="0" err="1"/>
+              <a:t>Externalizing</a:t>
+            </a:r>
+            <a:r>
+              <a:rPr lang="de-DE" dirty="0"/>
+              <a:t> -&gt; </a:t>
+            </a:r>
+            <a:r>
+              <a:rPr lang="de-DE" dirty="0" err="1"/>
+              <a:t>Externalizing</a:t>
+            </a:r>
+            <a:endParaRPr lang="de-DE" dirty="0"/>
+          </a:p>
+          <a:p>
+            <a:r>
+              <a:rPr lang="de-DE" dirty="0"/>
+              <a:t>CAPE positive </a:t>
+            </a:r>
+            <a:r>
+              <a:rPr lang="de-DE" dirty="0" err="1"/>
+              <a:t>symptoms</a:t>
+            </a:r>
+            <a:r>
+              <a:rPr lang="de-DE" dirty="0"/>
+              <a:t> </a:t>
+            </a:r>
+          </a:p>
+          <a:p>
+            <a:pPr lvl="1"/>
+            <a:r>
+              <a:rPr lang="de-DE" dirty="0" err="1"/>
+              <a:t>HiTOP</a:t>
+            </a:r>
+            <a:r>
+              <a:rPr lang="de-DE" dirty="0"/>
+              <a:t> </a:t>
+            </a:r>
+            <a:r>
+              <a:rPr lang="de-DE" dirty="0" err="1"/>
+              <a:t>Assumption</a:t>
+            </a:r>
+            <a:r>
+              <a:rPr lang="de-DE" dirty="0"/>
+              <a:t>: </a:t>
+            </a:r>
+            <a:r>
+              <a:rPr lang="de-DE" dirty="0" err="1"/>
+              <a:t>Thought</a:t>
+            </a:r>
+            <a:r>
+              <a:rPr lang="de-DE" dirty="0"/>
+              <a:t> </a:t>
+            </a:r>
+            <a:r>
+              <a:rPr lang="de-DE" dirty="0" err="1"/>
+              <a:t>Disorder</a:t>
+            </a:r>
+            <a:r>
+              <a:rPr lang="de-DE" dirty="0"/>
+              <a:t> -&gt; </a:t>
+            </a:r>
+            <a:r>
+              <a:rPr lang="de-DE" dirty="0" err="1"/>
+              <a:t>Psychosis</a:t>
+            </a:r>
+            <a:r>
+              <a:rPr lang="de-DE" dirty="0"/>
+              <a:t>)</a:t>
+            </a:r>
+          </a:p>
+          <a:p>
+            <a:r>
+              <a:rPr lang="de-DE" dirty="0"/>
+              <a:t>ASRS </a:t>
+            </a:r>
+          </a:p>
+          <a:p>
+            <a:pPr lvl="1"/>
+            <a:r>
+              <a:rPr lang="de-DE" dirty="0" err="1"/>
+              <a:t>HiTOP</a:t>
+            </a:r>
+            <a:r>
+              <a:rPr lang="de-DE" dirty="0"/>
+              <a:t> </a:t>
+            </a:r>
+            <a:r>
+              <a:rPr lang="de-DE" dirty="0" err="1"/>
+              <a:t>Assumption</a:t>
+            </a:r>
+            <a:r>
+              <a:rPr lang="de-DE" dirty="0"/>
+              <a:t>: ADHD -&gt; </a:t>
+            </a:r>
+            <a:r>
+              <a:rPr lang="de-DE" dirty="0" err="1"/>
+              <a:t>Antisocial</a:t>
+            </a:r>
+            <a:r>
+              <a:rPr lang="de-DE" dirty="0"/>
+              <a:t> </a:t>
+            </a:r>
+            <a:r>
+              <a:rPr lang="de-DE" dirty="0" err="1"/>
+              <a:t>Behavior</a:t>
+            </a:r>
+            <a:r>
+              <a:rPr lang="de-DE" dirty="0"/>
+              <a:t> -&gt; </a:t>
+            </a:r>
+            <a:r>
+              <a:rPr lang="de-DE" dirty="0" err="1"/>
+              <a:t>Disinhibited</a:t>
+            </a:r>
+            <a:r>
+              <a:rPr lang="de-DE" dirty="0"/>
+              <a:t> </a:t>
+            </a:r>
+            <a:r>
+              <a:rPr lang="de-DE" dirty="0" err="1"/>
+              <a:t>Externalizing</a:t>
+            </a:r>
+            <a:r>
+              <a:rPr lang="de-DE" dirty="0"/>
+              <a:t> -&gt; </a:t>
+            </a:r>
+            <a:r>
+              <a:rPr lang="de-DE" dirty="0" err="1"/>
+              <a:t>Externalizing</a:t>
+            </a:r>
+            <a:endParaRPr lang="de-DE" dirty="0"/>
+          </a:p>
+        </p:txBody>
+      </p:sp>
+    </p:spTree>
+    <p:extLst>
+      <p:ext uri="{BB962C8B-B14F-4D97-AF65-F5344CB8AC3E}">
+        <p14:creationId xmlns:p14="http://schemas.microsoft.com/office/powerpoint/2010/main" val="2791058875"/>
+      </p:ext>
+    </p:extLst>
+  </p:cSld>
+  <p:clrMapOvr>
+    <a:masterClrMapping/>
+  </p:clrMapOvr>
+</p:sld>
+</file>
+
+<file path=ppt/slides/slide15.xml><?xml version="1.0" encoding="utf-8"?>
+<p:sld xmlns:a="http://schemas.openxmlformats.org/drawingml/2006/main" xmlns:r="http://schemas.openxmlformats.org/officeDocument/2006/relationships" xmlns:p="http://schemas.openxmlformats.org/presentationml/2006/main">
+  <p:cSld>
+    <p:spTree>
+      <p:nvGrpSpPr>
+        <p:cNvPr id="1" name=""/>
+        <p:cNvGrpSpPr/>
+        <p:nvPr/>
+      </p:nvGrpSpPr>
+      <p:grpSpPr>
+        <a:xfrm>
+          <a:off x="0" y="0"/>
+          <a:ext cx="0" cy="0"/>
+          <a:chOff x="0" y="0"/>
+          <a:chExt cx="0" cy="0"/>
+        </a:xfrm>
+      </p:grpSpPr>
+      <p:sp>
+        <p:nvSpPr>
+          <p:cNvPr id="2" name="Titel 1">
+            <a:extLst>
+              <a:ext uri="{FF2B5EF4-FFF2-40B4-BE49-F238E27FC236}">
+                <a16:creationId xmlns:a16="http://schemas.microsoft.com/office/drawing/2014/main" id="{1B427D43-D52B-40D8-B5BC-F977810FDD7C}"/>
+              </a:ext>
+            </a:extLst>
+          </p:cNvPr>
+          <p:cNvSpPr>
+            <a:spLocks noGrp="1"/>
+          </p:cNvSpPr>
+          <p:nvPr>
+            <p:ph type="title"/>
+          </p:nvPr>
+        </p:nvSpPr>
+        <p:spPr/>
+        <p:txBody>
+          <a:bodyPr/>
+          <a:lstStyle/>
+          <a:p>
+            <a:r>
+              <a:rPr lang="de-DE" dirty="0" err="1"/>
+              <a:t>What</a:t>
+            </a:r>
+            <a:r>
+              <a:rPr lang="de-DE" dirty="0"/>
+              <a:t> </a:t>
+            </a:r>
+            <a:r>
+              <a:rPr lang="de-DE" dirty="0" err="1"/>
+              <a:t>is</a:t>
+            </a:r>
+            <a:r>
+              <a:rPr lang="de-DE" dirty="0"/>
+              <a:t> in </a:t>
+            </a:r>
+            <a:r>
+              <a:rPr lang="de-DE" dirty="0" err="1"/>
+              <a:t>the</a:t>
+            </a:r>
+            <a:r>
+              <a:rPr lang="de-DE" dirty="0"/>
+              <a:t> </a:t>
+            </a:r>
+            <a:r>
+              <a:rPr lang="de-DE" dirty="0" err="1"/>
+              <a:t>data</a:t>
+            </a:r>
+            <a:r>
+              <a:rPr lang="de-DE" dirty="0"/>
+              <a:t>?</a:t>
+            </a:r>
+          </a:p>
+        </p:txBody>
+      </p:sp>
+      <p:sp>
+        <p:nvSpPr>
+          <p:cNvPr id="3" name="Inhaltsplatzhalter 2">
+            <a:extLst>
+              <a:ext uri="{FF2B5EF4-FFF2-40B4-BE49-F238E27FC236}">
+                <a16:creationId xmlns:a16="http://schemas.microsoft.com/office/drawing/2014/main" id="{610238DE-49C2-428B-9B34-C5D9E99E4C06}"/>
+              </a:ext>
+            </a:extLst>
+          </p:cNvPr>
+          <p:cNvSpPr>
+            <a:spLocks noGrp="1"/>
+          </p:cNvSpPr>
+          <p:nvPr>
+            <p:ph idx="1"/>
+          </p:nvPr>
+        </p:nvSpPr>
+        <p:spPr/>
+        <p:txBody>
+          <a:bodyPr/>
+          <a:lstStyle/>
+          <a:p>
+            <a:endParaRPr lang="de-DE"/>
+          </a:p>
+        </p:txBody>
+      </p:sp>
+    </p:spTree>
+    <p:extLst>
+      <p:ext uri="{BB962C8B-B14F-4D97-AF65-F5344CB8AC3E}">
+        <p14:creationId xmlns:p14="http://schemas.microsoft.com/office/powerpoint/2010/main" val="1807693300"/>
+      </p:ext>
+    </p:extLst>
+  </p:cSld>
+  <p:clrMapOvr>
+    <a:masterClrMapping/>
+  </p:clrMapOvr>
+</p:sld>
+</file>
+
+<file path=ppt/slides/slide16.xml><?xml version="1.0" encoding="utf-8"?>
+<p:sld xmlns:a="http://schemas.openxmlformats.org/drawingml/2006/main" xmlns:r="http://schemas.openxmlformats.org/officeDocument/2006/relationships" xmlns:p="http://schemas.openxmlformats.org/presentationml/2006/main">
+  <p:cSld>
+    <p:spTree>
+      <p:nvGrpSpPr>
+        <p:cNvPr id="1" name=""/>
+        <p:cNvGrpSpPr/>
+        <p:nvPr/>
+      </p:nvGrpSpPr>
+      <p:grpSpPr>
+        <a:xfrm>
+          <a:off x="0" y="0"/>
+          <a:ext cx="0" cy="0"/>
+          <a:chOff x="0" y="0"/>
+          <a:chExt cx="0" cy="0"/>
+        </a:xfrm>
+      </p:grpSpPr>
+      <p:sp>
+        <p:nvSpPr>
+          <p:cNvPr id="2" name="Titel 1">
+            <a:extLst>
+              <a:ext uri="{FF2B5EF4-FFF2-40B4-BE49-F238E27FC236}">
+                <a16:creationId xmlns:a16="http://schemas.microsoft.com/office/drawing/2014/main" id="{C674AC39-9675-41C7-8D92-875E7877EFE7}"/>
+              </a:ext>
+            </a:extLst>
+          </p:cNvPr>
+          <p:cNvSpPr>
+            <a:spLocks noGrp="1"/>
+          </p:cNvSpPr>
+          <p:nvPr>
+            <p:ph type="title"/>
+          </p:nvPr>
+        </p:nvSpPr>
+        <p:spPr/>
+        <p:txBody>
+          <a:bodyPr/>
+          <a:lstStyle/>
+          <a:p>
+            <a:r>
+              <a:rPr lang="de-DE" dirty="0" err="1"/>
+              <a:t>HiTOP</a:t>
+            </a:r>
+            <a:r>
+              <a:rPr lang="de-DE" dirty="0"/>
+              <a:t> CFA</a:t>
+            </a:r>
+          </a:p>
+        </p:txBody>
+      </p:sp>
+      <p:sp>
+        <p:nvSpPr>
+          <p:cNvPr id="3" name="Inhaltsplatzhalter 2">
+            <a:extLst>
+              <a:ext uri="{FF2B5EF4-FFF2-40B4-BE49-F238E27FC236}">
+                <a16:creationId xmlns:a16="http://schemas.microsoft.com/office/drawing/2014/main" id="{B637DBFE-939B-4F89-A300-0A21D1B8AE50}"/>
+              </a:ext>
+            </a:extLst>
+          </p:cNvPr>
+          <p:cNvSpPr>
+            <a:spLocks noGrp="1"/>
+          </p:cNvSpPr>
+          <p:nvPr>
+            <p:ph idx="1"/>
+          </p:nvPr>
+        </p:nvSpPr>
+        <p:spPr/>
+        <p:txBody>
+          <a:bodyPr/>
+          <a:lstStyle/>
+          <a:p>
+            <a:r>
+              <a:rPr lang="de-DE" dirty="0" err="1"/>
+              <a:t>Map</a:t>
+            </a:r>
+            <a:r>
+              <a:rPr lang="de-DE" dirty="0"/>
+              <a:t> </a:t>
+            </a:r>
+            <a:r>
+              <a:rPr lang="de-DE" dirty="0" err="1"/>
+              <a:t>indicators</a:t>
+            </a:r>
+            <a:r>
+              <a:rPr lang="de-DE" dirty="0"/>
+              <a:t> </a:t>
+            </a:r>
+            <a:r>
+              <a:rPr lang="de-DE" dirty="0" err="1"/>
+              <a:t>to</a:t>
+            </a:r>
+            <a:r>
+              <a:rPr lang="de-DE" dirty="0"/>
+              <a:t> </a:t>
+            </a:r>
+            <a:r>
+              <a:rPr lang="de-DE" dirty="0" err="1"/>
+              <a:t>HiTOP</a:t>
+            </a:r>
+            <a:endParaRPr lang="de-DE" dirty="0"/>
+          </a:p>
+          <a:p>
+            <a:endParaRPr lang="de-DE" dirty="0"/>
+          </a:p>
+          <a:p>
+            <a:r>
+              <a:rPr lang="de-DE" dirty="0"/>
+              <a:t>Latent variable </a:t>
+            </a:r>
+            <a:r>
+              <a:rPr lang="de-DE" dirty="0" err="1"/>
+              <a:t>modeling</a:t>
+            </a:r>
+            <a:r>
+              <a:rPr lang="de-DE" dirty="0"/>
+              <a:t> </a:t>
+            </a:r>
+          </a:p>
+          <a:p>
+            <a:pPr lvl="1"/>
+            <a:r>
+              <a:rPr lang="de-DE" dirty="0" err="1"/>
+              <a:t>Factor</a:t>
+            </a:r>
+            <a:r>
+              <a:rPr lang="de-DE" dirty="0"/>
+              <a:t> </a:t>
+            </a:r>
+            <a:r>
+              <a:rPr lang="de-DE" dirty="0" err="1"/>
+              <a:t>analysis</a:t>
+            </a:r>
+            <a:r>
+              <a:rPr lang="de-DE" dirty="0"/>
+              <a:t> </a:t>
+            </a:r>
+          </a:p>
+          <a:p>
+            <a:pPr lvl="1"/>
+            <a:r>
+              <a:rPr lang="de-DE" dirty="0"/>
+              <a:t>SEM</a:t>
+            </a:r>
+          </a:p>
+          <a:p>
+            <a:pPr lvl="1"/>
+            <a:endParaRPr lang="de-DE" dirty="0"/>
+          </a:p>
+          <a:p>
+            <a:r>
+              <a:rPr lang="de-DE" dirty="0"/>
+              <a:t>Fit CFA and </a:t>
+            </a:r>
+            <a:r>
+              <a:rPr lang="de-DE" dirty="0" err="1"/>
+              <a:t>evaluate</a:t>
+            </a:r>
+            <a:r>
+              <a:rPr lang="de-DE" dirty="0"/>
+              <a:t> fit</a:t>
+            </a:r>
+          </a:p>
+          <a:p>
+            <a:pPr lvl="1"/>
+            <a:r>
+              <a:rPr lang="de-DE" dirty="0"/>
+              <a:t>Chi²</a:t>
+            </a:r>
+          </a:p>
+          <a:p>
+            <a:pPr lvl="1"/>
+            <a:r>
+              <a:rPr lang="de-DE" dirty="0"/>
+              <a:t>CFI </a:t>
+            </a:r>
+          </a:p>
+          <a:p>
+            <a:pPr lvl="1"/>
+            <a:r>
+              <a:rPr lang="de-DE" dirty="0"/>
+              <a:t>RMSEA </a:t>
+            </a:r>
+          </a:p>
+          <a:p>
+            <a:pPr lvl="1"/>
+            <a:r>
+              <a:rPr lang="de-DE" dirty="0"/>
+              <a:t>SRMR</a:t>
+            </a:r>
+          </a:p>
+          <a:p>
+            <a:pPr lvl="1"/>
+            <a:endParaRPr lang="de-DE" dirty="0"/>
+          </a:p>
+          <a:p>
+            <a:r>
+              <a:rPr lang="de-DE" dirty="0" err="1"/>
+              <a:t>Ensure</a:t>
+            </a:r>
+            <a:r>
+              <a:rPr lang="de-DE" dirty="0"/>
+              <a:t> </a:t>
+            </a:r>
+            <a:r>
+              <a:rPr lang="de-DE" dirty="0" err="1"/>
+              <a:t>model</a:t>
+            </a:r>
+            <a:r>
+              <a:rPr lang="de-DE" dirty="0"/>
+              <a:t> </a:t>
+            </a:r>
+            <a:r>
+              <a:rPr lang="de-DE" dirty="0" err="1"/>
+              <a:t>is</a:t>
+            </a:r>
+            <a:r>
+              <a:rPr lang="de-DE" dirty="0"/>
+              <a:t> </a:t>
+            </a:r>
+            <a:r>
+              <a:rPr lang="de-DE" dirty="0" err="1"/>
+              <a:t>identified</a:t>
+            </a:r>
+            <a:endParaRPr lang="de-DE" dirty="0"/>
+          </a:p>
+        </p:txBody>
+      </p:sp>
+      <p:sp>
+        <p:nvSpPr>
+          <p:cNvPr id="4" name="Textfeld 3">
+            <a:extLst>
+              <a:ext uri="{FF2B5EF4-FFF2-40B4-BE49-F238E27FC236}">
+                <a16:creationId xmlns:a16="http://schemas.microsoft.com/office/drawing/2014/main" id="{B32643EA-BE68-490F-8AB8-761FC9E815F8}"/>
+              </a:ext>
+            </a:extLst>
+          </p:cNvPr>
+          <p:cNvSpPr txBox="1"/>
+          <p:nvPr/>
+        </p:nvSpPr>
+        <p:spPr>
+          <a:xfrm>
+            <a:off x="6884483" y="1123837"/>
+            <a:ext cx="4968852" cy="1277273"/>
+          </a:xfrm>
+          <a:prstGeom prst="rect">
+            <a:avLst/>
+          </a:prstGeom>
+          <a:solidFill>
+            <a:schemeClr val="bg1">
+              <a:lumMod val="95000"/>
+            </a:schemeClr>
+          </a:solidFill>
+          <a:ln w="12700">
+            <a:solidFill>
+              <a:schemeClr val="tx1">
+                <a:lumMod val="50000"/>
+                <a:lumOff val="50000"/>
+              </a:schemeClr>
+            </a:solidFill>
+          </a:ln>
+        </p:spPr>
+        <p:txBody>
+          <a:bodyPr wrap="square" rtlCol="0">
+            <a:spAutoFit/>
+          </a:bodyPr>
+          <a:lstStyle/>
+          <a:p>
+            <a:r>
+              <a:rPr lang="en-US" sz="1100" dirty="0">
+                <a:latin typeface="Cascadia Mono" panose="020B0609020000020004" pitchFamily="49" charset="0"/>
+                <a:ea typeface="Cascadia Mono" panose="020B0609020000020004" pitchFamily="49" charset="0"/>
+                <a:cs typeface="Cascadia Mono" panose="020B0609020000020004" pitchFamily="49" charset="0"/>
+              </a:rPr>
+              <a:t># Split dataset in training and test set:</a:t>
+            </a:r>
+          </a:p>
+          <a:p>
+            <a:r>
+              <a:rPr lang="de-DE" sz="1100" dirty="0" err="1">
+                <a:latin typeface="Cascadia Mono" panose="020B0609020000020004" pitchFamily="49" charset="0"/>
+                <a:ea typeface="Cascadia Mono" panose="020B0609020000020004" pitchFamily="49" charset="0"/>
+                <a:cs typeface="Cascadia Mono" panose="020B0609020000020004" pitchFamily="49" charset="0"/>
+              </a:rPr>
+              <a:t>library</a:t>
+            </a:r>
+            <a:r>
+              <a:rPr lang="de-DE" sz="1100" dirty="0">
+                <a:latin typeface="Cascadia Mono" panose="020B0609020000020004" pitchFamily="49" charset="0"/>
+                <a:ea typeface="Cascadia Mono" panose="020B0609020000020004" pitchFamily="49" charset="0"/>
+                <a:cs typeface="Cascadia Mono" panose="020B0609020000020004" pitchFamily="49" charset="0"/>
+              </a:rPr>
+              <a:t>(</a:t>
+            </a:r>
+            <a:r>
+              <a:rPr lang="de-DE" sz="1100" dirty="0" err="1">
+                <a:latin typeface="Cascadia Mono" panose="020B0609020000020004" pitchFamily="49" charset="0"/>
+                <a:ea typeface="Cascadia Mono" panose="020B0609020000020004" pitchFamily="49" charset="0"/>
+                <a:cs typeface="Cascadia Mono" panose="020B0609020000020004" pitchFamily="49" charset="0"/>
+              </a:rPr>
+              <a:t>rsample</a:t>
+            </a:r>
+            <a:r>
+              <a:rPr lang="de-DE" sz="1100" dirty="0">
+                <a:latin typeface="Cascadia Mono" panose="020B0609020000020004" pitchFamily="49" charset="0"/>
+                <a:ea typeface="Cascadia Mono" panose="020B0609020000020004" pitchFamily="49" charset="0"/>
+                <a:cs typeface="Cascadia Mono" panose="020B0609020000020004" pitchFamily="49" charset="0"/>
+              </a:rPr>
+              <a:t>)</a:t>
+            </a:r>
+          </a:p>
+          <a:p>
+            <a:endParaRPr lang="de-DE" sz="1100" dirty="0">
+              <a:latin typeface="Cascadia Mono" panose="020B0609020000020004" pitchFamily="49" charset="0"/>
+              <a:ea typeface="Cascadia Mono" panose="020B0609020000020004" pitchFamily="49" charset="0"/>
+              <a:cs typeface="Cascadia Mono" panose="020B0609020000020004" pitchFamily="49" charset="0"/>
+            </a:endParaRPr>
+          </a:p>
+          <a:p>
+            <a:r>
+              <a:rPr lang="de-DE" sz="1100" dirty="0" err="1">
+                <a:latin typeface="Cascadia Mono" panose="020B0609020000020004" pitchFamily="49" charset="0"/>
+                <a:ea typeface="Cascadia Mono" panose="020B0609020000020004" pitchFamily="49" charset="0"/>
+                <a:cs typeface="Cascadia Mono" panose="020B0609020000020004" pitchFamily="49" charset="0"/>
+              </a:rPr>
+              <a:t>set.seed</a:t>
+            </a:r>
+            <a:r>
+              <a:rPr lang="de-DE" sz="1100" dirty="0">
+                <a:latin typeface="Cascadia Mono" panose="020B0609020000020004" pitchFamily="49" charset="0"/>
+                <a:ea typeface="Cascadia Mono" panose="020B0609020000020004" pitchFamily="49" charset="0"/>
+                <a:cs typeface="Cascadia Mono" panose="020B0609020000020004" pitchFamily="49" charset="0"/>
+              </a:rPr>
+              <a:t>(20251216)</a:t>
+            </a:r>
+          </a:p>
+          <a:p>
+            <a:r>
+              <a:rPr lang="de-DE" sz="1100" dirty="0" err="1">
+                <a:latin typeface="Cascadia Mono" panose="020B0609020000020004" pitchFamily="49" charset="0"/>
+                <a:ea typeface="Cascadia Mono" panose="020B0609020000020004" pitchFamily="49" charset="0"/>
+                <a:cs typeface="Cascadia Mono" panose="020B0609020000020004" pitchFamily="49" charset="0"/>
+              </a:rPr>
+              <a:t>sp</a:t>
+            </a:r>
+            <a:r>
+              <a:rPr lang="de-DE" sz="1100" dirty="0">
+                <a:latin typeface="Cascadia Mono" panose="020B0609020000020004" pitchFamily="49" charset="0"/>
+                <a:ea typeface="Cascadia Mono" panose="020B0609020000020004" pitchFamily="49" charset="0"/>
+                <a:cs typeface="Cascadia Mono" panose="020B0609020000020004" pitchFamily="49" charset="0"/>
+              </a:rPr>
+              <a:t> &lt;- </a:t>
+            </a:r>
+            <a:r>
+              <a:rPr lang="de-DE" sz="1100" dirty="0" err="1">
+                <a:latin typeface="Cascadia Mono" panose="020B0609020000020004" pitchFamily="49" charset="0"/>
+                <a:ea typeface="Cascadia Mono" panose="020B0609020000020004" pitchFamily="49" charset="0"/>
+                <a:cs typeface="Cascadia Mono" panose="020B0609020000020004" pitchFamily="49" charset="0"/>
+              </a:rPr>
+              <a:t>initial_split</a:t>
+            </a:r>
+            <a:r>
+              <a:rPr lang="de-DE" sz="1100" dirty="0">
+                <a:latin typeface="Cascadia Mono" panose="020B0609020000020004" pitchFamily="49" charset="0"/>
+                <a:ea typeface="Cascadia Mono" panose="020B0609020000020004" pitchFamily="49" charset="0"/>
+                <a:cs typeface="Cascadia Mono" panose="020B0609020000020004" pitchFamily="49" charset="0"/>
+              </a:rPr>
+              <a:t>(</a:t>
+            </a:r>
+            <a:r>
+              <a:rPr lang="de-DE" sz="1100" dirty="0" err="1">
+                <a:latin typeface="Cascadia Mono" panose="020B0609020000020004" pitchFamily="49" charset="0"/>
+                <a:ea typeface="Cascadia Mono" panose="020B0609020000020004" pitchFamily="49" charset="0"/>
+                <a:cs typeface="Cascadia Mono" panose="020B0609020000020004" pitchFamily="49" charset="0"/>
+              </a:rPr>
+              <a:t>df</a:t>
+            </a:r>
+            <a:r>
+              <a:rPr lang="de-DE" sz="1100" dirty="0">
+                <a:latin typeface="Cascadia Mono" panose="020B0609020000020004" pitchFamily="49" charset="0"/>
+                <a:ea typeface="Cascadia Mono" panose="020B0609020000020004" pitchFamily="49" charset="0"/>
+                <a:cs typeface="Cascadia Mono" panose="020B0609020000020004" pitchFamily="49" charset="0"/>
+              </a:rPr>
+              <a:t>, </a:t>
+            </a:r>
+            <a:r>
+              <a:rPr lang="de-DE" sz="1100" dirty="0" err="1">
+                <a:latin typeface="Cascadia Mono" panose="020B0609020000020004" pitchFamily="49" charset="0"/>
+                <a:ea typeface="Cascadia Mono" panose="020B0609020000020004" pitchFamily="49" charset="0"/>
+                <a:cs typeface="Cascadia Mono" panose="020B0609020000020004" pitchFamily="49" charset="0"/>
+              </a:rPr>
+              <a:t>prop</a:t>
+            </a:r>
+            <a:r>
+              <a:rPr lang="de-DE" sz="1100" dirty="0">
+                <a:latin typeface="Cascadia Mono" panose="020B0609020000020004" pitchFamily="49" charset="0"/>
+                <a:ea typeface="Cascadia Mono" panose="020B0609020000020004" pitchFamily="49" charset="0"/>
+                <a:cs typeface="Cascadia Mono" panose="020B0609020000020004" pitchFamily="49" charset="0"/>
+              </a:rPr>
+              <a:t> = 0.75, </a:t>
+            </a:r>
+            <a:r>
+              <a:rPr lang="de-DE" sz="1100" dirty="0" err="1">
+                <a:latin typeface="Cascadia Mono" panose="020B0609020000020004" pitchFamily="49" charset="0"/>
+                <a:ea typeface="Cascadia Mono" panose="020B0609020000020004" pitchFamily="49" charset="0"/>
+                <a:cs typeface="Cascadia Mono" panose="020B0609020000020004" pitchFamily="49" charset="0"/>
+              </a:rPr>
+              <a:t>strata</a:t>
+            </a:r>
+            <a:r>
+              <a:rPr lang="de-DE" sz="1100" dirty="0">
+                <a:latin typeface="Cascadia Mono" panose="020B0609020000020004" pitchFamily="49" charset="0"/>
+                <a:ea typeface="Cascadia Mono" panose="020B0609020000020004" pitchFamily="49" charset="0"/>
+                <a:cs typeface="Cascadia Mono" panose="020B0609020000020004" pitchFamily="49" charset="0"/>
+              </a:rPr>
+              <a:t> = </a:t>
+            </a:r>
+            <a:r>
+              <a:rPr lang="de-DE" sz="1100" dirty="0" err="1">
+                <a:latin typeface="Cascadia Mono" panose="020B0609020000020004" pitchFamily="49" charset="0"/>
+                <a:ea typeface="Cascadia Mono" panose="020B0609020000020004" pitchFamily="49" charset="0"/>
+                <a:cs typeface="Cascadia Mono" panose="020B0609020000020004" pitchFamily="49" charset="0"/>
+              </a:rPr>
+              <a:t>project</a:t>
+            </a:r>
+            <a:r>
+              <a:rPr lang="de-DE" sz="1100" dirty="0">
+                <a:latin typeface="Cascadia Mono" panose="020B0609020000020004" pitchFamily="49" charset="0"/>
+                <a:ea typeface="Cascadia Mono" panose="020B0609020000020004" pitchFamily="49" charset="0"/>
+                <a:cs typeface="Cascadia Mono" panose="020B0609020000020004" pitchFamily="49" charset="0"/>
+              </a:rPr>
+              <a:t>)  </a:t>
+            </a:r>
+            <a:r>
+              <a:rPr lang="de-DE" sz="1100" dirty="0" err="1">
+                <a:latin typeface="Cascadia Mono" panose="020B0609020000020004" pitchFamily="49" charset="0"/>
+                <a:ea typeface="Cascadia Mono" panose="020B0609020000020004" pitchFamily="49" charset="0"/>
+                <a:cs typeface="Cascadia Mono" panose="020B0609020000020004" pitchFamily="49" charset="0"/>
+              </a:rPr>
+              <a:t>df_training</a:t>
+            </a:r>
+            <a:r>
+              <a:rPr lang="de-DE" sz="1100" dirty="0">
+                <a:latin typeface="Cascadia Mono" panose="020B0609020000020004" pitchFamily="49" charset="0"/>
+                <a:ea typeface="Cascadia Mono" panose="020B0609020000020004" pitchFamily="49" charset="0"/>
+                <a:cs typeface="Cascadia Mono" panose="020B0609020000020004" pitchFamily="49" charset="0"/>
+              </a:rPr>
+              <a:t> &lt;- </a:t>
+            </a:r>
+            <a:r>
+              <a:rPr lang="de-DE" sz="1100" dirty="0" err="1">
+                <a:latin typeface="Cascadia Mono" panose="020B0609020000020004" pitchFamily="49" charset="0"/>
+                <a:ea typeface="Cascadia Mono" panose="020B0609020000020004" pitchFamily="49" charset="0"/>
+                <a:cs typeface="Cascadia Mono" panose="020B0609020000020004" pitchFamily="49" charset="0"/>
+              </a:rPr>
+              <a:t>training</a:t>
+            </a:r>
+            <a:r>
+              <a:rPr lang="de-DE" sz="1100" dirty="0">
+                <a:latin typeface="Cascadia Mono" panose="020B0609020000020004" pitchFamily="49" charset="0"/>
+                <a:ea typeface="Cascadia Mono" panose="020B0609020000020004" pitchFamily="49" charset="0"/>
+                <a:cs typeface="Cascadia Mono" panose="020B0609020000020004" pitchFamily="49" charset="0"/>
+              </a:rPr>
+              <a:t>(</a:t>
+            </a:r>
+            <a:r>
+              <a:rPr lang="de-DE" sz="1100" dirty="0" err="1">
+                <a:latin typeface="Cascadia Mono" panose="020B0609020000020004" pitchFamily="49" charset="0"/>
+                <a:ea typeface="Cascadia Mono" panose="020B0609020000020004" pitchFamily="49" charset="0"/>
+                <a:cs typeface="Cascadia Mono" panose="020B0609020000020004" pitchFamily="49" charset="0"/>
+              </a:rPr>
+              <a:t>sp</a:t>
+            </a:r>
+            <a:r>
+              <a:rPr lang="de-DE" sz="1100" dirty="0">
+                <a:latin typeface="Cascadia Mono" panose="020B0609020000020004" pitchFamily="49" charset="0"/>
+                <a:ea typeface="Cascadia Mono" panose="020B0609020000020004" pitchFamily="49" charset="0"/>
+                <a:cs typeface="Cascadia Mono" panose="020B0609020000020004" pitchFamily="49" charset="0"/>
+              </a:rPr>
+              <a:t>)</a:t>
+            </a:r>
+          </a:p>
+          <a:p>
+            <a:r>
+              <a:rPr lang="de-DE" sz="1100" dirty="0" err="1">
+                <a:latin typeface="Cascadia Mono" panose="020B0609020000020004" pitchFamily="49" charset="0"/>
+                <a:ea typeface="Cascadia Mono" panose="020B0609020000020004" pitchFamily="49" charset="0"/>
+                <a:cs typeface="Cascadia Mono" panose="020B0609020000020004" pitchFamily="49" charset="0"/>
+              </a:rPr>
+              <a:t>df_test</a:t>
+            </a:r>
+            <a:r>
+              <a:rPr lang="de-DE" sz="1100" dirty="0">
+                <a:latin typeface="Cascadia Mono" panose="020B0609020000020004" pitchFamily="49" charset="0"/>
+                <a:ea typeface="Cascadia Mono" panose="020B0609020000020004" pitchFamily="49" charset="0"/>
+                <a:cs typeface="Cascadia Mono" panose="020B0609020000020004" pitchFamily="49" charset="0"/>
+              </a:rPr>
+              <a:t>   &lt;- </a:t>
+            </a:r>
+            <a:r>
+              <a:rPr lang="de-DE" sz="1100" dirty="0" err="1">
+                <a:latin typeface="Cascadia Mono" panose="020B0609020000020004" pitchFamily="49" charset="0"/>
+                <a:ea typeface="Cascadia Mono" panose="020B0609020000020004" pitchFamily="49" charset="0"/>
+                <a:cs typeface="Cascadia Mono" panose="020B0609020000020004" pitchFamily="49" charset="0"/>
+              </a:rPr>
+              <a:t>testing</a:t>
+            </a:r>
+            <a:r>
+              <a:rPr lang="de-DE" sz="1100" dirty="0">
+                <a:latin typeface="Cascadia Mono" panose="020B0609020000020004" pitchFamily="49" charset="0"/>
+                <a:ea typeface="Cascadia Mono" panose="020B0609020000020004" pitchFamily="49" charset="0"/>
+                <a:cs typeface="Cascadia Mono" panose="020B0609020000020004" pitchFamily="49" charset="0"/>
+              </a:rPr>
+              <a:t>(</a:t>
+            </a:r>
+            <a:r>
+              <a:rPr lang="de-DE" sz="1100" dirty="0" err="1">
+                <a:latin typeface="Cascadia Mono" panose="020B0609020000020004" pitchFamily="49" charset="0"/>
+                <a:ea typeface="Cascadia Mono" panose="020B0609020000020004" pitchFamily="49" charset="0"/>
+                <a:cs typeface="Cascadia Mono" panose="020B0609020000020004" pitchFamily="49" charset="0"/>
+              </a:rPr>
+              <a:t>sp</a:t>
+            </a:r>
+            <a:r>
+              <a:rPr lang="de-DE" sz="1100" dirty="0">
+                <a:latin typeface="Cascadia Mono" panose="020B0609020000020004" pitchFamily="49" charset="0"/>
+                <a:ea typeface="Cascadia Mono" panose="020B0609020000020004" pitchFamily="49" charset="0"/>
+                <a:cs typeface="Cascadia Mono" panose="020B0609020000020004" pitchFamily="49" charset="0"/>
+              </a:rPr>
+              <a:t>)</a:t>
+            </a:r>
+          </a:p>
+        </p:txBody>
+      </p:sp>
+    </p:spTree>
+    <p:extLst>
+      <p:ext uri="{BB962C8B-B14F-4D97-AF65-F5344CB8AC3E}">
+        <p14:creationId xmlns:p14="http://schemas.microsoft.com/office/powerpoint/2010/main" val="3004819477"/>
+      </p:ext>
+    </p:extLst>
+  </p:cSld>
+  <p:clrMapOvr>
+    <a:masterClrMapping/>
+  </p:clrMapOvr>
+</p:sld>
+</file>
+
+<file path=ppt/slides/slide17.xml><?xml version="1.0" encoding="utf-8"?>
+<p:sld xmlns:a="http://schemas.openxmlformats.org/drawingml/2006/main" xmlns:r="http://schemas.openxmlformats.org/officeDocument/2006/relationships" xmlns:p="http://schemas.openxmlformats.org/presentationml/2006/main">
+  <p:cSld>
+    <p:spTree>
+      <p:nvGrpSpPr>
+        <p:cNvPr id="1" name=""/>
+        <p:cNvGrpSpPr/>
+        <p:nvPr/>
+      </p:nvGrpSpPr>
+      <p:grpSpPr>
+        <a:xfrm>
+          <a:off x="0" y="0"/>
+          <a:ext cx="0" cy="0"/>
+          <a:chOff x="0" y="0"/>
+          <a:chExt cx="0" cy="0"/>
+        </a:xfrm>
+      </p:grpSpPr>
+      <p:sp>
+        <p:nvSpPr>
+          <p:cNvPr id="2" name="Titel 1">
+            <a:extLst>
+              <a:ext uri="{FF2B5EF4-FFF2-40B4-BE49-F238E27FC236}">
+                <a16:creationId xmlns:a16="http://schemas.microsoft.com/office/drawing/2014/main" id="{C674AC39-9675-41C7-8D92-875E7877EFE7}"/>
+              </a:ext>
+            </a:extLst>
+          </p:cNvPr>
+          <p:cNvSpPr>
+            <a:spLocks noGrp="1"/>
+          </p:cNvSpPr>
+          <p:nvPr>
+            <p:ph type="title"/>
+          </p:nvPr>
+        </p:nvSpPr>
+        <p:spPr/>
+        <p:txBody>
+          <a:bodyPr/>
+          <a:lstStyle/>
+          <a:p>
+            <a:r>
+              <a:rPr lang="de-DE" dirty="0" err="1"/>
+              <a:t>HiTOP</a:t>
+            </a:r>
+            <a:r>
+              <a:rPr lang="de-DE" dirty="0"/>
+              <a:t> CFA</a:t>
+            </a:r>
+          </a:p>
+        </p:txBody>
+      </p:sp>
+      <p:sp>
+        <p:nvSpPr>
+          <p:cNvPr id="3" name="Inhaltsplatzhalter 2">
+            <a:extLst>
+              <a:ext uri="{FF2B5EF4-FFF2-40B4-BE49-F238E27FC236}">
+                <a16:creationId xmlns:a16="http://schemas.microsoft.com/office/drawing/2014/main" id="{B637DBFE-939B-4F89-A300-0A21D1B8AE50}"/>
+              </a:ext>
+            </a:extLst>
+          </p:cNvPr>
+          <p:cNvSpPr>
+            <a:spLocks noGrp="1"/>
+          </p:cNvSpPr>
+          <p:nvPr>
+            <p:ph idx="1"/>
+          </p:nvPr>
+        </p:nvSpPr>
+        <p:spPr/>
+        <p:txBody>
+          <a:bodyPr/>
+          <a:lstStyle/>
+          <a:p>
+            <a:r>
+              <a:rPr lang="de-DE" dirty="0" err="1"/>
+              <a:t>How</a:t>
+            </a:r>
+            <a:r>
+              <a:rPr lang="de-DE" dirty="0"/>
+              <a:t> </a:t>
+            </a:r>
+            <a:r>
+              <a:rPr lang="de-DE" dirty="0" err="1"/>
+              <a:t>to</a:t>
+            </a:r>
+            <a:r>
+              <a:rPr lang="de-DE" dirty="0"/>
+              <a:t> </a:t>
+            </a:r>
+            <a:r>
+              <a:rPr lang="de-DE" dirty="0" err="1"/>
+              <a:t>represent</a:t>
+            </a:r>
+            <a:r>
+              <a:rPr lang="de-DE" dirty="0"/>
+              <a:t> top </a:t>
+            </a:r>
+            <a:r>
+              <a:rPr lang="de-DE" dirty="0" err="1"/>
+              <a:t>of</a:t>
+            </a:r>
+            <a:r>
+              <a:rPr lang="de-DE" dirty="0"/>
+              <a:t> </a:t>
+            </a:r>
+            <a:r>
+              <a:rPr lang="de-DE" dirty="0" err="1"/>
+              <a:t>hierarchy</a:t>
+            </a:r>
+            <a:r>
+              <a:rPr lang="de-DE" dirty="0"/>
+              <a:t>?</a:t>
+            </a:r>
+          </a:p>
+          <a:p>
+            <a:pPr lvl="1"/>
+            <a:r>
+              <a:rPr lang="de-DE" dirty="0" err="1"/>
+              <a:t>Bifactor</a:t>
+            </a:r>
+            <a:r>
+              <a:rPr lang="de-DE" dirty="0"/>
+              <a:t> </a:t>
+            </a:r>
+            <a:r>
+              <a:rPr lang="de-DE" dirty="0" err="1"/>
+              <a:t>model</a:t>
+            </a:r>
+            <a:endParaRPr lang="de-DE" dirty="0"/>
+          </a:p>
+          <a:p>
+            <a:pPr lvl="1"/>
+            <a:r>
+              <a:rPr lang="de-DE" dirty="0"/>
+              <a:t>Higher-order </a:t>
+            </a:r>
+            <a:r>
+              <a:rPr lang="de-DE" dirty="0" err="1"/>
+              <a:t>model</a:t>
+            </a:r>
+            <a:endParaRPr lang="de-DE" dirty="0"/>
+          </a:p>
+          <a:p>
+            <a:pPr lvl="1"/>
+            <a:endParaRPr lang="de-DE" dirty="0"/>
+          </a:p>
+          <a:p>
+            <a:r>
+              <a:rPr lang="de-DE" dirty="0"/>
+              <a:t>Check </a:t>
+            </a:r>
+            <a:r>
+              <a:rPr lang="de-DE" dirty="0" err="1"/>
+              <a:t>reliability</a:t>
+            </a:r>
+            <a:r>
+              <a:rPr lang="de-DE" dirty="0"/>
+              <a:t> </a:t>
+            </a:r>
+            <a:r>
+              <a:rPr lang="de-DE" dirty="0" err="1"/>
+              <a:t>by</a:t>
+            </a:r>
+            <a:r>
+              <a:rPr lang="de-DE" dirty="0"/>
+              <a:t> </a:t>
+            </a:r>
+            <a:r>
+              <a:rPr lang="de-DE" dirty="0" err="1"/>
+              <a:t>using</a:t>
+            </a:r>
+            <a:r>
+              <a:rPr lang="de-DE" dirty="0"/>
+              <a:t> </a:t>
+            </a:r>
+            <a:r>
+              <a:rPr lang="de-DE" dirty="0" err="1"/>
+              <a:t>test</a:t>
+            </a:r>
+            <a:r>
+              <a:rPr lang="de-DE" dirty="0"/>
+              <a:t> </a:t>
+            </a:r>
+            <a:r>
+              <a:rPr lang="de-DE" dirty="0" err="1"/>
+              <a:t>set</a:t>
+            </a:r>
+            <a:endParaRPr lang="de-DE" dirty="0"/>
+          </a:p>
+        </p:txBody>
+      </p:sp>
+    </p:spTree>
+    <p:extLst>
+      <p:ext uri="{BB962C8B-B14F-4D97-AF65-F5344CB8AC3E}">
+        <p14:creationId xmlns:p14="http://schemas.microsoft.com/office/powerpoint/2010/main" val="3896819360"/>
+      </p:ext>
+    </p:extLst>
+  </p:cSld>
+  <p:clrMapOvr>
+    <a:masterClrMapping/>
+  </p:clrMapOvr>
+</p:sld>
+</file>
+
+<file path=ppt/slides/slide2.xml><?xml version="1.0" encoding="utf-8"?>
+<p:sld xmlns:a="http://schemas.openxmlformats.org/drawingml/2006/main" xmlns:r="http://schemas.openxmlformats.org/officeDocument/2006/relationships" xmlns:p="http://schemas.openxmlformats.org/presentationml/2006/main">
+  <p:cSld>
+    <p:spTree>
+      <p:nvGrpSpPr>
+        <p:cNvPr id="1" name=""/>
+        <p:cNvGrpSpPr/>
+        <p:nvPr/>
+      </p:nvGrpSpPr>
+      <p:grpSpPr>
+        <a:xfrm>
+          <a:off x="0" y="0"/>
+          <a:ext cx="0" cy="0"/>
+          <a:chOff x="0" y="0"/>
+          <a:chExt cx="0" cy="0"/>
+        </a:xfrm>
+      </p:grpSpPr>
+      <p:sp>
+        <p:nvSpPr>
+          <p:cNvPr id="2" name="Titel 1">
+            <a:extLst>
+              <a:ext uri="{FF2B5EF4-FFF2-40B4-BE49-F238E27FC236}">
+                <a16:creationId xmlns:a16="http://schemas.microsoft.com/office/drawing/2014/main" id="{D2DDC287-418B-49DA-9745-49666E53566E}"/>
+              </a:ext>
+            </a:extLst>
+          </p:cNvPr>
+          <p:cNvSpPr>
+            <a:spLocks noGrp="1"/>
+          </p:cNvSpPr>
+          <p:nvPr>
+            <p:ph type="title"/>
+          </p:nvPr>
+        </p:nvSpPr>
+        <p:spPr/>
+        <p:txBody>
+          <a:bodyPr/>
+          <a:lstStyle/>
+          <a:p>
+            <a:r>
+              <a:rPr lang="de-DE" dirty="0" err="1"/>
+              <a:t>Factor</a:t>
+            </a:r>
+            <a:r>
+              <a:rPr lang="de-DE" dirty="0"/>
+              <a:t> </a:t>
+            </a:r>
+            <a:r>
+              <a:rPr lang="de-DE" dirty="0" err="1"/>
+              <a:t>analysis</a:t>
+            </a:r>
+            <a:r>
+              <a:rPr lang="de-DE" dirty="0"/>
+              <a:t>: </a:t>
+            </a:r>
+            <a:r>
+              <a:rPr lang="de-DE" dirty="0" err="1"/>
+              <a:t>main</a:t>
+            </a:r>
+            <a:r>
+              <a:rPr lang="de-DE" dirty="0"/>
+              <a:t> </a:t>
+            </a:r>
+            <a:r>
+              <a:rPr lang="de-DE" dirty="0" err="1"/>
+              <a:t>idea</a:t>
+            </a:r>
+            <a:endParaRPr lang="de-DE" dirty="0"/>
+          </a:p>
+        </p:txBody>
+      </p:sp>
+      <p:sp>
+        <p:nvSpPr>
+          <p:cNvPr id="3" name="Inhaltsplatzhalter 2">
+            <a:extLst>
+              <a:ext uri="{FF2B5EF4-FFF2-40B4-BE49-F238E27FC236}">
+                <a16:creationId xmlns:a16="http://schemas.microsoft.com/office/drawing/2014/main" id="{4E66F6A0-D048-4AE8-BEF6-E90C63D4269B}"/>
+              </a:ext>
+            </a:extLst>
+          </p:cNvPr>
+          <p:cNvSpPr>
+            <a:spLocks noGrp="1"/>
+          </p:cNvSpPr>
+          <p:nvPr>
+            <p:ph idx="1"/>
+          </p:nvPr>
+        </p:nvSpPr>
+        <p:spPr/>
+        <p:txBody>
+          <a:bodyPr/>
+          <a:lstStyle/>
+          <a:p>
+            <a:r>
+              <a:rPr lang="de-DE" dirty="0" err="1"/>
+              <a:t>Factor</a:t>
+            </a:r>
+            <a:r>
+              <a:rPr lang="de-DE" dirty="0"/>
+              <a:t> </a:t>
+            </a:r>
+            <a:r>
+              <a:rPr lang="de-DE" dirty="0" err="1"/>
+              <a:t>analysis</a:t>
+            </a:r>
+            <a:r>
+              <a:rPr lang="de-DE" dirty="0"/>
+              <a:t> </a:t>
+            </a:r>
+            <a:r>
+              <a:rPr lang="de-DE" dirty="0" err="1"/>
+              <a:t>is</a:t>
+            </a:r>
+            <a:r>
+              <a:rPr lang="de-DE" dirty="0"/>
+              <a:t> a </a:t>
+            </a:r>
+            <a:r>
+              <a:rPr lang="de-DE" dirty="0" err="1"/>
+              <a:t>method</a:t>
+            </a:r>
+            <a:r>
+              <a:rPr lang="de-DE" dirty="0"/>
+              <a:t> </a:t>
+            </a:r>
+            <a:r>
+              <a:rPr lang="de-DE" dirty="0" err="1"/>
+              <a:t>to</a:t>
+            </a:r>
+            <a:r>
+              <a:rPr lang="de-DE" dirty="0"/>
+              <a:t> </a:t>
+            </a:r>
+            <a:r>
+              <a:rPr lang="de-DE" dirty="0" err="1"/>
+              <a:t>calculate</a:t>
+            </a:r>
+            <a:r>
+              <a:rPr lang="de-DE" dirty="0"/>
+              <a:t> a </a:t>
+            </a:r>
+            <a:r>
+              <a:rPr lang="de-DE" dirty="0" err="1"/>
+              <a:t>smaller</a:t>
+            </a:r>
+            <a:r>
+              <a:rPr lang="de-DE" dirty="0"/>
+              <a:t> </a:t>
+            </a:r>
+            <a:r>
+              <a:rPr lang="de-DE" dirty="0" err="1"/>
+              <a:t>number</a:t>
+            </a:r>
+            <a:r>
+              <a:rPr lang="de-DE" dirty="0"/>
+              <a:t> </a:t>
+            </a:r>
+            <a:r>
+              <a:rPr lang="de-DE" dirty="0" err="1"/>
+              <a:t>of</a:t>
+            </a:r>
+            <a:r>
+              <a:rPr lang="de-DE" dirty="0"/>
+              <a:t> </a:t>
+            </a:r>
+            <a:r>
+              <a:rPr lang="de-DE" dirty="0" err="1"/>
+              <a:t>factors</a:t>
+            </a:r>
+            <a:r>
+              <a:rPr lang="de-DE" dirty="0"/>
+              <a:t> </a:t>
+            </a:r>
+            <a:r>
+              <a:rPr lang="de-DE" dirty="0" err="1"/>
+              <a:t>from</a:t>
+            </a:r>
+            <a:r>
+              <a:rPr lang="de-DE" dirty="0"/>
+              <a:t> a </a:t>
+            </a:r>
+            <a:r>
+              <a:rPr lang="de-DE" dirty="0" err="1"/>
+              <a:t>set</a:t>
+            </a:r>
+            <a:r>
+              <a:rPr lang="de-DE" dirty="0"/>
+              <a:t> </a:t>
+            </a:r>
+            <a:r>
+              <a:rPr lang="de-DE" dirty="0" err="1"/>
+              <a:t>of</a:t>
+            </a:r>
+            <a:r>
+              <a:rPr lang="de-DE" dirty="0"/>
+              <a:t> </a:t>
+            </a:r>
+            <a:r>
+              <a:rPr lang="de-DE" dirty="0" err="1"/>
+              <a:t>observed</a:t>
+            </a:r>
+            <a:r>
+              <a:rPr lang="de-DE" dirty="0"/>
+              <a:t> variables</a:t>
+            </a:r>
+          </a:p>
+          <a:p>
+            <a:r>
+              <a:rPr lang="de-DE" dirty="0"/>
+              <a:t>This </a:t>
+            </a:r>
+            <a:r>
+              <a:rPr lang="de-DE" dirty="0" err="1"/>
+              <a:t>way</a:t>
+            </a:r>
+            <a:r>
+              <a:rPr lang="de-DE" dirty="0"/>
+              <a:t> </a:t>
+            </a:r>
+            <a:r>
+              <a:rPr lang="de-DE" dirty="0" err="1"/>
+              <a:t>we</a:t>
+            </a:r>
+            <a:r>
+              <a:rPr lang="de-DE" dirty="0"/>
+              <a:t> </a:t>
+            </a:r>
+            <a:r>
+              <a:rPr lang="de-DE" dirty="0" err="1"/>
+              <a:t>capture</a:t>
+            </a:r>
+            <a:r>
+              <a:rPr lang="de-DE" dirty="0"/>
+              <a:t> </a:t>
+            </a:r>
+            <a:r>
+              <a:rPr lang="de-DE" dirty="0" err="1"/>
+              <a:t>patterns</a:t>
+            </a:r>
+            <a:r>
+              <a:rPr lang="de-DE" dirty="0"/>
+              <a:t>, </a:t>
+            </a:r>
+            <a:r>
+              <a:rPr lang="de-DE" u="sng" dirty="0"/>
+              <a:t>latent </a:t>
+            </a:r>
+            <a:r>
+              <a:rPr lang="de-DE" u="sng" dirty="0" err="1"/>
+              <a:t>traits</a:t>
+            </a:r>
+            <a:r>
+              <a:rPr lang="de-DE" dirty="0"/>
+              <a:t>, </a:t>
+            </a:r>
+            <a:r>
+              <a:rPr lang="de-DE" dirty="0" err="1"/>
+              <a:t>that</a:t>
+            </a:r>
+            <a:r>
+              <a:rPr lang="de-DE" dirty="0"/>
+              <a:t> </a:t>
+            </a:r>
+            <a:r>
+              <a:rPr lang="de-DE" dirty="0" err="1"/>
+              <a:t>are</a:t>
+            </a:r>
+            <a:r>
+              <a:rPr lang="de-DE" dirty="0"/>
+              <a:t> not evident </a:t>
+            </a:r>
+            <a:r>
+              <a:rPr lang="de-DE" dirty="0" err="1"/>
+              <a:t>by</a:t>
+            </a:r>
+            <a:r>
+              <a:rPr lang="de-DE" dirty="0"/>
+              <a:t> </a:t>
+            </a:r>
+            <a:r>
+              <a:rPr lang="de-DE" dirty="0" err="1"/>
+              <a:t>simply</a:t>
+            </a:r>
+            <a:r>
+              <a:rPr lang="de-DE" dirty="0"/>
+              <a:t> </a:t>
+            </a:r>
+            <a:r>
+              <a:rPr lang="de-DE" dirty="0" err="1"/>
+              <a:t>looking</a:t>
+            </a:r>
+            <a:r>
+              <a:rPr lang="de-DE" dirty="0"/>
+              <a:t> at </a:t>
+            </a:r>
+            <a:r>
+              <a:rPr lang="de-DE" dirty="0" err="1"/>
+              <a:t>the</a:t>
+            </a:r>
+            <a:r>
+              <a:rPr lang="de-DE" dirty="0"/>
+              <a:t> </a:t>
+            </a:r>
+            <a:r>
+              <a:rPr lang="de-DE" dirty="0" err="1"/>
+              <a:t>data</a:t>
+            </a:r>
+            <a:endParaRPr lang="de-DE" dirty="0"/>
+          </a:p>
+          <a:p>
+            <a:r>
+              <a:rPr lang="de-DE" dirty="0" err="1"/>
+              <a:t>It</a:t>
+            </a:r>
+            <a:r>
+              <a:rPr lang="de-DE" dirty="0"/>
+              <a:t> </a:t>
+            </a:r>
+            <a:r>
+              <a:rPr lang="de-DE" dirty="0" err="1"/>
+              <a:t>simplifies</a:t>
+            </a:r>
+            <a:r>
+              <a:rPr lang="de-DE" dirty="0"/>
+              <a:t> </a:t>
+            </a:r>
+            <a:r>
+              <a:rPr lang="de-DE" dirty="0" err="1"/>
+              <a:t>the</a:t>
+            </a:r>
+            <a:r>
+              <a:rPr lang="de-DE" dirty="0"/>
+              <a:t> </a:t>
+            </a:r>
+            <a:r>
+              <a:rPr lang="de-DE" dirty="0" err="1"/>
+              <a:t>model</a:t>
+            </a:r>
+            <a:r>
+              <a:rPr lang="de-DE" dirty="0"/>
+              <a:t> </a:t>
+            </a:r>
+            <a:r>
+              <a:rPr lang="de-DE" dirty="0" err="1"/>
+              <a:t>we</a:t>
+            </a:r>
+            <a:r>
+              <a:rPr lang="de-DE" dirty="0"/>
+              <a:t> </a:t>
+            </a:r>
+            <a:r>
+              <a:rPr lang="de-DE" dirty="0" err="1"/>
+              <a:t>want</a:t>
+            </a:r>
+            <a:r>
+              <a:rPr lang="de-DE" dirty="0"/>
+              <a:t> </a:t>
+            </a:r>
+            <a:r>
+              <a:rPr lang="de-DE" dirty="0" err="1"/>
+              <a:t>to</a:t>
+            </a:r>
+            <a:r>
+              <a:rPr lang="de-DE" dirty="0"/>
+              <a:t> </a:t>
+            </a:r>
+            <a:r>
+              <a:rPr lang="de-DE" dirty="0" err="1"/>
+              <a:t>test</a:t>
+            </a:r>
+            <a:endParaRPr lang="de-DE" dirty="0"/>
+          </a:p>
+        </p:txBody>
+      </p:sp>
+    </p:spTree>
+    <p:extLst>
+      <p:ext uri="{BB962C8B-B14F-4D97-AF65-F5344CB8AC3E}">
+        <p14:creationId xmlns:p14="http://schemas.microsoft.com/office/powerpoint/2010/main" val="313185840"/>
+      </p:ext>
+    </p:extLst>
+  </p:cSld>
+  <p:clrMapOvr>
+    <a:masterClrMapping/>
+  </p:clrMapOvr>
+</p:sld>
+</file>
+
+<file path=ppt/slides/slide3.xml><?xml version="1.0" encoding="utf-8"?>
+<p:sld xmlns:a="http://schemas.openxmlformats.org/drawingml/2006/main" xmlns:r="http://schemas.openxmlformats.org/officeDocument/2006/relationships" xmlns:p="http://schemas.openxmlformats.org/presentationml/2006/main">
+  <p:cSld>
+    <p:spTree>
+      <p:nvGrpSpPr>
+        <p:cNvPr id="1" name=""/>
+        <p:cNvGrpSpPr/>
+        <p:nvPr/>
+      </p:nvGrpSpPr>
+      <p:grpSpPr>
+        <a:xfrm>
+          <a:off x="0" y="0"/>
+          <a:ext cx="0" cy="0"/>
+          <a:chOff x="0" y="0"/>
+          <a:chExt cx="0" cy="0"/>
+        </a:xfrm>
+      </p:grpSpPr>
+      <p:sp>
+        <p:nvSpPr>
+          <p:cNvPr id="2" name="Titel 1">
+            <a:extLst>
+              <a:ext uri="{FF2B5EF4-FFF2-40B4-BE49-F238E27FC236}">
+                <a16:creationId xmlns:a16="http://schemas.microsoft.com/office/drawing/2014/main" id="{1B471368-AC41-4C39-8682-3C3AA8571A14}"/>
+              </a:ext>
+            </a:extLst>
+          </p:cNvPr>
+          <p:cNvSpPr>
+            <a:spLocks noGrp="1"/>
+          </p:cNvSpPr>
+          <p:nvPr>
+            <p:ph type="title"/>
+          </p:nvPr>
+        </p:nvSpPr>
+        <p:spPr/>
+        <p:txBody>
+          <a:bodyPr/>
+          <a:lstStyle/>
+          <a:p>
+            <a:r>
+              <a:rPr lang="de-DE" dirty="0" err="1"/>
+              <a:t>Exploratory</a:t>
+            </a:r>
+            <a:r>
+              <a:rPr lang="de-DE" dirty="0"/>
+              <a:t> </a:t>
+            </a:r>
+            <a:r>
+              <a:rPr lang="de-DE" dirty="0" err="1"/>
+              <a:t>Factor</a:t>
+            </a:r>
+            <a:r>
+              <a:rPr lang="de-DE" dirty="0"/>
+              <a:t> </a:t>
+            </a:r>
+            <a:r>
+              <a:rPr lang="de-DE" dirty="0" err="1"/>
+              <a:t>analysis</a:t>
+            </a:r>
+            <a:endParaRPr lang="de-DE" dirty="0"/>
+          </a:p>
+        </p:txBody>
+      </p:sp>
+      <p:sp>
+        <p:nvSpPr>
+          <p:cNvPr id="3" name="Inhaltsplatzhalter 2">
+            <a:extLst>
+              <a:ext uri="{FF2B5EF4-FFF2-40B4-BE49-F238E27FC236}">
+                <a16:creationId xmlns:a16="http://schemas.microsoft.com/office/drawing/2014/main" id="{27CEE012-83FA-4152-89EE-5C62EF2CAF42}"/>
+              </a:ext>
+            </a:extLst>
+          </p:cNvPr>
+          <p:cNvSpPr>
+            <a:spLocks noGrp="1"/>
+          </p:cNvSpPr>
+          <p:nvPr>
+            <p:ph idx="1"/>
+          </p:nvPr>
+        </p:nvSpPr>
+        <p:spPr/>
+        <p:txBody>
+          <a:bodyPr/>
+          <a:lstStyle/>
+          <a:p>
+            <a:r>
+              <a:rPr lang="de-DE" dirty="0" err="1"/>
+              <a:t>We</a:t>
+            </a:r>
+            <a:r>
+              <a:rPr lang="de-DE" dirty="0"/>
+              <a:t> </a:t>
+            </a:r>
+            <a:r>
+              <a:rPr lang="de-DE" dirty="0" err="1"/>
+              <a:t>test</a:t>
+            </a:r>
+            <a:r>
+              <a:rPr lang="de-DE" dirty="0"/>
+              <a:t> </a:t>
+            </a:r>
+            <a:r>
+              <a:rPr lang="de-DE" dirty="0" err="1"/>
+              <a:t>the</a:t>
+            </a:r>
+            <a:r>
+              <a:rPr lang="de-DE" dirty="0"/>
+              <a:t> </a:t>
+            </a:r>
+            <a:r>
+              <a:rPr lang="de-DE" dirty="0" err="1"/>
+              <a:t>actual</a:t>
+            </a:r>
+            <a:r>
+              <a:rPr lang="de-DE" dirty="0"/>
+              <a:t> </a:t>
+            </a:r>
+            <a:r>
+              <a:rPr lang="de-DE" dirty="0" err="1"/>
+              <a:t>correlations</a:t>
+            </a:r>
+            <a:r>
+              <a:rPr lang="de-DE" dirty="0"/>
+              <a:t> </a:t>
+            </a:r>
+            <a:r>
+              <a:rPr lang="de-DE" dirty="0" err="1"/>
+              <a:t>between</a:t>
+            </a:r>
+            <a:r>
+              <a:rPr lang="de-DE" dirty="0"/>
+              <a:t> </a:t>
+            </a:r>
+            <a:r>
+              <a:rPr lang="de-DE" dirty="0" err="1"/>
+              <a:t>items</a:t>
+            </a:r>
+            <a:r>
+              <a:rPr lang="de-DE" dirty="0"/>
+              <a:t> – not </a:t>
+            </a:r>
+            <a:r>
+              <a:rPr lang="de-DE" dirty="0" err="1"/>
+              <a:t>the</a:t>
+            </a:r>
+            <a:r>
+              <a:rPr lang="de-DE" dirty="0"/>
+              <a:t> </a:t>
+            </a:r>
+            <a:r>
+              <a:rPr lang="de-DE" dirty="0" err="1"/>
+              <a:t>theoretical</a:t>
+            </a:r>
+            <a:r>
+              <a:rPr lang="de-DE" dirty="0"/>
+              <a:t> </a:t>
+            </a:r>
+            <a:r>
+              <a:rPr lang="de-DE" dirty="0" err="1"/>
+              <a:t>ones</a:t>
+            </a:r>
+            <a:r>
+              <a:rPr lang="de-DE" dirty="0"/>
+              <a:t>!</a:t>
+            </a:r>
+          </a:p>
+          <a:p>
+            <a:r>
+              <a:rPr lang="de-DE" dirty="0"/>
+              <a:t>This </a:t>
+            </a:r>
+            <a:r>
+              <a:rPr lang="de-DE" dirty="0" err="1"/>
+              <a:t>can</a:t>
+            </a:r>
+            <a:r>
+              <a:rPr lang="de-DE" dirty="0"/>
+              <a:t> </a:t>
+            </a:r>
+            <a:r>
+              <a:rPr lang="de-DE" dirty="0" err="1"/>
+              <a:t>lead</a:t>
+            </a:r>
+            <a:r>
+              <a:rPr lang="de-DE" dirty="0"/>
+              <a:t> </a:t>
+            </a:r>
+            <a:r>
+              <a:rPr lang="de-DE" dirty="0" err="1"/>
+              <a:t>to</a:t>
+            </a:r>
+            <a:r>
+              <a:rPr lang="de-DE" dirty="0"/>
+              <a:t> </a:t>
+            </a:r>
+            <a:r>
+              <a:rPr lang="de-DE" dirty="0" err="1"/>
+              <a:t>assumed</a:t>
+            </a:r>
+            <a:r>
+              <a:rPr lang="de-DE" dirty="0"/>
+              <a:t> </a:t>
+            </a:r>
+            <a:r>
+              <a:rPr lang="de-DE" dirty="0" err="1"/>
+              <a:t>underlying</a:t>
+            </a:r>
+            <a:r>
+              <a:rPr lang="de-DE" dirty="0"/>
+              <a:t> </a:t>
+            </a:r>
+            <a:r>
+              <a:rPr lang="de-DE" dirty="0" err="1"/>
+              <a:t>concepts</a:t>
+            </a:r>
+            <a:r>
+              <a:rPr lang="de-DE" dirty="0"/>
+              <a:t> </a:t>
+            </a:r>
+            <a:r>
+              <a:rPr lang="de-DE" dirty="0" err="1"/>
+              <a:t>being</a:t>
+            </a:r>
+            <a:r>
+              <a:rPr lang="de-DE" dirty="0"/>
+              <a:t> </a:t>
+            </a:r>
+            <a:r>
+              <a:rPr lang="de-DE" dirty="0" err="1"/>
+              <a:t>dropped</a:t>
+            </a:r>
+            <a:r>
+              <a:rPr lang="de-DE" dirty="0"/>
+              <a:t> </a:t>
+            </a:r>
+            <a:r>
+              <a:rPr lang="de-DE" dirty="0" err="1"/>
+              <a:t>or</a:t>
+            </a:r>
+            <a:r>
+              <a:rPr lang="de-DE" dirty="0"/>
+              <a:t> </a:t>
+            </a:r>
+            <a:r>
+              <a:rPr lang="de-DE" dirty="0" err="1"/>
+              <a:t>new</a:t>
+            </a:r>
+            <a:r>
+              <a:rPr lang="de-DE" dirty="0"/>
+              <a:t>, </a:t>
+            </a:r>
+            <a:r>
+              <a:rPr lang="de-DE" dirty="0" err="1"/>
+              <a:t>unexpected</a:t>
+            </a:r>
+            <a:r>
+              <a:rPr lang="de-DE" dirty="0"/>
+              <a:t> </a:t>
+            </a:r>
+            <a:r>
+              <a:rPr lang="de-DE" dirty="0" err="1"/>
+              <a:t>ones</a:t>
+            </a:r>
+            <a:r>
+              <a:rPr lang="de-DE" dirty="0"/>
+              <a:t> </a:t>
+            </a:r>
+            <a:r>
+              <a:rPr lang="de-DE" dirty="0" err="1"/>
+              <a:t>to</a:t>
+            </a:r>
+            <a:r>
+              <a:rPr lang="de-DE" dirty="0"/>
+              <a:t> </a:t>
+            </a:r>
+            <a:r>
+              <a:rPr lang="de-DE" dirty="0" err="1"/>
+              <a:t>emerge</a:t>
+            </a:r>
+            <a:endParaRPr lang="de-DE" dirty="0"/>
+          </a:p>
+        </p:txBody>
+      </p:sp>
+    </p:spTree>
+    <p:extLst>
+      <p:ext uri="{BB962C8B-B14F-4D97-AF65-F5344CB8AC3E}">
+        <p14:creationId xmlns:p14="http://schemas.microsoft.com/office/powerpoint/2010/main" val="799383619"/>
+      </p:ext>
+    </p:extLst>
+  </p:cSld>
+  <p:clrMapOvr>
+    <a:masterClrMapping/>
+  </p:clrMapOvr>
+</p:sld>
+</file>
+
+<file path=ppt/slides/slide4.xml><?xml version="1.0" encoding="utf-8"?>
+<p:sld xmlns:a="http://schemas.openxmlformats.org/drawingml/2006/main" xmlns:r="http://schemas.openxmlformats.org/officeDocument/2006/relationships" xmlns:p="http://schemas.openxmlformats.org/presentationml/2006/main">
+  <p:cSld>
+    <p:spTree>
+      <p:nvGrpSpPr>
+        <p:cNvPr id="1" name=""/>
+        <p:cNvGrpSpPr/>
+        <p:nvPr/>
+      </p:nvGrpSpPr>
+      <p:grpSpPr>
+        <a:xfrm>
+          <a:off x="0" y="0"/>
+          <a:ext cx="0" cy="0"/>
+          <a:chOff x="0" y="0"/>
+          <a:chExt cx="0" cy="0"/>
+        </a:xfrm>
+      </p:grpSpPr>
+      <p:sp>
+        <p:nvSpPr>
+          <p:cNvPr id="2" name="Titel 1">
+            <a:extLst>
+              <a:ext uri="{FF2B5EF4-FFF2-40B4-BE49-F238E27FC236}">
+                <a16:creationId xmlns:a16="http://schemas.microsoft.com/office/drawing/2014/main" id="{271A094C-32C1-4E2A-A784-A754AB5F9D37}"/>
+              </a:ext>
+            </a:extLst>
+          </p:cNvPr>
+          <p:cNvSpPr>
+            <a:spLocks noGrp="1"/>
+          </p:cNvSpPr>
+          <p:nvPr>
+            <p:ph type="title"/>
+          </p:nvPr>
+        </p:nvSpPr>
+        <p:spPr/>
+        <p:txBody>
+          <a:bodyPr/>
+          <a:lstStyle/>
+          <a:p>
+            <a:r>
+              <a:rPr lang="de-DE" dirty="0" err="1"/>
+              <a:t>How</a:t>
+            </a:r>
+            <a:r>
+              <a:rPr lang="de-DE" dirty="0"/>
+              <a:t> </a:t>
+            </a:r>
+            <a:r>
+              <a:rPr lang="de-DE" dirty="0" err="1"/>
+              <a:t>many</a:t>
+            </a:r>
+            <a:r>
+              <a:rPr lang="de-DE" dirty="0"/>
+              <a:t> </a:t>
+            </a:r>
+            <a:r>
+              <a:rPr lang="de-DE" dirty="0" err="1"/>
+              <a:t>participants</a:t>
+            </a:r>
+            <a:r>
+              <a:rPr lang="de-DE" dirty="0"/>
+              <a:t> </a:t>
+            </a:r>
+            <a:r>
+              <a:rPr lang="de-DE" dirty="0" err="1"/>
+              <a:t>are</a:t>
+            </a:r>
+            <a:r>
+              <a:rPr lang="de-DE" dirty="0"/>
+              <a:t> </a:t>
+            </a:r>
+            <a:r>
+              <a:rPr lang="de-DE" dirty="0" err="1"/>
+              <a:t>needed</a:t>
+            </a:r>
+            <a:r>
+              <a:rPr lang="de-DE" dirty="0"/>
+              <a:t>?	</a:t>
+            </a:r>
+          </a:p>
+        </p:txBody>
+      </p:sp>
+      <p:sp>
+        <p:nvSpPr>
+          <p:cNvPr id="3" name="Inhaltsplatzhalter 2">
+            <a:extLst>
+              <a:ext uri="{FF2B5EF4-FFF2-40B4-BE49-F238E27FC236}">
+                <a16:creationId xmlns:a16="http://schemas.microsoft.com/office/drawing/2014/main" id="{3B06965C-A939-43FA-B44F-1F3F1A29E246}"/>
+              </a:ext>
+            </a:extLst>
+          </p:cNvPr>
+          <p:cNvSpPr>
+            <a:spLocks noGrp="1"/>
+          </p:cNvSpPr>
+          <p:nvPr>
+            <p:ph idx="1"/>
+          </p:nvPr>
+        </p:nvSpPr>
+        <p:spPr/>
+        <p:txBody>
+          <a:bodyPr/>
+          <a:lstStyle/>
+          <a:p>
+            <a:r>
+              <a:rPr lang="de-DE" dirty="0"/>
+              <a:t>Rule </a:t>
+            </a:r>
+            <a:r>
+              <a:rPr lang="de-DE" dirty="0" err="1"/>
+              <a:t>of</a:t>
+            </a:r>
+            <a:r>
+              <a:rPr lang="de-DE" dirty="0"/>
+              <a:t> 10: 10 </a:t>
+            </a:r>
+            <a:r>
+              <a:rPr lang="de-DE" dirty="0" err="1"/>
+              <a:t>cases</a:t>
+            </a:r>
+            <a:r>
+              <a:rPr lang="de-DE" dirty="0"/>
+              <a:t> </a:t>
+            </a:r>
+            <a:r>
+              <a:rPr lang="de-DE" dirty="0" err="1"/>
+              <a:t>for</a:t>
+            </a:r>
+            <a:r>
+              <a:rPr lang="de-DE" dirty="0"/>
+              <a:t> </a:t>
+            </a:r>
+            <a:r>
+              <a:rPr lang="de-DE" dirty="0" err="1"/>
+              <a:t>every</a:t>
+            </a:r>
+            <a:r>
+              <a:rPr lang="de-DE" dirty="0"/>
+              <a:t> item</a:t>
+            </a:r>
+          </a:p>
+        </p:txBody>
+      </p:sp>
+    </p:spTree>
+    <p:extLst>
+      <p:ext uri="{BB962C8B-B14F-4D97-AF65-F5344CB8AC3E}">
+        <p14:creationId xmlns:p14="http://schemas.microsoft.com/office/powerpoint/2010/main" val="2445507731"/>
+      </p:ext>
+    </p:extLst>
+  </p:cSld>
+  <p:clrMapOvr>
+    <a:masterClrMapping/>
+  </p:clrMapOvr>
+</p:sld>
+</file>
+
 <file path=ppt/slides/slide5.xml><?xml version="1.0" encoding="utf-8"?>
 <p:sld xmlns:a="http://schemas.openxmlformats.org/drawingml/2006/main" xmlns:r="http://schemas.openxmlformats.org/officeDocument/2006/relationships" xmlns:p="http://schemas.openxmlformats.org/presentationml/2006/main">
   <p:cSld>
@@ -6288,7 +7828,7 @@
           <p:cNvPr id="2" name="Titel 1">
             <a:extLst>
               <a:ext uri="{FF2B5EF4-FFF2-40B4-BE49-F238E27FC236}">
-                <a16:creationId xmlns:a16="http://schemas.microsoft.com/office/drawing/2014/main" id="{3F1D582D-C672-4571-B061-2099AF8E453B}"/>
+                <a16:creationId xmlns:a16="http://schemas.microsoft.com/office/drawing/2014/main" id="{F4FBC791-001C-48D5-AC63-59059B8919CA}"/>
               </a:ext>
             </a:extLst>
           </p:cNvPr>
@@ -6305,33 +7845,389 @@
           <a:lstStyle/>
           <a:p>
             <a:r>
-              <a:rPr lang="de-DE" dirty="0"/>
-              <a:t>EFA</a:t>
-            </a:r>
-          </a:p>
-        </p:txBody>
-      </p:sp>
-      <p:sp>
-        <p:nvSpPr>
-          <p:cNvPr id="3" name="Inhaltsplatzhalter 2">
+              <a:rPr lang="de-DE" dirty="0" err="1"/>
+              <a:t>Decisions</a:t>
+            </a:r>
+            <a:r>
+              <a:rPr lang="de-DE" dirty="0"/>
+              <a:t> </a:t>
+            </a:r>
+            <a:r>
+              <a:rPr lang="de-DE" dirty="0" err="1"/>
+              <a:t>to</a:t>
+            </a:r>
+            <a:r>
+              <a:rPr lang="de-DE" dirty="0"/>
+              <a:t> </a:t>
+            </a:r>
+            <a:r>
+              <a:rPr lang="de-DE" dirty="0" err="1"/>
+              <a:t>be</a:t>
+            </a:r>
+            <a:r>
+              <a:rPr lang="de-DE" dirty="0"/>
+              <a:t> </a:t>
+            </a:r>
+            <a:r>
+              <a:rPr lang="de-DE" dirty="0" err="1"/>
+              <a:t>made</a:t>
+            </a:r>
+            <a:r>
+              <a:rPr lang="de-DE" dirty="0"/>
+              <a:t>:</a:t>
+            </a:r>
+          </a:p>
+        </p:txBody>
+      </p:sp>
+      <p:sp>
+        <p:nvSpPr>
+          <p:cNvPr id="4" name="Rechteck 3">
             <a:extLst>
               <a:ext uri="{FF2B5EF4-FFF2-40B4-BE49-F238E27FC236}">
-                <a16:creationId xmlns:a16="http://schemas.microsoft.com/office/drawing/2014/main" id="{8B3A44C7-7D5E-4B5D-85EE-486E63D1ED9D}"/>
+                <a16:creationId xmlns:a16="http://schemas.microsoft.com/office/drawing/2014/main" id="{7B62A5E5-BB89-4DD7-BAC7-7551DB2A7C82}"/>
               </a:ext>
             </a:extLst>
           </p:cNvPr>
-          <p:cNvSpPr>
-            <a:spLocks noGrp="1"/>
-          </p:cNvSpPr>
-          <p:nvPr>
-            <p:ph idx="1"/>
-          </p:nvPr>
-        </p:nvSpPr>
-        <p:spPr/>
-        <p:txBody>
-          <a:bodyPr/>
+          <p:cNvSpPr/>
+          <p:nvPr/>
+        </p:nvSpPr>
+        <p:spPr>
+          <a:xfrm>
+            <a:off x="6096000" y="508000"/>
+            <a:ext cx="1896533" cy="863600"/>
+          </a:xfrm>
+          <a:prstGeom prst="rect">
+            <a:avLst/>
+          </a:prstGeom>
+        </p:spPr>
+        <p:style>
+          <a:lnRef idx="2">
+            <a:schemeClr val="accent1">
+              <a:shade val="50000"/>
+            </a:schemeClr>
+          </a:lnRef>
+          <a:fillRef idx="1">
+            <a:schemeClr val="accent1"/>
+          </a:fillRef>
+          <a:effectRef idx="0">
+            <a:schemeClr val="accent1"/>
+          </a:effectRef>
+          <a:fontRef idx="minor">
+            <a:schemeClr val="lt1"/>
+          </a:fontRef>
+        </p:style>
+        <p:txBody>
+          <a:bodyPr rtlCol="0" anchor="ctr"/>
           <a:lstStyle/>
           <a:p>
+            <a:pPr algn="ctr"/>
+            <a:r>
+              <a:rPr lang="de-DE" dirty="0"/>
+              <a:t>Level </a:t>
+            </a:r>
+            <a:r>
+              <a:rPr lang="de-DE" dirty="0" err="1"/>
+              <a:t>of</a:t>
+            </a:r>
+            <a:r>
+              <a:rPr lang="de-DE" dirty="0"/>
+              <a:t> Analysis</a:t>
+            </a:r>
+          </a:p>
+        </p:txBody>
+      </p:sp>
+      <p:sp>
+        <p:nvSpPr>
+          <p:cNvPr id="5" name="Rechteck 4">
+            <a:extLst>
+              <a:ext uri="{FF2B5EF4-FFF2-40B4-BE49-F238E27FC236}">
+                <a16:creationId xmlns:a16="http://schemas.microsoft.com/office/drawing/2014/main" id="{088A3B05-CF26-422A-B470-6885015B3383}"/>
+              </a:ext>
+            </a:extLst>
+          </p:cNvPr>
+          <p:cNvSpPr/>
+          <p:nvPr/>
+        </p:nvSpPr>
+        <p:spPr>
+          <a:xfrm>
+            <a:off x="6096000" y="1515533"/>
+            <a:ext cx="1896533" cy="863600"/>
+          </a:xfrm>
+          <a:prstGeom prst="rect">
+            <a:avLst/>
+          </a:prstGeom>
+        </p:spPr>
+        <p:style>
+          <a:lnRef idx="2">
+            <a:schemeClr val="accent1">
+              <a:shade val="50000"/>
+            </a:schemeClr>
+          </a:lnRef>
+          <a:fillRef idx="1">
+            <a:schemeClr val="accent1"/>
+          </a:fillRef>
+          <a:effectRef idx="0">
+            <a:schemeClr val="accent1"/>
+          </a:effectRef>
+          <a:fontRef idx="minor">
+            <a:schemeClr val="lt1"/>
+          </a:fontRef>
+        </p:style>
+        <p:txBody>
+          <a:bodyPr rtlCol="0" anchor="ctr"/>
+          <a:lstStyle/>
+          <a:p>
+            <a:pPr algn="ctr"/>
+            <a:r>
+              <a:rPr lang="de-DE" dirty="0" err="1"/>
+              <a:t>Correlation</a:t>
+            </a:r>
+            <a:r>
+              <a:rPr lang="de-DE" dirty="0"/>
+              <a:t> Matrix</a:t>
+            </a:r>
+          </a:p>
+        </p:txBody>
+      </p:sp>
+      <p:sp>
+        <p:nvSpPr>
+          <p:cNvPr id="6" name="Rechteck 5">
+            <a:extLst>
+              <a:ext uri="{FF2B5EF4-FFF2-40B4-BE49-F238E27FC236}">
+                <a16:creationId xmlns:a16="http://schemas.microsoft.com/office/drawing/2014/main" id="{04EFCE63-5161-4692-9545-3EC9479B3FDA}"/>
+              </a:ext>
+            </a:extLst>
+          </p:cNvPr>
+          <p:cNvSpPr/>
+          <p:nvPr/>
+        </p:nvSpPr>
+        <p:spPr>
+          <a:xfrm>
+            <a:off x="6096000" y="2523066"/>
+            <a:ext cx="1896533" cy="863600"/>
+          </a:xfrm>
+          <a:prstGeom prst="rect">
+            <a:avLst/>
+          </a:prstGeom>
+        </p:spPr>
+        <p:style>
+          <a:lnRef idx="2">
+            <a:schemeClr val="accent1">
+              <a:shade val="50000"/>
+            </a:schemeClr>
+          </a:lnRef>
+          <a:fillRef idx="1">
+            <a:schemeClr val="accent1"/>
+          </a:fillRef>
+          <a:effectRef idx="0">
+            <a:schemeClr val="accent1"/>
+          </a:effectRef>
+          <a:fontRef idx="minor">
+            <a:schemeClr val="lt1"/>
+          </a:fontRef>
+        </p:style>
+        <p:txBody>
+          <a:bodyPr rtlCol="0" anchor="ctr"/>
+          <a:lstStyle/>
+          <a:p>
+            <a:pPr algn="ctr"/>
+            <a:r>
+              <a:rPr lang="de-DE" dirty="0" err="1"/>
+              <a:t>Number</a:t>
+            </a:r>
+            <a:r>
+              <a:rPr lang="de-DE" dirty="0"/>
+              <a:t> </a:t>
+            </a:r>
+            <a:r>
+              <a:rPr lang="de-DE" dirty="0" err="1"/>
+              <a:t>of</a:t>
+            </a:r>
+            <a:r>
+              <a:rPr lang="de-DE" dirty="0"/>
+              <a:t> </a:t>
+            </a:r>
+            <a:r>
+              <a:rPr lang="de-DE" dirty="0" err="1"/>
+              <a:t>factors</a:t>
+            </a:r>
+            <a:r>
+              <a:rPr lang="de-DE" dirty="0"/>
+              <a:t> </a:t>
+            </a:r>
+            <a:r>
+              <a:rPr lang="de-DE" dirty="0" err="1"/>
+              <a:t>to</a:t>
+            </a:r>
+            <a:r>
+              <a:rPr lang="de-DE" dirty="0"/>
+              <a:t> </a:t>
+            </a:r>
+            <a:r>
+              <a:rPr lang="de-DE" dirty="0" err="1"/>
+              <a:t>extract</a:t>
+            </a:r>
+            <a:endParaRPr lang="de-DE" dirty="0"/>
+          </a:p>
+        </p:txBody>
+      </p:sp>
+      <p:sp>
+        <p:nvSpPr>
+          <p:cNvPr id="7" name="Rechteck 6">
+            <a:extLst>
+              <a:ext uri="{FF2B5EF4-FFF2-40B4-BE49-F238E27FC236}">
+                <a16:creationId xmlns:a16="http://schemas.microsoft.com/office/drawing/2014/main" id="{DCF5BEBE-4DAF-4B63-8EE1-EA2B0D8CD69A}"/>
+              </a:ext>
+            </a:extLst>
+          </p:cNvPr>
+          <p:cNvSpPr/>
+          <p:nvPr/>
+        </p:nvSpPr>
+        <p:spPr>
+          <a:xfrm>
+            <a:off x="6095999" y="3581401"/>
+            <a:ext cx="1896533" cy="863600"/>
+          </a:xfrm>
+          <a:prstGeom prst="rect">
+            <a:avLst/>
+          </a:prstGeom>
+        </p:spPr>
+        <p:style>
+          <a:lnRef idx="2">
+            <a:schemeClr val="accent1">
+              <a:shade val="50000"/>
+            </a:schemeClr>
+          </a:lnRef>
+          <a:fillRef idx="1">
+            <a:schemeClr val="accent1"/>
+          </a:fillRef>
+          <a:effectRef idx="0">
+            <a:schemeClr val="accent1"/>
+          </a:effectRef>
+          <a:fontRef idx="minor">
+            <a:schemeClr val="lt1"/>
+          </a:fontRef>
+        </p:style>
+        <p:txBody>
+          <a:bodyPr rtlCol="0" anchor="ctr"/>
+          <a:lstStyle/>
+          <a:p>
+            <a:pPr algn="ctr"/>
+            <a:r>
+              <a:rPr lang="de-DE" dirty="0" err="1"/>
+              <a:t>Estimator</a:t>
+            </a:r>
+            <a:r>
+              <a:rPr lang="de-DE" dirty="0"/>
+              <a:t> </a:t>
+            </a:r>
+            <a:r>
+              <a:rPr lang="de-DE" dirty="0" err="1"/>
+              <a:t>to</a:t>
+            </a:r>
+            <a:r>
+              <a:rPr lang="de-DE" dirty="0"/>
+              <a:t> </a:t>
+            </a:r>
+            <a:r>
+              <a:rPr lang="de-DE" dirty="0" err="1"/>
+              <a:t>use</a:t>
+            </a:r>
+            <a:endParaRPr lang="de-DE" dirty="0"/>
+          </a:p>
+        </p:txBody>
+      </p:sp>
+      <p:sp>
+        <p:nvSpPr>
+          <p:cNvPr id="8" name="Rechteck 7">
+            <a:extLst>
+              <a:ext uri="{FF2B5EF4-FFF2-40B4-BE49-F238E27FC236}">
+                <a16:creationId xmlns:a16="http://schemas.microsoft.com/office/drawing/2014/main" id="{676E7312-D016-402B-AFB8-2A38FADB5A66}"/>
+              </a:ext>
+            </a:extLst>
+          </p:cNvPr>
+          <p:cNvSpPr/>
+          <p:nvPr/>
+        </p:nvSpPr>
+        <p:spPr>
+          <a:xfrm>
+            <a:off x="6095999" y="4639736"/>
+            <a:ext cx="1896533" cy="863600"/>
+          </a:xfrm>
+          <a:prstGeom prst="rect">
+            <a:avLst/>
+          </a:prstGeom>
+        </p:spPr>
+        <p:style>
+          <a:lnRef idx="2">
+            <a:schemeClr val="accent1">
+              <a:shade val="50000"/>
+            </a:schemeClr>
+          </a:lnRef>
+          <a:fillRef idx="1">
+            <a:schemeClr val="accent1"/>
+          </a:fillRef>
+          <a:effectRef idx="0">
+            <a:schemeClr val="accent1"/>
+          </a:effectRef>
+          <a:fontRef idx="minor">
+            <a:schemeClr val="lt1"/>
+          </a:fontRef>
+        </p:style>
+        <p:txBody>
+          <a:bodyPr rtlCol="0" anchor="ctr"/>
+          <a:lstStyle/>
+          <a:p>
+            <a:pPr algn="ctr"/>
+            <a:r>
+              <a:rPr lang="de-DE" dirty="0"/>
+              <a:t>Rotation</a:t>
+            </a:r>
+          </a:p>
+        </p:txBody>
+      </p:sp>
+      <p:sp>
+        <p:nvSpPr>
+          <p:cNvPr id="9" name="Rechteck 8">
+            <a:extLst>
+              <a:ext uri="{FF2B5EF4-FFF2-40B4-BE49-F238E27FC236}">
+                <a16:creationId xmlns:a16="http://schemas.microsoft.com/office/drawing/2014/main" id="{9080AD3D-275B-4826-B8A9-568ED6342378}"/>
+              </a:ext>
+            </a:extLst>
+          </p:cNvPr>
+          <p:cNvSpPr/>
+          <p:nvPr/>
+        </p:nvSpPr>
+        <p:spPr>
+          <a:xfrm>
+            <a:off x="6095998" y="5672670"/>
+            <a:ext cx="1896533" cy="863600"/>
+          </a:xfrm>
+          <a:prstGeom prst="rect">
+            <a:avLst/>
+          </a:prstGeom>
+        </p:spPr>
+        <p:style>
+          <a:lnRef idx="2">
+            <a:schemeClr val="accent1">
+              <a:shade val="50000"/>
+            </a:schemeClr>
+          </a:lnRef>
+          <a:fillRef idx="1">
+            <a:schemeClr val="accent1"/>
+          </a:fillRef>
+          <a:effectRef idx="0">
+            <a:schemeClr val="accent1"/>
+          </a:effectRef>
+          <a:fontRef idx="minor">
+            <a:schemeClr val="lt1"/>
+          </a:fontRef>
+        </p:style>
+        <p:txBody>
+          <a:bodyPr rtlCol="0" anchor="ctr"/>
+          <a:lstStyle/>
+          <a:p>
+            <a:pPr algn="ctr"/>
             <a:r>
               <a:rPr lang="de-DE" dirty="0" err="1"/>
               <a:t>Examine</a:t>
@@ -6342,62 +8238,8 @@
             </a:r>
             <a:r>
               <a:rPr lang="de-DE" dirty="0" err="1"/>
-              <a:t>reliability</a:t>
-            </a:r>
-            <a:r>
-              <a:rPr lang="de-DE" dirty="0"/>
-              <a:t> (</a:t>
-            </a:r>
-            <a:r>
-              <a:rPr lang="de-DE" dirty="0" err="1"/>
-              <a:t>transfer</a:t>
-            </a:r>
-            <a:r>
-              <a:rPr lang="de-DE" dirty="0"/>
-              <a:t> </a:t>
-            </a:r>
-            <a:r>
-              <a:rPr lang="de-DE" dirty="0" err="1"/>
-              <a:t>factor</a:t>
-            </a:r>
-            <a:r>
-              <a:rPr lang="de-DE" dirty="0"/>
-              <a:t> </a:t>
-            </a:r>
-            <a:r>
-              <a:rPr lang="de-DE" dirty="0" err="1"/>
-              <a:t>weights</a:t>
-            </a:r>
-            <a:r>
-              <a:rPr lang="de-DE" dirty="0"/>
-              <a:t> </a:t>
-            </a:r>
-            <a:r>
-              <a:rPr lang="de-DE" dirty="0" err="1"/>
-              <a:t>to</a:t>
-            </a:r>
-            <a:r>
-              <a:rPr lang="de-DE" dirty="0"/>
-              <a:t> </a:t>
-            </a:r>
-            <a:r>
-              <a:rPr lang="de-DE" dirty="0" err="1"/>
-              <a:t>test</a:t>
-            </a:r>
-            <a:r>
-              <a:rPr lang="de-DE" dirty="0"/>
-              <a:t> </a:t>
-            </a:r>
-            <a:r>
-              <a:rPr lang="de-DE" dirty="0" err="1"/>
-              <a:t>set</a:t>
-            </a:r>
-            <a:r>
-              <a:rPr lang="de-DE" dirty="0"/>
-              <a:t>)</a:t>
-            </a:r>
-          </a:p>
-          <a:p>
+              <a:t>Reliability</a:t>
+            </a:r>
             <a:endParaRPr lang="de-DE" dirty="0"/>
           </a:p>
         </p:txBody>
@@ -6405,7 +8247,7 @@
     </p:spTree>
     <p:extLst>
       <p:ext uri="{BB962C8B-B14F-4D97-AF65-F5344CB8AC3E}">
-        <p14:creationId xmlns:p14="http://schemas.microsoft.com/office/powerpoint/2010/main" val="832530222"/>
+        <p14:creationId xmlns:p14="http://schemas.microsoft.com/office/powerpoint/2010/main" val="3326684290"/>
       </p:ext>
     </p:extLst>
   </p:cSld>
@@ -6437,7 +8279,7 @@
           <p:cNvPr id="2" name="Titel 1">
             <a:extLst>
               <a:ext uri="{FF2B5EF4-FFF2-40B4-BE49-F238E27FC236}">
-                <a16:creationId xmlns:a16="http://schemas.microsoft.com/office/drawing/2014/main" id="{C674AC39-9675-41C7-8D92-875E7877EFE7}"/>
+                <a16:creationId xmlns:a16="http://schemas.microsoft.com/office/drawing/2014/main" id="{BDCBB538-C533-4AAC-9D21-A15F38829E01}"/>
               </a:ext>
             </a:extLst>
           </p:cNvPr>
@@ -6454,13 +8296,22 @@
           <a:lstStyle/>
           <a:p>
             <a:r>
-              <a:rPr lang="de-DE" dirty="0" err="1"/>
-              <a:t>HiTOP</a:t>
-            </a:r>
-            <a:r>
-              <a:rPr lang="de-DE" dirty="0"/>
-              <a:t> CFA</a:t>
-            </a:r>
+              <a:rPr lang="de-DE" dirty="0"/>
+              <a:t>Level </a:t>
+            </a:r>
+            <a:r>
+              <a:rPr lang="de-DE" dirty="0" err="1"/>
+              <a:t>of</a:t>
+            </a:r>
+            <a:r>
+              <a:rPr lang="de-DE" dirty="0"/>
+              <a:t> </a:t>
+            </a:r>
+            <a:r>
+              <a:rPr lang="de-DE" dirty="0" err="1"/>
+              <a:t>analysis</a:t>
+            </a:r>
+            <a:endParaRPr lang="de-DE" dirty="0"/>
           </a:p>
         </p:txBody>
       </p:sp>
@@ -6469,7 +8320,7 @@
           <p:cNvPr id="3" name="Inhaltsplatzhalter 2">
             <a:extLst>
               <a:ext uri="{FF2B5EF4-FFF2-40B4-BE49-F238E27FC236}">
-                <a16:creationId xmlns:a16="http://schemas.microsoft.com/office/drawing/2014/main" id="{B637DBFE-939B-4F89-A300-0A21D1B8AE50}"/>
+                <a16:creationId xmlns:a16="http://schemas.microsoft.com/office/drawing/2014/main" id="{5D014D3B-C10B-446F-90C0-CC8BFF9F60A2}"/>
               </a:ext>
             </a:extLst>
           </p:cNvPr>
@@ -6482,20 +8333,54 @@
         </p:nvSpPr>
         <p:spPr/>
         <p:txBody>
-          <a:bodyPr/>
+          <a:bodyPr>
+            <a:normAutofit/>
+          </a:bodyPr>
           <a:lstStyle/>
           <a:p>
             <a:r>
               <a:rPr lang="de-DE" dirty="0" err="1"/>
-              <a:t>Map</a:t>
-            </a:r>
-            <a:r>
-              <a:rPr lang="de-DE" dirty="0"/>
-              <a:t> </a:t>
-            </a:r>
-            <a:r>
-              <a:rPr lang="de-DE" dirty="0" err="1"/>
-              <a:t>indicators</a:t>
+              <a:t>Choose</a:t>
+            </a:r>
+            <a:r>
+              <a:rPr lang="de-DE" dirty="0"/>
+              <a:t> </a:t>
+            </a:r>
+            <a:r>
+              <a:rPr lang="de-DE" dirty="0" err="1"/>
+              <a:t>level</a:t>
+            </a:r>
+            <a:r>
+              <a:rPr lang="de-DE" dirty="0"/>
+              <a:t> </a:t>
+            </a:r>
+            <a:r>
+              <a:rPr lang="de-DE" dirty="0" err="1"/>
+              <a:t>of</a:t>
+            </a:r>
+            <a:r>
+              <a:rPr lang="de-DE" dirty="0"/>
+              <a:t> </a:t>
+            </a:r>
+            <a:r>
+              <a:rPr lang="de-DE" dirty="0" err="1"/>
+              <a:t>analysis</a:t>
+            </a:r>
+            <a:r>
+              <a:rPr lang="de-DE" dirty="0"/>
+              <a:t> (</a:t>
+            </a:r>
+            <a:r>
+              <a:rPr lang="de-DE" dirty="0" err="1"/>
+              <a:t>from</a:t>
+            </a:r>
+            <a:r>
+              <a:rPr lang="de-DE" dirty="0"/>
+              <a:t> </a:t>
+            </a:r>
+            <a:r>
+              <a:rPr lang="de-DE" dirty="0" err="1"/>
+              <a:t>fine</a:t>
             </a:r>
             <a:r>
               <a:rPr lang="de-DE" dirty="0"/>
@@ -6511,40 +8396,169 @@
             </a:r>
             <a:r>
               <a:rPr lang="de-DE" dirty="0" err="1"/>
-              <a:t>HiTOP</a:t>
+              <a:t>coarse</a:t>
+            </a:r>
+            <a:r>
+              <a:rPr lang="de-DE" dirty="0"/>
+              <a:t>):</a:t>
+            </a:r>
+          </a:p>
+          <a:p>
+            <a:pPr lvl="1"/>
+            <a:r>
+              <a:rPr lang="de-DE" dirty="0"/>
+              <a:t>Individual </a:t>
+            </a:r>
+            <a:r>
+              <a:rPr lang="de-DE" dirty="0" err="1"/>
+              <a:t>items</a:t>
+            </a:r>
+            <a:r>
+              <a:rPr lang="de-DE" dirty="0"/>
+              <a:t> -&gt; </a:t>
+            </a:r>
+            <a:r>
+              <a:rPr lang="de-DE" dirty="0" err="1"/>
+              <a:t>usually</a:t>
+            </a:r>
+            <a:r>
+              <a:rPr lang="de-DE" dirty="0"/>
+              <a:t> ordinal</a:t>
+            </a:r>
+          </a:p>
+          <a:p>
+            <a:pPr lvl="1"/>
+            <a:r>
+              <a:rPr lang="de-DE" dirty="0" err="1"/>
+              <a:t>Subscales</a:t>
+            </a:r>
+            <a:r>
+              <a:rPr lang="de-DE" dirty="0"/>
+              <a:t> -&gt; </a:t>
+            </a:r>
+            <a:r>
+              <a:rPr lang="de-DE" dirty="0" err="1"/>
+              <a:t>might</a:t>
+            </a:r>
+            <a:r>
+              <a:rPr lang="de-DE" dirty="0"/>
+              <a:t> </a:t>
+            </a:r>
+            <a:r>
+              <a:rPr lang="de-DE" dirty="0" err="1"/>
+              <a:t>be</a:t>
+            </a:r>
+            <a:r>
+              <a:rPr lang="de-DE" dirty="0"/>
+              <a:t> </a:t>
+            </a:r>
+            <a:r>
+              <a:rPr lang="de-DE" dirty="0" err="1"/>
+              <a:t>almost</a:t>
+            </a:r>
+            <a:r>
+              <a:rPr lang="de-DE" dirty="0"/>
+              <a:t> </a:t>
+            </a:r>
+            <a:r>
+              <a:rPr lang="de-DE" dirty="0" err="1"/>
+              <a:t>continuous</a:t>
             </a:r>
             <a:endParaRPr lang="de-DE" dirty="0"/>
           </a:p>
           <a:p>
+            <a:pPr lvl="2"/>
+            <a:r>
+              <a:rPr lang="de-DE" dirty="0" err="1"/>
+              <a:t>Sum</a:t>
+            </a:r>
+            <a:r>
+              <a:rPr lang="de-DE" dirty="0"/>
+              <a:t> </a:t>
+            </a:r>
+            <a:r>
+              <a:rPr lang="de-DE" dirty="0" err="1"/>
+              <a:t>vs</a:t>
+            </a:r>
+            <a:r>
+              <a:rPr lang="de-DE" dirty="0"/>
+              <a:t> </a:t>
+            </a:r>
+            <a:r>
+              <a:rPr lang="de-DE" dirty="0" err="1"/>
+              <a:t>mean</a:t>
+            </a:r>
+            <a:r>
+              <a:rPr lang="de-DE" dirty="0"/>
+              <a:t> -&gt; </a:t>
+            </a:r>
+            <a:r>
+              <a:rPr lang="de-DE" dirty="0" err="1"/>
+              <a:t>makes</a:t>
+            </a:r>
+            <a:r>
+              <a:rPr lang="de-DE" dirty="0"/>
+              <a:t> </a:t>
+            </a:r>
+            <a:r>
+              <a:rPr lang="de-DE" dirty="0" err="1"/>
+              <a:t>no</a:t>
+            </a:r>
+            <a:r>
+              <a:rPr lang="de-DE" dirty="0"/>
+              <a:t> </a:t>
+            </a:r>
+            <a:r>
+              <a:rPr lang="de-DE" dirty="0" err="1"/>
+              <a:t>difference</a:t>
+            </a:r>
+            <a:r>
+              <a:rPr lang="de-DE" dirty="0"/>
+              <a:t> </a:t>
+            </a:r>
+            <a:r>
+              <a:rPr lang="de-DE" dirty="0" err="1"/>
+              <a:t>since</a:t>
+            </a:r>
+            <a:r>
+              <a:rPr lang="de-DE" dirty="0"/>
+              <a:t> </a:t>
+            </a:r>
+            <a:r>
+              <a:rPr lang="de-DE" dirty="0" err="1"/>
+              <a:t>we</a:t>
+            </a:r>
+            <a:r>
+              <a:rPr lang="de-DE" dirty="0"/>
+              <a:t> </a:t>
+            </a:r>
+            <a:r>
+              <a:rPr lang="de-DE" dirty="0" err="1"/>
+              <a:t>use</a:t>
+            </a:r>
+            <a:r>
+              <a:rPr lang="de-DE" dirty="0"/>
+              <a:t> </a:t>
+            </a:r>
+            <a:r>
+              <a:rPr lang="de-DE" dirty="0" err="1"/>
+              <a:t>correlation</a:t>
+            </a:r>
+            <a:r>
+              <a:rPr lang="de-DE" dirty="0"/>
+              <a:t> </a:t>
+            </a:r>
+            <a:r>
+              <a:rPr lang="de-DE" dirty="0" err="1"/>
+              <a:t>matrix</a:t>
+            </a:r>
             <a:endParaRPr lang="de-DE" dirty="0"/>
           </a:p>
           <a:p>
-            <a:r>
-              <a:rPr lang="de-DE" dirty="0"/>
-              <a:t>Latent variable </a:t>
-            </a:r>
-            <a:r>
-              <a:rPr lang="de-DE" dirty="0" err="1"/>
-              <a:t>modeling</a:t>
-            </a:r>
-            <a:r>
-              <a:rPr lang="de-DE" dirty="0"/>
-              <a:t> </a:t>
-            </a:r>
-          </a:p>
-          <a:p>
             <a:pPr lvl="1"/>
             <a:r>
               <a:rPr lang="de-DE" dirty="0" err="1"/>
-              <a:t>Factor</a:t>
-            </a:r>
-            <a:r>
-              <a:rPr lang="de-DE" dirty="0"/>
-              <a:t> </a:t>
-            </a:r>
-            <a:r>
-              <a:rPr lang="de-DE" dirty="0" err="1"/>
-              <a:t>analysis</a:t>
+              <a:t>Diagnoses</a:t>
             </a:r>
             <a:r>
               <a:rPr lang="de-DE" dirty="0"/>
@@ -6555,98 +8569,112 @@
             <a:pPr lvl="1"/>
             <a:r>
               <a:rPr lang="de-DE" dirty="0"/>
-              <a:t>SEM</a:t>
-            </a:r>
-          </a:p>
-          <a:p>
-            <a:pPr lvl="1"/>
+              <a:t>…</a:t>
+            </a:r>
+          </a:p>
+          <a:p>
+            <a:r>
+              <a:rPr lang="de-DE" dirty="0" err="1"/>
+              <a:t>For</a:t>
+            </a:r>
+            <a:r>
+              <a:rPr lang="de-DE" dirty="0"/>
+              <a:t> </a:t>
+            </a:r>
+            <a:r>
+              <a:rPr lang="de-DE" dirty="0" err="1"/>
+              <a:t>later</a:t>
+            </a:r>
+            <a:r>
+              <a:rPr lang="de-DE" dirty="0"/>
+              <a:t> </a:t>
+            </a:r>
+            <a:r>
+              <a:rPr lang="de-DE" dirty="0" err="1"/>
+              <a:t>reliability</a:t>
+            </a:r>
+            <a:r>
+              <a:rPr lang="de-DE" dirty="0"/>
+              <a:t> </a:t>
+            </a:r>
+            <a:r>
+              <a:rPr lang="de-DE" dirty="0" err="1"/>
+              <a:t>test</a:t>
+            </a:r>
+            <a:r>
+              <a:rPr lang="de-DE" dirty="0"/>
+              <a:t>:</a:t>
+            </a:r>
+          </a:p>
+          <a:p>
             <a:endParaRPr lang="de-DE" dirty="0"/>
           </a:p>
           <a:p>
-            <a:r>
-              <a:rPr lang="de-DE" dirty="0"/>
-              <a:t>Fit CFA and </a:t>
-            </a:r>
-            <a:r>
-              <a:rPr lang="de-DE" dirty="0" err="1"/>
-              <a:t>evaluate</a:t>
-            </a:r>
-            <a:r>
-              <a:rPr lang="de-DE" dirty="0"/>
-              <a:t> fit</a:t>
-            </a:r>
-          </a:p>
-          <a:p>
-            <a:pPr lvl="1"/>
-            <a:r>
-              <a:rPr lang="de-DE" dirty="0"/>
-              <a:t>Chi²</a:t>
-            </a:r>
-          </a:p>
-          <a:p>
-            <a:pPr lvl="1"/>
-            <a:r>
-              <a:rPr lang="de-DE" dirty="0"/>
-              <a:t>CFI </a:t>
-            </a:r>
-          </a:p>
-          <a:p>
-            <a:pPr lvl="1"/>
-            <a:r>
-              <a:rPr lang="de-DE" dirty="0"/>
-              <a:t>RMSEA </a:t>
-            </a:r>
-          </a:p>
-          <a:p>
-            <a:pPr lvl="1"/>
-            <a:r>
-              <a:rPr lang="de-DE" dirty="0"/>
-              <a:t>SRMR</a:t>
-            </a:r>
-          </a:p>
-          <a:p>
-            <a:pPr lvl="1"/>
             <a:endParaRPr lang="de-DE" dirty="0"/>
           </a:p>
           <a:p>
-            <a:r>
-              <a:rPr lang="de-DE" dirty="0" err="1"/>
-              <a:t>Ensure</a:t>
-            </a:r>
-            <a:r>
-              <a:rPr lang="de-DE" dirty="0"/>
-              <a:t> </a:t>
-            </a:r>
-            <a:r>
-              <a:rPr lang="de-DE" dirty="0" err="1"/>
-              <a:t>model</a:t>
-            </a:r>
-            <a:r>
-              <a:rPr lang="de-DE" dirty="0"/>
-              <a:t> </a:t>
-            </a:r>
-            <a:r>
-              <a:rPr lang="de-DE" dirty="0" err="1"/>
-              <a:t>is</a:t>
-            </a:r>
-            <a:r>
-              <a:rPr lang="de-DE" dirty="0"/>
-              <a:t> </a:t>
-            </a:r>
-            <a:r>
-              <a:rPr lang="de-DE" dirty="0" err="1"/>
-              <a:t>identified</a:t>
-            </a:r>
             <a:endParaRPr lang="de-DE" dirty="0"/>
           </a:p>
         </p:txBody>
       </p:sp>
       <p:sp>
         <p:nvSpPr>
-          <p:cNvPr id="4" name="Textfeld 3">
+          <p:cNvPr id="6" name="Rechteck 5">
             <a:extLst>
               <a:ext uri="{FF2B5EF4-FFF2-40B4-BE49-F238E27FC236}">
-                <a16:creationId xmlns:a16="http://schemas.microsoft.com/office/drawing/2014/main" id="{B32643EA-BE68-490F-8AB8-761FC9E815F8}"/>
+                <a16:creationId xmlns:a16="http://schemas.microsoft.com/office/drawing/2014/main" id="{9C17A1B1-C9D0-4458-8D41-9D54E1141E54}"/>
+              </a:ext>
+            </a:extLst>
+          </p:cNvPr>
+          <p:cNvSpPr/>
+          <p:nvPr/>
+        </p:nvSpPr>
+        <p:spPr>
+          <a:xfrm>
+            <a:off x="4491950" y="2267660"/>
+            <a:ext cx="4162523" cy="304800"/>
+          </a:xfrm>
+          <a:prstGeom prst="rect">
+            <a:avLst/>
+          </a:prstGeom>
+          <a:noFill/>
+          <a:ln w="57150">
+            <a:solidFill>
+              <a:schemeClr val="accent4"/>
+            </a:solidFill>
+          </a:ln>
+        </p:spPr>
+        <p:style>
+          <a:lnRef idx="2">
+            <a:schemeClr val="accent1">
+              <a:shade val="50000"/>
+            </a:schemeClr>
+          </a:lnRef>
+          <a:fillRef idx="1">
+            <a:schemeClr val="accent1"/>
+          </a:fillRef>
+          <a:effectRef idx="0">
+            <a:schemeClr val="accent1"/>
+          </a:effectRef>
+          <a:fontRef idx="minor">
+            <a:schemeClr val="lt1"/>
+          </a:fontRef>
+        </p:style>
+        <p:txBody>
+          <a:bodyPr rtlCol="0" anchor="ctr"/>
+          <a:lstStyle/>
+          <a:p>
+            <a:pPr algn="ctr"/>
+            <a:endParaRPr lang="de-DE"/>
+          </a:p>
+        </p:txBody>
+      </p:sp>
+      <p:sp>
+        <p:nvSpPr>
+          <p:cNvPr id="8" name="Textfeld 7">
+            <a:extLst>
+              <a:ext uri="{FF2B5EF4-FFF2-40B4-BE49-F238E27FC236}">
+                <a16:creationId xmlns:a16="http://schemas.microsoft.com/office/drawing/2014/main" id="{62FBEB34-02B6-4C24-8F0F-D85A94305BAB}"/>
               </a:ext>
             </a:extLst>
           </p:cNvPr>
@@ -6655,7 +8683,7 @@
         </p:nvSpPr>
         <p:spPr>
           <a:xfrm>
-            <a:off x="6884483" y="1123837"/>
+            <a:off x="4377265" y="3976011"/>
             <a:ext cx="4968852" cy="1277273"/>
           </a:xfrm>
           <a:prstGeom prst="rect">
@@ -6947,10 +8975,237 @@
           </a:p>
         </p:txBody>
       </p:sp>
+      <p:sp>
+        <p:nvSpPr>
+          <p:cNvPr id="9" name="Textfeld 8">
+            <a:extLst>
+              <a:ext uri="{FF2B5EF4-FFF2-40B4-BE49-F238E27FC236}">
+                <a16:creationId xmlns:a16="http://schemas.microsoft.com/office/drawing/2014/main" id="{58D9467C-3ACB-4A73-9A43-0B0BF082618C}"/>
+              </a:ext>
+            </a:extLst>
+          </p:cNvPr>
+          <p:cNvSpPr txBox="1"/>
+          <p:nvPr/>
+        </p:nvSpPr>
+        <p:spPr>
+          <a:xfrm>
+            <a:off x="3428993" y="129627"/>
+            <a:ext cx="8501943" cy="369332"/>
+          </a:xfrm>
+          <a:prstGeom prst="rect">
+            <a:avLst/>
+          </a:prstGeom>
+          <a:noFill/>
+        </p:spPr>
+        <p:txBody>
+          <a:bodyPr wrap="none" rtlCol="0">
+            <a:spAutoFit/>
+          </a:bodyPr>
+          <a:lstStyle/>
+          <a:p>
+            <a:r>
+              <a:rPr lang="de-DE" dirty="0">
+                <a:solidFill>
+                  <a:schemeClr val="accent4"/>
+                </a:solidFill>
+              </a:rPr>
+              <a:t>Fox et al. 2025 </a:t>
+            </a:r>
+            <a:r>
+              <a:rPr lang="de-DE" dirty="0" err="1">
+                <a:solidFill>
+                  <a:schemeClr val="accent4"/>
+                </a:solidFill>
+              </a:rPr>
+              <a:t>Cognitive</a:t>
+            </a:r>
+            <a:r>
+              <a:rPr lang="de-DE" dirty="0">
+                <a:solidFill>
+                  <a:schemeClr val="accent4"/>
+                </a:solidFill>
+              </a:rPr>
+              <a:t> </a:t>
+            </a:r>
+            <a:r>
+              <a:rPr lang="de-DE" dirty="0" err="1">
+                <a:solidFill>
+                  <a:schemeClr val="accent4"/>
+                </a:solidFill>
+              </a:rPr>
+              <a:t>arbitration</a:t>
+            </a:r>
+            <a:r>
+              <a:rPr lang="de-DE" dirty="0">
+                <a:solidFill>
+                  <a:schemeClr val="accent4"/>
+                </a:solidFill>
+              </a:rPr>
+              <a:t> </a:t>
+            </a:r>
+            <a:r>
+              <a:rPr lang="de-DE" dirty="0" err="1">
+                <a:solidFill>
+                  <a:schemeClr val="accent4"/>
+                </a:solidFill>
+              </a:rPr>
+              <a:t>between</a:t>
+            </a:r>
+            <a:r>
+              <a:rPr lang="de-DE" dirty="0">
+                <a:solidFill>
+                  <a:schemeClr val="accent4"/>
+                </a:solidFill>
+              </a:rPr>
+              <a:t> </a:t>
+            </a:r>
+            <a:r>
+              <a:rPr lang="de-DE" dirty="0" err="1">
+                <a:solidFill>
+                  <a:schemeClr val="accent4"/>
+                </a:solidFill>
+              </a:rPr>
+              <a:t>candidate</a:t>
+            </a:r>
+            <a:r>
+              <a:rPr lang="de-DE" dirty="0">
+                <a:solidFill>
+                  <a:schemeClr val="accent4"/>
+                </a:solidFill>
+              </a:rPr>
+              <a:t> </a:t>
+            </a:r>
+            <a:r>
+              <a:rPr lang="de-DE" dirty="0" err="1">
+                <a:solidFill>
+                  <a:schemeClr val="accent4"/>
+                </a:solidFill>
+              </a:rPr>
+              <a:t>dimensions</a:t>
+            </a:r>
+            <a:r>
+              <a:rPr lang="de-DE" dirty="0">
+                <a:solidFill>
+                  <a:schemeClr val="accent4"/>
+                </a:solidFill>
+              </a:rPr>
+              <a:t> </a:t>
+            </a:r>
+            <a:r>
+              <a:rPr lang="de-DE" dirty="0" err="1">
+                <a:solidFill>
+                  <a:schemeClr val="accent4"/>
+                </a:solidFill>
+              </a:rPr>
+              <a:t>of</a:t>
+            </a:r>
+            <a:r>
+              <a:rPr lang="de-DE" dirty="0">
+                <a:solidFill>
+                  <a:schemeClr val="accent4"/>
+                </a:solidFill>
+              </a:rPr>
+              <a:t> </a:t>
+            </a:r>
+            <a:r>
+              <a:rPr lang="de-DE" dirty="0" err="1">
+                <a:solidFill>
+                  <a:schemeClr val="accent4"/>
+                </a:solidFill>
+              </a:rPr>
+              <a:t>psychopathology</a:t>
+            </a:r>
+            <a:r>
+              <a:rPr lang="de-DE" dirty="0">
+                <a:solidFill>
+                  <a:schemeClr val="accent4"/>
+                </a:solidFill>
+              </a:rPr>
+              <a:t> </a:t>
+            </a:r>
+          </a:p>
+        </p:txBody>
+      </p:sp>
+      <p:sp>
+        <p:nvSpPr>
+          <p:cNvPr id="4" name="Textfeld 3">
+            <a:extLst>
+              <a:ext uri="{FF2B5EF4-FFF2-40B4-BE49-F238E27FC236}">
+                <a16:creationId xmlns:a16="http://schemas.microsoft.com/office/drawing/2014/main" id="{86EFEEFF-130A-4DF4-B894-8D6FF0818F14}"/>
+              </a:ext>
+            </a:extLst>
+          </p:cNvPr>
+          <p:cNvSpPr txBox="1"/>
+          <p:nvPr/>
+        </p:nvSpPr>
+        <p:spPr>
+          <a:xfrm>
+            <a:off x="5692588" y="5585012"/>
+            <a:ext cx="4134465" cy="369332"/>
+          </a:xfrm>
+          <a:prstGeom prst="rect">
+            <a:avLst/>
+          </a:prstGeom>
+          <a:noFill/>
+        </p:spPr>
+        <p:txBody>
+          <a:bodyPr wrap="none" rtlCol="0">
+            <a:spAutoFit/>
+          </a:bodyPr>
+          <a:lstStyle/>
+          <a:p>
+            <a:r>
+              <a:rPr lang="de-DE" dirty="0" err="1"/>
+              <a:t>Ideally</a:t>
+            </a:r>
+            <a:r>
+              <a:rPr lang="de-DE" dirty="0"/>
+              <a:t>: </a:t>
+            </a:r>
+            <a:r>
+              <a:rPr lang="de-DE" dirty="0" err="1"/>
+              <a:t>stratify</a:t>
+            </a:r>
+            <a:r>
+              <a:rPr lang="de-DE" dirty="0"/>
+              <a:t> </a:t>
+            </a:r>
+            <a:r>
+              <a:rPr lang="de-DE" dirty="0" err="1"/>
+              <a:t>by</a:t>
+            </a:r>
+            <a:r>
+              <a:rPr lang="de-DE" dirty="0"/>
+              <a:t> e.g. </a:t>
+            </a:r>
+            <a:r>
+              <a:rPr lang="de-DE" dirty="0" err="1"/>
+              <a:t>age</a:t>
+            </a:r>
+            <a:r>
+              <a:rPr lang="de-DE" dirty="0"/>
+              <a:t>, </a:t>
+            </a:r>
+            <a:r>
+              <a:rPr lang="de-DE" dirty="0" err="1"/>
+              <a:t>diagnosis</a:t>
+            </a:r>
+            <a:r>
+              <a:rPr lang="de-DE" dirty="0"/>
+              <a:t>, </a:t>
+            </a:r>
+            <a:r>
+              <a:rPr lang="de-DE" dirty="0" err="1"/>
+              <a:t>site</a:t>
+            </a:r>
+            <a:endParaRPr lang="de-DE" dirty="0"/>
+          </a:p>
+        </p:txBody>
+      </p:sp>
     </p:spTree>
     <p:extLst>
       <p:ext uri="{BB962C8B-B14F-4D97-AF65-F5344CB8AC3E}">
-        <p14:creationId xmlns:p14="http://schemas.microsoft.com/office/powerpoint/2010/main" val="3004819477"/>
+        <p14:creationId xmlns:p14="http://schemas.microsoft.com/office/powerpoint/2010/main" val="111659601"/>
       </p:ext>
     </p:extLst>
   </p:cSld>
@@ -6982,7 +9237,7 @@
           <p:cNvPr id="2" name="Titel 1">
             <a:extLst>
               <a:ext uri="{FF2B5EF4-FFF2-40B4-BE49-F238E27FC236}">
-                <a16:creationId xmlns:a16="http://schemas.microsoft.com/office/drawing/2014/main" id="{C674AC39-9675-41C7-8D92-875E7877EFE7}"/>
+                <a16:creationId xmlns:a16="http://schemas.microsoft.com/office/drawing/2014/main" id="{BDCBB538-C533-4AAC-9D21-A15F38829E01}"/>
               </a:ext>
             </a:extLst>
           </p:cNvPr>
@@ -7000,11 +9255,19 @@
           <a:p>
             <a:r>
               <a:rPr lang="de-DE" dirty="0" err="1"/>
-              <a:t>HiTOP</a:t>
-            </a:r>
-            <a:r>
-              <a:rPr lang="de-DE" dirty="0"/>
-              <a:t> CFA</a:t>
+              <a:t>Appropriate</a:t>
+            </a:r>
+            <a:r>
+              <a:rPr lang="de-DE" dirty="0"/>
+              <a:t> </a:t>
+            </a:r>
+            <a:r>
+              <a:rPr lang="de-DE" dirty="0" err="1"/>
+              <a:t>Correlation</a:t>
+            </a:r>
+            <a:r>
+              <a:rPr lang="de-DE" dirty="0"/>
+              <a:t> Matrix</a:t>
             </a:r>
           </a:p>
         </p:txBody>
@@ -7014,7 +9277,7 @@
           <p:cNvPr id="3" name="Inhaltsplatzhalter 2">
             <a:extLst>
               <a:ext uri="{FF2B5EF4-FFF2-40B4-BE49-F238E27FC236}">
-                <a16:creationId xmlns:a16="http://schemas.microsoft.com/office/drawing/2014/main" id="{B637DBFE-939B-4F89-A300-0A21D1B8AE50}"/>
+                <a16:creationId xmlns:a16="http://schemas.microsoft.com/office/drawing/2014/main" id="{5D014D3B-C10B-446F-90C0-CC8BFF9F60A2}"/>
               </a:ext>
             </a:extLst>
           </p:cNvPr>
@@ -7027,16 +9290,722 @@
         </p:nvSpPr>
         <p:spPr/>
         <p:txBody>
-          <a:bodyPr/>
+          <a:bodyPr>
+            <a:normAutofit/>
+          </a:bodyPr>
           <a:lstStyle/>
           <a:p>
-            <a:r>
-              <a:rPr lang="de-DE" dirty="0" err="1"/>
-              <a:t>How</a:t>
-            </a:r>
-            <a:r>
-              <a:rPr lang="de-DE" dirty="0"/>
-              <a:t> </a:t>
+            <a:endParaRPr lang="de-DE" dirty="0"/>
+          </a:p>
+          <a:p>
+            <a:endParaRPr lang="de-DE" dirty="0"/>
+          </a:p>
+          <a:p>
+            <a:r>
+              <a:rPr lang="de-DE" dirty="0"/>
+              <a:t>Pick </a:t>
+            </a:r>
+            <a:r>
+              <a:rPr lang="de-DE" dirty="0" err="1"/>
+              <a:t>appropriate</a:t>
+            </a:r>
+            <a:r>
+              <a:rPr lang="de-DE" dirty="0"/>
+              <a:t> </a:t>
+            </a:r>
+            <a:r>
+              <a:rPr lang="de-DE" dirty="0" err="1"/>
+              <a:t>correlation</a:t>
+            </a:r>
+            <a:r>
+              <a:rPr lang="de-DE" dirty="0"/>
+              <a:t> </a:t>
+            </a:r>
+            <a:r>
+              <a:rPr lang="de-DE" dirty="0" err="1"/>
+              <a:t>matrix</a:t>
+            </a:r>
+            <a:endParaRPr lang="de-DE" dirty="0"/>
+          </a:p>
+          <a:p>
+            <a:pPr lvl="1"/>
+            <a:r>
+              <a:rPr lang="de-DE" dirty="0"/>
+              <a:t>Pearson (</a:t>
+            </a:r>
+            <a:r>
+              <a:rPr lang="de-DE" dirty="0" err="1"/>
+              <a:t>continuous</a:t>
+            </a:r>
+            <a:r>
+              <a:rPr lang="de-DE" dirty="0"/>
+              <a:t>)</a:t>
+            </a:r>
+          </a:p>
+          <a:p>
+            <a:pPr lvl="1"/>
+            <a:r>
+              <a:rPr lang="de-DE" dirty="0" err="1"/>
+              <a:t>Polychoric</a:t>
+            </a:r>
+            <a:r>
+              <a:rPr lang="de-DE" dirty="0"/>
+              <a:t> (ordinal)</a:t>
+            </a:r>
+          </a:p>
+          <a:p>
+            <a:pPr lvl="1"/>
+            <a:r>
+              <a:rPr lang="de-DE" dirty="0" err="1"/>
+              <a:t>Tetrachoric</a:t>
+            </a:r>
+            <a:r>
+              <a:rPr lang="de-DE" dirty="0"/>
+              <a:t> (</a:t>
+            </a:r>
+            <a:r>
+              <a:rPr lang="de-DE" dirty="0" err="1"/>
+              <a:t>binary</a:t>
+            </a:r>
+            <a:r>
+              <a:rPr lang="de-DE" dirty="0"/>
+              <a:t>)</a:t>
+            </a:r>
+          </a:p>
+          <a:p>
+            <a:pPr lvl="1"/>
+            <a:r>
+              <a:rPr lang="de-DE" dirty="0"/>
+              <a:t>…</a:t>
+            </a:r>
+          </a:p>
+        </p:txBody>
+      </p:sp>
+      <p:sp>
+        <p:nvSpPr>
+          <p:cNvPr id="5" name="Rechteck 4">
+            <a:extLst>
+              <a:ext uri="{FF2B5EF4-FFF2-40B4-BE49-F238E27FC236}">
+                <a16:creationId xmlns:a16="http://schemas.microsoft.com/office/drawing/2014/main" id="{4972C686-9D91-4358-895B-30107CE1B5B5}"/>
+              </a:ext>
+            </a:extLst>
+          </p:cNvPr>
+          <p:cNvSpPr/>
+          <p:nvPr/>
+        </p:nvSpPr>
+        <p:spPr>
+          <a:xfrm>
+            <a:off x="4478865" y="3695362"/>
+            <a:ext cx="2108202" cy="304800"/>
+          </a:xfrm>
+          <a:prstGeom prst="rect">
+            <a:avLst/>
+          </a:prstGeom>
+          <a:noFill/>
+          <a:ln w="57150">
+            <a:solidFill>
+              <a:schemeClr val="accent4"/>
+            </a:solidFill>
+          </a:ln>
+        </p:spPr>
+        <p:style>
+          <a:lnRef idx="2">
+            <a:schemeClr val="accent1">
+              <a:shade val="50000"/>
+            </a:schemeClr>
+          </a:lnRef>
+          <a:fillRef idx="1">
+            <a:schemeClr val="accent1"/>
+          </a:fillRef>
+          <a:effectRef idx="0">
+            <a:schemeClr val="accent1"/>
+          </a:effectRef>
+          <a:fontRef idx="minor">
+            <a:schemeClr val="lt1"/>
+          </a:fontRef>
+        </p:style>
+        <p:txBody>
+          <a:bodyPr rtlCol="0" anchor="ctr"/>
+          <a:lstStyle/>
+          <a:p>
+            <a:pPr algn="ctr"/>
+            <a:endParaRPr lang="de-DE"/>
+          </a:p>
+        </p:txBody>
+      </p:sp>
+      <p:sp>
+        <p:nvSpPr>
+          <p:cNvPr id="7" name="Textfeld 6">
+            <a:extLst>
+              <a:ext uri="{FF2B5EF4-FFF2-40B4-BE49-F238E27FC236}">
+                <a16:creationId xmlns:a16="http://schemas.microsoft.com/office/drawing/2014/main" id="{AF8B6516-10E6-4AB8-9E31-136B361091BF}"/>
+              </a:ext>
+            </a:extLst>
+          </p:cNvPr>
+          <p:cNvSpPr txBox="1"/>
+          <p:nvPr/>
+        </p:nvSpPr>
+        <p:spPr>
+          <a:xfrm>
+            <a:off x="4478865" y="4669029"/>
+            <a:ext cx="4968852" cy="769441"/>
+          </a:xfrm>
+          <a:prstGeom prst="rect">
+            <a:avLst/>
+          </a:prstGeom>
+          <a:solidFill>
+            <a:schemeClr val="bg1">
+              <a:lumMod val="95000"/>
+            </a:schemeClr>
+          </a:solidFill>
+          <a:ln w="12700">
+            <a:solidFill>
+              <a:schemeClr val="tx1">
+                <a:lumMod val="50000"/>
+                <a:lumOff val="50000"/>
+              </a:schemeClr>
+            </a:solidFill>
+          </a:ln>
+        </p:spPr>
+        <p:txBody>
+          <a:bodyPr wrap="square" rtlCol="0">
+            <a:spAutoFit/>
+          </a:bodyPr>
+          <a:lstStyle/>
+          <a:p>
+            <a:r>
+              <a:rPr lang="en-US" sz="1100" dirty="0">
+                <a:latin typeface="Cascadia Mono" panose="020B0609020000020004" pitchFamily="49" charset="0"/>
+                <a:ea typeface="Cascadia Mono" panose="020B0609020000020004" pitchFamily="49" charset="0"/>
+                <a:cs typeface="Cascadia Mono" panose="020B0609020000020004" pitchFamily="49" charset="0"/>
+              </a:rPr>
+              <a:t># Check correlation matrix for large enough sample size:</a:t>
+            </a:r>
+          </a:p>
+          <a:p>
+            <a:r>
+              <a:rPr lang="en-US" sz="1100" dirty="0">
+                <a:latin typeface="Cascadia Mono" panose="020B0609020000020004" pitchFamily="49" charset="0"/>
+                <a:ea typeface="Cascadia Mono" panose="020B0609020000020004" pitchFamily="49" charset="0"/>
+                <a:cs typeface="Cascadia Mono" panose="020B0609020000020004" pitchFamily="49" charset="0"/>
+              </a:rPr>
+              <a:t>Psych::KMO(R) # ratio partial to global correlations</a:t>
+            </a:r>
+          </a:p>
+          <a:p>
+            <a:r>
+              <a:rPr lang="en-US" sz="1100" dirty="0">
+                <a:latin typeface="Cascadia Mono" panose="020B0609020000020004" pitchFamily="49" charset="0"/>
+                <a:ea typeface="Cascadia Mono" panose="020B0609020000020004" pitchFamily="49" charset="0"/>
+                <a:cs typeface="Cascadia Mono" panose="020B0609020000020004" pitchFamily="49" charset="0"/>
+              </a:rPr>
+              <a:t>Psych::</a:t>
+            </a:r>
+            <a:r>
+              <a:rPr lang="en-US" sz="1100" dirty="0" err="1">
+                <a:latin typeface="Cascadia Mono" panose="020B0609020000020004" pitchFamily="49" charset="0"/>
+                <a:ea typeface="Cascadia Mono" panose="020B0609020000020004" pitchFamily="49" charset="0"/>
+                <a:cs typeface="Cascadia Mono" panose="020B0609020000020004" pitchFamily="49" charset="0"/>
+              </a:rPr>
+              <a:t>cortest.bartlett</a:t>
+            </a:r>
+            <a:r>
+              <a:rPr lang="en-US" sz="1100" dirty="0">
+                <a:latin typeface="Cascadia Mono" panose="020B0609020000020004" pitchFamily="49" charset="0"/>
+                <a:ea typeface="Cascadia Mono" panose="020B0609020000020004" pitchFamily="49" charset="0"/>
+                <a:cs typeface="Cascadia Mono" panose="020B0609020000020004" pitchFamily="49" charset="0"/>
+              </a:rPr>
+              <a:t>(R, n = N) # are there correlations</a:t>
+            </a:r>
+            <a:endParaRPr lang="de-DE" sz="1100" dirty="0">
+              <a:latin typeface="Cascadia Mono" panose="020B0609020000020004" pitchFamily="49" charset="0"/>
+              <a:ea typeface="Cascadia Mono" panose="020B0609020000020004" pitchFamily="49" charset="0"/>
+              <a:cs typeface="Cascadia Mono" panose="020B0609020000020004" pitchFamily="49" charset="0"/>
+            </a:endParaRPr>
+          </a:p>
+        </p:txBody>
+      </p:sp>
+      <p:sp>
+        <p:nvSpPr>
+          <p:cNvPr id="9" name="Textfeld 8">
+            <a:extLst>
+              <a:ext uri="{FF2B5EF4-FFF2-40B4-BE49-F238E27FC236}">
+                <a16:creationId xmlns:a16="http://schemas.microsoft.com/office/drawing/2014/main" id="{58D9467C-3ACB-4A73-9A43-0B0BF082618C}"/>
+              </a:ext>
+            </a:extLst>
+          </p:cNvPr>
+          <p:cNvSpPr txBox="1"/>
+          <p:nvPr/>
+        </p:nvSpPr>
+        <p:spPr>
+          <a:xfrm>
+            <a:off x="3428993" y="129627"/>
+            <a:ext cx="8501943" cy="369332"/>
+          </a:xfrm>
+          <a:prstGeom prst="rect">
+            <a:avLst/>
+          </a:prstGeom>
+          <a:noFill/>
+        </p:spPr>
+        <p:txBody>
+          <a:bodyPr wrap="none" rtlCol="0">
+            <a:spAutoFit/>
+          </a:bodyPr>
+          <a:lstStyle/>
+          <a:p>
+            <a:r>
+              <a:rPr lang="de-DE" dirty="0">
+                <a:solidFill>
+                  <a:schemeClr val="accent4"/>
+                </a:solidFill>
+              </a:rPr>
+              <a:t>Fox et al. 2025 </a:t>
+            </a:r>
+            <a:r>
+              <a:rPr lang="de-DE" dirty="0" err="1">
+                <a:solidFill>
+                  <a:schemeClr val="accent4"/>
+                </a:solidFill>
+              </a:rPr>
+              <a:t>Cognitive</a:t>
+            </a:r>
+            <a:r>
+              <a:rPr lang="de-DE" dirty="0">
+                <a:solidFill>
+                  <a:schemeClr val="accent4"/>
+                </a:solidFill>
+              </a:rPr>
+              <a:t> </a:t>
+            </a:r>
+            <a:r>
+              <a:rPr lang="de-DE" dirty="0" err="1">
+                <a:solidFill>
+                  <a:schemeClr val="accent4"/>
+                </a:solidFill>
+              </a:rPr>
+              <a:t>arbitration</a:t>
+            </a:r>
+            <a:r>
+              <a:rPr lang="de-DE" dirty="0">
+                <a:solidFill>
+                  <a:schemeClr val="accent4"/>
+                </a:solidFill>
+              </a:rPr>
+              <a:t> </a:t>
+            </a:r>
+            <a:r>
+              <a:rPr lang="de-DE" dirty="0" err="1">
+                <a:solidFill>
+                  <a:schemeClr val="accent4"/>
+                </a:solidFill>
+              </a:rPr>
+              <a:t>between</a:t>
+            </a:r>
+            <a:r>
+              <a:rPr lang="de-DE" dirty="0">
+                <a:solidFill>
+                  <a:schemeClr val="accent4"/>
+                </a:solidFill>
+              </a:rPr>
+              <a:t> </a:t>
+            </a:r>
+            <a:r>
+              <a:rPr lang="de-DE" dirty="0" err="1">
+                <a:solidFill>
+                  <a:schemeClr val="accent4"/>
+                </a:solidFill>
+              </a:rPr>
+              <a:t>candidate</a:t>
+            </a:r>
+            <a:r>
+              <a:rPr lang="de-DE" dirty="0">
+                <a:solidFill>
+                  <a:schemeClr val="accent4"/>
+                </a:solidFill>
+              </a:rPr>
+              <a:t> </a:t>
+            </a:r>
+            <a:r>
+              <a:rPr lang="de-DE" dirty="0" err="1">
+                <a:solidFill>
+                  <a:schemeClr val="accent4"/>
+                </a:solidFill>
+              </a:rPr>
+              <a:t>dimensions</a:t>
+            </a:r>
+            <a:r>
+              <a:rPr lang="de-DE" dirty="0">
+                <a:solidFill>
+                  <a:schemeClr val="accent4"/>
+                </a:solidFill>
+              </a:rPr>
+              <a:t> </a:t>
+            </a:r>
+            <a:r>
+              <a:rPr lang="de-DE" dirty="0" err="1">
+                <a:solidFill>
+                  <a:schemeClr val="accent4"/>
+                </a:solidFill>
+              </a:rPr>
+              <a:t>of</a:t>
+            </a:r>
+            <a:r>
+              <a:rPr lang="de-DE" dirty="0">
+                <a:solidFill>
+                  <a:schemeClr val="accent4"/>
+                </a:solidFill>
+              </a:rPr>
+              <a:t> </a:t>
+            </a:r>
+            <a:r>
+              <a:rPr lang="de-DE" dirty="0" err="1">
+                <a:solidFill>
+                  <a:schemeClr val="accent4"/>
+                </a:solidFill>
+              </a:rPr>
+              <a:t>psychopathology</a:t>
+            </a:r>
+            <a:r>
+              <a:rPr lang="de-DE" dirty="0">
+                <a:solidFill>
+                  <a:schemeClr val="accent4"/>
+                </a:solidFill>
+              </a:rPr>
+              <a:t> </a:t>
+            </a:r>
+          </a:p>
+        </p:txBody>
+      </p:sp>
+      <p:sp>
+        <p:nvSpPr>
+          <p:cNvPr id="10" name="Rechteck 9">
+            <a:extLst>
+              <a:ext uri="{FF2B5EF4-FFF2-40B4-BE49-F238E27FC236}">
+                <a16:creationId xmlns:a16="http://schemas.microsoft.com/office/drawing/2014/main" id="{7D621B20-F2AD-45C0-A4CD-B89502F80CAC}"/>
+              </a:ext>
+            </a:extLst>
+          </p:cNvPr>
+          <p:cNvSpPr/>
+          <p:nvPr/>
+        </p:nvSpPr>
+        <p:spPr>
+          <a:xfrm>
+            <a:off x="4478865" y="3360388"/>
+            <a:ext cx="2309862" cy="304800"/>
+          </a:xfrm>
+          <a:prstGeom prst="rect">
+            <a:avLst/>
+          </a:prstGeom>
+          <a:noFill/>
+          <a:ln w="57150">
+            <a:solidFill>
+              <a:schemeClr val="tx1"/>
+            </a:solidFill>
+          </a:ln>
+        </p:spPr>
+        <p:style>
+          <a:lnRef idx="2">
+            <a:schemeClr val="accent1">
+              <a:shade val="50000"/>
+            </a:schemeClr>
+          </a:lnRef>
+          <a:fillRef idx="1">
+            <a:schemeClr val="accent1"/>
+          </a:fillRef>
+          <a:effectRef idx="0">
+            <a:schemeClr val="accent1"/>
+          </a:effectRef>
+          <a:fontRef idx="minor">
+            <a:schemeClr val="lt1"/>
+          </a:fontRef>
+        </p:style>
+        <p:txBody>
+          <a:bodyPr rtlCol="0" anchor="ctr"/>
+          <a:lstStyle/>
+          <a:p>
+            <a:pPr algn="ctr"/>
+            <a:endParaRPr lang="de-DE"/>
+          </a:p>
+        </p:txBody>
+      </p:sp>
+      <p:sp>
+        <p:nvSpPr>
+          <p:cNvPr id="4" name="Textfeld 3">
+            <a:extLst>
+              <a:ext uri="{FF2B5EF4-FFF2-40B4-BE49-F238E27FC236}">
+                <a16:creationId xmlns:a16="http://schemas.microsoft.com/office/drawing/2014/main" id="{401F752F-9DE1-46DD-8FE0-35B7A2D923EB}"/>
+              </a:ext>
+            </a:extLst>
+          </p:cNvPr>
+          <p:cNvSpPr txBox="1"/>
+          <p:nvPr/>
+        </p:nvSpPr>
+        <p:spPr>
+          <a:xfrm>
+            <a:off x="5800436" y="5296102"/>
+            <a:ext cx="5171595" cy="646331"/>
+          </a:xfrm>
+          <a:prstGeom prst="rect">
+            <a:avLst/>
+          </a:prstGeom>
+          <a:noFill/>
+        </p:spPr>
+        <p:txBody>
+          <a:bodyPr wrap="square" rtlCol="0">
+            <a:spAutoFit/>
+          </a:bodyPr>
+          <a:lstStyle/>
+          <a:p>
+            <a:r>
+              <a:rPr lang="de-DE" dirty="0"/>
+              <a:t>Tests </a:t>
+            </a:r>
+            <a:r>
+              <a:rPr lang="de-DE" dirty="0" err="1"/>
+              <a:t>if</a:t>
+            </a:r>
+            <a:r>
+              <a:rPr lang="de-DE" dirty="0"/>
+              <a:t> </a:t>
+            </a:r>
+            <a:r>
+              <a:rPr lang="de-DE" dirty="0" err="1"/>
+              <a:t>here</a:t>
+            </a:r>
+            <a:r>
+              <a:rPr lang="de-DE" dirty="0"/>
+              <a:t> </a:t>
+            </a:r>
+            <a:r>
+              <a:rPr lang="de-DE" dirty="0" err="1"/>
+              <a:t>is</a:t>
+            </a:r>
+            <a:r>
+              <a:rPr lang="de-DE" dirty="0"/>
+              <a:t> </a:t>
+            </a:r>
+            <a:r>
+              <a:rPr lang="de-DE" dirty="0" err="1"/>
+              <a:t>any</a:t>
+            </a:r>
+            <a:r>
+              <a:rPr lang="de-DE" dirty="0"/>
+              <a:t> </a:t>
+            </a:r>
+            <a:r>
+              <a:rPr lang="de-DE" dirty="0" err="1"/>
+              <a:t>nonzero</a:t>
+            </a:r>
+            <a:r>
+              <a:rPr lang="de-DE" dirty="0"/>
+              <a:t> </a:t>
+            </a:r>
+            <a:r>
+              <a:rPr lang="de-DE" dirty="0" err="1"/>
+              <a:t>correlation</a:t>
+            </a:r>
+            <a:r>
+              <a:rPr lang="de-DE" dirty="0"/>
+              <a:t> in </a:t>
+            </a:r>
+            <a:r>
+              <a:rPr lang="de-DE" dirty="0" err="1"/>
+              <a:t>the</a:t>
+            </a:r>
+            <a:r>
+              <a:rPr lang="de-DE" dirty="0"/>
+              <a:t> </a:t>
+            </a:r>
+            <a:r>
+              <a:rPr lang="de-DE" dirty="0" err="1"/>
+              <a:t>matrix</a:t>
+            </a:r>
+            <a:r>
+              <a:rPr lang="de-DE" dirty="0"/>
+              <a:t> – </a:t>
+            </a:r>
+            <a:r>
+              <a:rPr lang="de-DE" dirty="0" err="1"/>
+              <a:t>almost</a:t>
+            </a:r>
+            <a:r>
+              <a:rPr lang="de-DE" dirty="0"/>
+              <a:t> </a:t>
+            </a:r>
+            <a:r>
+              <a:rPr lang="de-DE" dirty="0" err="1"/>
+              <a:t>always</a:t>
+            </a:r>
+            <a:r>
+              <a:rPr lang="de-DE" dirty="0"/>
+              <a:t> </a:t>
+            </a:r>
+            <a:r>
+              <a:rPr lang="de-DE" dirty="0" err="1"/>
+              <a:t>significant</a:t>
+            </a:r>
+            <a:r>
+              <a:rPr lang="de-DE" dirty="0"/>
+              <a:t> in large </a:t>
+            </a:r>
+            <a:r>
+              <a:rPr lang="de-DE" dirty="0" err="1"/>
+              <a:t>samples</a:t>
+            </a:r>
+            <a:r>
+              <a:rPr lang="de-DE" dirty="0"/>
+              <a:t>. </a:t>
+            </a:r>
+          </a:p>
+        </p:txBody>
+      </p:sp>
+      <p:sp>
+        <p:nvSpPr>
+          <p:cNvPr id="11" name="Textfeld 10">
+            <a:extLst>
+              <a:ext uri="{FF2B5EF4-FFF2-40B4-BE49-F238E27FC236}">
+                <a16:creationId xmlns:a16="http://schemas.microsoft.com/office/drawing/2014/main" id="{9E7B43F5-ED21-403D-A16A-C2D895E29504}"/>
+              </a:ext>
+            </a:extLst>
+          </p:cNvPr>
+          <p:cNvSpPr txBox="1"/>
+          <p:nvPr/>
+        </p:nvSpPr>
+        <p:spPr>
+          <a:xfrm>
+            <a:off x="4377493" y="6007284"/>
+            <a:ext cx="5171595" cy="923330"/>
+          </a:xfrm>
+          <a:prstGeom prst="rect">
+            <a:avLst/>
+          </a:prstGeom>
+          <a:noFill/>
+        </p:spPr>
+        <p:txBody>
+          <a:bodyPr wrap="square" rtlCol="0">
+            <a:spAutoFit/>
+          </a:bodyPr>
+          <a:lstStyle/>
+          <a:p>
+            <a:r>
+              <a:rPr lang="de-DE" dirty="0" err="1"/>
+              <a:t>Better</a:t>
+            </a:r>
+            <a:r>
+              <a:rPr lang="de-DE" dirty="0"/>
+              <a:t>: KMO </a:t>
+            </a:r>
+            <a:r>
+              <a:rPr lang="de-DE" dirty="0" err="1"/>
+              <a:t>criterion</a:t>
+            </a:r>
+            <a:r>
+              <a:rPr lang="de-DE" dirty="0"/>
+              <a:t> – </a:t>
+            </a:r>
+            <a:r>
+              <a:rPr lang="de-DE" dirty="0" err="1"/>
+              <a:t>tests</a:t>
+            </a:r>
+            <a:r>
+              <a:rPr lang="de-DE" dirty="0"/>
+              <a:t> </a:t>
+            </a:r>
+            <a:r>
+              <a:rPr lang="de-DE" dirty="0" err="1"/>
+              <a:t>adequacy</a:t>
+            </a:r>
+            <a:r>
+              <a:rPr lang="de-DE" dirty="0"/>
+              <a:t> </a:t>
+            </a:r>
+            <a:r>
+              <a:rPr lang="de-DE" dirty="0" err="1"/>
+              <a:t>of</a:t>
+            </a:r>
+            <a:r>
+              <a:rPr lang="de-DE" dirty="0"/>
+              <a:t> sample, </a:t>
+            </a:r>
+            <a:r>
+              <a:rPr lang="de-DE" dirty="0" err="1"/>
+              <a:t>if</a:t>
+            </a:r>
+            <a:r>
+              <a:rPr lang="de-DE" dirty="0"/>
+              <a:t> variables </a:t>
+            </a:r>
+            <a:r>
+              <a:rPr lang="de-DE" dirty="0" err="1"/>
+              <a:t>show</a:t>
+            </a:r>
+            <a:r>
+              <a:rPr lang="de-DE" dirty="0"/>
+              <a:t> </a:t>
+            </a:r>
+            <a:r>
+              <a:rPr lang="de-DE" dirty="0" err="1"/>
+              <a:t>some</a:t>
+            </a:r>
+            <a:r>
+              <a:rPr lang="de-DE" dirty="0"/>
+              <a:t> </a:t>
+            </a:r>
+            <a:r>
+              <a:rPr lang="de-DE" dirty="0" err="1"/>
+              <a:t>correlation</a:t>
+            </a:r>
+            <a:r>
+              <a:rPr lang="de-DE" dirty="0"/>
+              <a:t> </a:t>
+            </a:r>
+            <a:r>
+              <a:rPr lang="de-DE" dirty="0" err="1"/>
+              <a:t>pattern</a:t>
+            </a:r>
+            <a:r>
+              <a:rPr lang="de-DE" dirty="0"/>
+              <a:t>. Values </a:t>
+            </a:r>
+            <a:r>
+              <a:rPr lang="de-DE" dirty="0" err="1"/>
+              <a:t>above</a:t>
+            </a:r>
+            <a:r>
+              <a:rPr lang="de-DE" dirty="0"/>
+              <a:t> 0.6 </a:t>
+            </a:r>
+            <a:r>
+              <a:rPr lang="de-DE" dirty="0" err="1"/>
+              <a:t>are</a:t>
+            </a:r>
+            <a:r>
+              <a:rPr lang="de-DE" dirty="0"/>
+              <a:t> </a:t>
+            </a:r>
+            <a:r>
+              <a:rPr lang="de-DE" dirty="0" err="1"/>
+              <a:t>desired</a:t>
+            </a:r>
+            <a:r>
+              <a:rPr lang="de-DE" dirty="0"/>
+              <a:t>, </a:t>
+            </a:r>
+            <a:r>
+              <a:rPr lang="de-DE" dirty="0" err="1"/>
+              <a:t>range</a:t>
+            </a:r>
+            <a:r>
+              <a:rPr lang="de-DE" dirty="0"/>
+              <a:t> </a:t>
+            </a:r>
+            <a:r>
+              <a:rPr lang="de-DE" dirty="0" err="1"/>
+              <a:t>from</a:t>
+            </a:r>
+            <a:r>
+              <a:rPr lang="de-DE" dirty="0"/>
+              <a:t> 0 </a:t>
             </a:r>
             <a:r>
               <a:rPr lang="de-DE" dirty="0" err="1"/>
@@ -7044,114 +10013,1019 @@
             </a:r>
             <a:r>
               <a:rPr lang="de-DE" dirty="0"/>
-              <a:t> </a:t>
-            </a:r>
-            <a:r>
-              <a:rPr lang="de-DE" dirty="0" err="1"/>
-              <a:t>represent</a:t>
-            </a:r>
-            <a:r>
-              <a:rPr lang="de-DE" dirty="0"/>
-              <a:t> top </a:t>
-            </a:r>
-            <a:r>
-              <a:rPr lang="de-DE" dirty="0" err="1"/>
-              <a:t>of</a:t>
-            </a:r>
-            <a:r>
-              <a:rPr lang="de-DE" dirty="0"/>
-              <a:t> </a:t>
-            </a:r>
-            <a:r>
-              <a:rPr lang="de-DE" dirty="0" err="1"/>
-              <a:t>hierarchy</a:t>
-            </a:r>
-            <a:r>
-              <a:rPr lang="de-DE" dirty="0"/>
-              <a:t>?</a:t>
-            </a:r>
-          </a:p>
-          <a:p>
-            <a:pPr lvl="1"/>
-            <a:r>
-              <a:rPr lang="de-DE" dirty="0" err="1"/>
-              <a:t>Bifactor</a:t>
-            </a:r>
-            <a:r>
-              <a:rPr lang="de-DE" dirty="0"/>
-              <a:t> </a:t>
-            </a:r>
-            <a:r>
-              <a:rPr lang="de-DE" dirty="0" err="1"/>
-              <a:t>model</a:t>
-            </a:r>
-            <a:endParaRPr lang="de-DE" dirty="0"/>
-          </a:p>
-          <a:p>
-            <a:pPr lvl="1"/>
-            <a:r>
-              <a:rPr lang="de-DE" dirty="0"/>
-              <a:t>Higher-order </a:t>
-            </a:r>
-            <a:r>
-              <a:rPr lang="de-DE" dirty="0" err="1"/>
-              <a:t>model</a:t>
-            </a:r>
-            <a:endParaRPr lang="de-DE" dirty="0"/>
-          </a:p>
-          <a:p>
-            <a:pPr lvl="1"/>
-            <a:endParaRPr lang="de-DE" dirty="0"/>
-          </a:p>
-          <a:p>
-            <a:r>
-              <a:rPr lang="de-DE" dirty="0"/>
-              <a:t>Check </a:t>
-            </a:r>
-            <a:r>
-              <a:rPr lang="de-DE" dirty="0" err="1"/>
-              <a:t>reliability</a:t>
-            </a:r>
-            <a:r>
-              <a:rPr lang="de-DE" dirty="0"/>
-              <a:t> </a:t>
-            </a:r>
-            <a:r>
-              <a:rPr lang="de-DE" dirty="0" err="1"/>
-              <a:t>by</a:t>
-            </a:r>
-            <a:r>
-              <a:rPr lang="de-DE" dirty="0"/>
-              <a:t> </a:t>
-            </a:r>
-            <a:r>
-              <a:rPr lang="de-DE" dirty="0" err="1"/>
-              <a:t>using</a:t>
-            </a:r>
-            <a:r>
-              <a:rPr lang="de-DE" dirty="0"/>
-              <a:t> </a:t>
-            </a:r>
-            <a:r>
-              <a:rPr lang="de-DE" dirty="0" err="1"/>
-              <a:t>test</a:t>
-            </a:r>
-            <a:r>
-              <a:rPr lang="de-DE" dirty="0"/>
-              <a:t> </a:t>
-            </a:r>
-            <a:r>
-              <a:rPr lang="de-DE" dirty="0" err="1"/>
-              <a:t>set</a:t>
-            </a:r>
-            <a:endParaRPr lang="de-DE" dirty="0"/>
+              <a:t> 1</a:t>
+            </a:r>
           </a:p>
         </p:txBody>
       </p:sp>
     </p:spTree>
     <p:extLst>
       <p:ext uri="{BB962C8B-B14F-4D97-AF65-F5344CB8AC3E}">
-        <p14:creationId xmlns:p14="http://schemas.microsoft.com/office/powerpoint/2010/main" val="3896819360"/>
+        <p14:creationId xmlns:p14="http://schemas.microsoft.com/office/powerpoint/2010/main" val="524473774"/>
+      </p:ext>
+    </p:extLst>
+  </p:cSld>
+  <p:clrMapOvr>
+    <a:masterClrMapping/>
+  </p:clrMapOvr>
+</p:sld>
+</file>
+
+<file path=ppt/slides/slide8.xml><?xml version="1.0" encoding="utf-8"?>
+<p:sld xmlns:a="http://schemas.openxmlformats.org/drawingml/2006/main" xmlns:r="http://schemas.openxmlformats.org/officeDocument/2006/relationships" xmlns:p="http://schemas.openxmlformats.org/presentationml/2006/main">
+  <p:cSld>
+    <p:spTree>
+      <p:nvGrpSpPr>
+        <p:cNvPr id="1" name=""/>
+        <p:cNvGrpSpPr/>
+        <p:nvPr/>
+      </p:nvGrpSpPr>
+      <p:grpSpPr>
+        <a:xfrm>
+          <a:off x="0" y="0"/>
+          <a:ext cx="0" cy="0"/>
+          <a:chOff x="0" y="0"/>
+          <a:chExt cx="0" cy="0"/>
+        </a:xfrm>
+      </p:grpSpPr>
+      <p:sp>
+        <p:nvSpPr>
+          <p:cNvPr id="2" name="Titel 1">
+            <a:extLst>
+              <a:ext uri="{FF2B5EF4-FFF2-40B4-BE49-F238E27FC236}">
+                <a16:creationId xmlns:a16="http://schemas.microsoft.com/office/drawing/2014/main" id="{AEDF1756-C3AD-49D9-9F73-C47CC5FF8404}"/>
+              </a:ext>
+            </a:extLst>
+          </p:cNvPr>
+          <p:cNvSpPr>
+            <a:spLocks noGrp="1"/>
+          </p:cNvSpPr>
+          <p:nvPr>
+            <p:ph type="title"/>
+          </p:nvPr>
+        </p:nvSpPr>
+        <p:spPr/>
+        <p:txBody>
+          <a:bodyPr/>
+          <a:lstStyle/>
+          <a:p>
+            <a:r>
+              <a:rPr lang="de-DE" dirty="0" err="1"/>
+              <a:t>Number</a:t>
+            </a:r>
+            <a:r>
+              <a:rPr lang="de-DE" dirty="0"/>
+              <a:t> </a:t>
+            </a:r>
+            <a:r>
+              <a:rPr lang="de-DE" dirty="0" err="1"/>
+              <a:t>of</a:t>
+            </a:r>
+            <a:r>
+              <a:rPr lang="de-DE" dirty="0"/>
+              <a:t> </a:t>
+            </a:r>
+            <a:r>
+              <a:rPr lang="de-DE" dirty="0" err="1"/>
+              <a:t>Factors</a:t>
+            </a:r>
+            <a:r>
+              <a:rPr lang="de-DE" dirty="0"/>
+              <a:t> </a:t>
+            </a:r>
+            <a:r>
+              <a:rPr lang="de-DE" dirty="0" err="1"/>
+              <a:t>to</a:t>
+            </a:r>
+            <a:r>
+              <a:rPr lang="de-DE" dirty="0"/>
+              <a:t> Extract</a:t>
+            </a:r>
+          </a:p>
+        </p:txBody>
+      </p:sp>
+      <p:sp>
+        <p:nvSpPr>
+          <p:cNvPr id="3" name="Inhaltsplatzhalter 2">
+            <a:extLst>
+              <a:ext uri="{FF2B5EF4-FFF2-40B4-BE49-F238E27FC236}">
+                <a16:creationId xmlns:a16="http://schemas.microsoft.com/office/drawing/2014/main" id="{BC1A5B2D-2810-496F-B6F5-B2681DBAD1D7}"/>
+              </a:ext>
+            </a:extLst>
+          </p:cNvPr>
+          <p:cNvSpPr>
+            <a:spLocks noGrp="1"/>
+          </p:cNvSpPr>
+          <p:nvPr>
+            <p:ph idx="1"/>
+          </p:nvPr>
+        </p:nvSpPr>
+        <p:spPr/>
+        <p:txBody>
+          <a:bodyPr>
+            <a:normAutofit/>
+          </a:bodyPr>
+          <a:lstStyle/>
+          <a:p>
+            <a:r>
+              <a:rPr lang="de-DE" dirty="0" err="1"/>
+              <a:t>How</a:t>
+            </a:r>
+            <a:r>
+              <a:rPr lang="de-DE" dirty="0"/>
+              <a:t> </a:t>
+            </a:r>
+            <a:r>
+              <a:rPr lang="de-DE" dirty="0" err="1"/>
+              <a:t>many</a:t>
+            </a:r>
+            <a:r>
+              <a:rPr lang="de-DE" dirty="0"/>
+              <a:t> </a:t>
+            </a:r>
+            <a:r>
+              <a:rPr lang="de-DE" dirty="0" err="1"/>
+              <a:t>factors</a:t>
+            </a:r>
+            <a:r>
+              <a:rPr lang="de-DE" dirty="0"/>
+              <a:t> </a:t>
+            </a:r>
+            <a:r>
+              <a:rPr lang="de-DE" dirty="0" err="1"/>
+              <a:t>to</a:t>
+            </a:r>
+            <a:r>
+              <a:rPr lang="de-DE" dirty="0"/>
+              <a:t> </a:t>
+            </a:r>
+            <a:r>
+              <a:rPr lang="de-DE" dirty="0" err="1"/>
+              <a:t>extract</a:t>
+            </a:r>
+            <a:r>
+              <a:rPr lang="de-DE" dirty="0"/>
+              <a:t>?</a:t>
+            </a:r>
+          </a:p>
+          <a:p>
+            <a:pPr lvl="1"/>
+            <a:r>
+              <a:rPr lang="de-DE" dirty="0"/>
+              <a:t>Parallel </a:t>
+            </a:r>
+            <a:r>
+              <a:rPr lang="de-DE" dirty="0" err="1"/>
+              <a:t>analysis</a:t>
+            </a:r>
+            <a:endParaRPr lang="de-DE" dirty="0"/>
+          </a:p>
+          <a:p>
+            <a:pPr lvl="2"/>
+            <a:r>
+              <a:rPr lang="de-DE" dirty="0"/>
+              <a:t>Can </a:t>
+            </a:r>
+            <a:r>
+              <a:rPr lang="de-DE" dirty="0" err="1"/>
+              <a:t>tend</a:t>
+            </a:r>
+            <a:r>
+              <a:rPr lang="de-DE" dirty="0"/>
+              <a:t> </a:t>
+            </a:r>
+            <a:r>
+              <a:rPr lang="de-DE" dirty="0" err="1"/>
+              <a:t>to</a:t>
+            </a:r>
+            <a:r>
+              <a:rPr lang="de-DE" dirty="0"/>
+              <a:t> </a:t>
+            </a:r>
+            <a:r>
+              <a:rPr lang="de-DE" dirty="0" err="1"/>
+              <a:t>overestimate</a:t>
+            </a:r>
+            <a:r>
+              <a:rPr lang="de-DE" dirty="0"/>
+              <a:t> </a:t>
+            </a:r>
+            <a:r>
+              <a:rPr lang="de-DE" dirty="0" err="1"/>
+              <a:t>number</a:t>
+            </a:r>
+            <a:r>
+              <a:rPr lang="de-DE" dirty="0"/>
+              <a:t> </a:t>
+            </a:r>
+            <a:r>
+              <a:rPr lang="de-DE" dirty="0" err="1"/>
+              <a:t>of</a:t>
+            </a:r>
+            <a:r>
+              <a:rPr lang="de-DE" dirty="0"/>
+              <a:t> </a:t>
+            </a:r>
+            <a:r>
+              <a:rPr lang="de-DE" dirty="0" err="1"/>
+              <a:t>factors</a:t>
+            </a:r>
+            <a:endParaRPr lang="de-DE" dirty="0"/>
+          </a:p>
+          <a:p>
+            <a:pPr lvl="1"/>
+            <a:r>
+              <a:rPr lang="de-DE" dirty="0" err="1"/>
+              <a:t>Scree</a:t>
+            </a:r>
+            <a:r>
+              <a:rPr lang="de-DE" dirty="0"/>
+              <a:t> </a:t>
+            </a:r>
+            <a:r>
+              <a:rPr lang="de-DE" dirty="0" err="1"/>
+              <a:t>plot</a:t>
+            </a:r>
+            <a:r>
+              <a:rPr lang="de-DE" dirty="0"/>
+              <a:t> (+ Nelson-</a:t>
+            </a:r>
+            <a:r>
+              <a:rPr lang="de-DE" dirty="0" err="1"/>
+              <a:t>Gorsuch</a:t>
+            </a:r>
+            <a:r>
+              <a:rPr lang="de-DE" dirty="0"/>
+              <a:t> Index)</a:t>
+            </a:r>
+          </a:p>
+          <a:p>
+            <a:pPr lvl="1"/>
+            <a:r>
+              <a:rPr lang="de-DE" dirty="0"/>
+              <a:t>Model fit </a:t>
+            </a:r>
+            <a:r>
+              <a:rPr lang="de-DE" dirty="0" err="1"/>
+              <a:t>indices</a:t>
+            </a:r>
+            <a:r>
+              <a:rPr lang="de-DE" dirty="0"/>
+              <a:t> (</a:t>
+            </a:r>
+            <a:r>
+              <a:rPr lang="de-DE" dirty="0" err="1"/>
+              <a:t>only</a:t>
+            </a:r>
+            <a:r>
+              <a:rPr lang="de-DE" dirty="0"/>
+              <a:t> CFA)</a:t>
+            </a:r>
+          </a:p>
+          <a:p>
+            <a:pPr lvl="1"/>
+            <a:r>
+              <a:rPr lang="de-DE" dirty="0"/>
+              <a:t>…</a:t>
+            </a:r>
+          </a:p>
+          <a:p>
+            <a:endParaRPr lang="de-DE" dirty="0"/>
+          </a:p>
+          <a:p>
+            <a:pPr lvl="1"/>
+            <a:endParaRPr lang="de-DE" dirty="0"/>
+          </a:p>
+        </p:txBody>
+      </p:sp>
+      <p:sp>
+        <p:nvSpPr>
+          <p:cNvPr id="7" name="Rechteck 6">
+            <a:extLst>
+              <a:ext uri="{FF2B5EF4-FFF2-40B4-BE49-F238E27FC236}">
+                <a16:creationId xmlns:a16="http://schemas.microsoft.com/office/drawing/2014/main" id="{445A8452-903E-4003-8995-BD9C675F676C}"/>
+              </a:ext>
+            </a:extLst>
+          </p:cNvPr>
+          <p:cNvSpPr/>
+          <p:nvPr/>
+        </p:nvSpPr>
+        <p:spPr>
+          <a:xfrm>
+            <a:off x="4425752" y="3025359"/>
+            <a:ext cx="3637591" cy="304800"/>
+          </a:xfrm>
+          <a:prstGeom prst="rect">
+            <a:avLst/>
+          </a:prstGeom>
+          <a:noFill/>
+          <a:ln w="57150">
+            <a:solidFill>
+              <a:schemeClr val="accent4"/>
+            </a:solidFill>
+          </a:ln>
+        </p:spPr>
+        <p:style>
+          <a:lnRef idx="2">
+            <a:schemeClr val="accent1">
+              <a:shade val="50000"/>
+            </a:schemeClr>
+          </a:lnRef>
+          <a:fillRef idx="1">
+            <a:schemeClr val="accent1"/>
+          </a:fillRef>
+          <a:effectRef idx="0">
+            <a:schemeClr val="accent1"/>
+          </a:effectRef>
+          <a:fontRef idx="minor">
+            <a:schemeClr val="lt1"/>
+          </a:fontRef>
+        </p:style>
+        <p:txBody>
+          <a:bodyPr rtlCol="0" anchor="ctr"/>
+          <a:lstStyle/>
+          <a:p>
+            <a:pPr algn="ctr"/>
+            <a:endParaRPr lang="de-DE"/>
+          </a:p>
+        </p:txBody>
+      </p:sp>
+      <p:sp>
+        <p:nvSpPr>
+          <p:cNvPr id="9" name="Textfeld 8">
+            <a:extLst>
+              <a:ext uri="{FF2B5EF4-FFF2-40B4-BE49-F238E27FC236}">
+                <a16:creationId xmlns:a16="http://schemas.microsoft.com/office/drawing/2014/main" id="{02475EAC-D201-4403-9537-9E3352D74B2A}"/>
+              </a:ext>
+            </a:extLst>
+          </p:cNvPr>
+          <p:cNvSpPr txBox="1"/>
+          <p:nvPr/>
+        </p:nvSpPr>
+        <p:spPr>
+          <a:xfrm>
+            <a:off x="3420526" y="234692"/>
+            <a:ext cx="8501943" cy="369332"/>
+          </a:xfrm>
+          <a:prstGeom prst="rect">
+            <a:avLst/>
+          </a:prstGeom>
+          <a:noFill/>
+        </p:spPr>
+        <p:txBody>
+          <a:bodyPr wrap="none" rtlCol="0">
+            <a:spAutoFit/>
+          </a:bodyPr>
+          <a:lstStyle/>
+          <a:p>
+            <a:r>
+              <a:rPr lang="de-DE" dirty="0">
+                <a:solidFill>
+                  <a:schemeClr val="accent4"/>
+                </a:solidFill>
+              </a:rPr>
+              <a:t>Fox et al. 2025 </a:t>
+            </a:r>
+            <a:r>
+              <a:rPr lang="de-DE" dirty="0" err="1">
+                <a:solidFill>
+                  <a:schemeClr val="accent4"/>
+                </a:solidFill>
+              </a:rPr>
+              <a:t>Cognitive</a:t>
+            </a:r>
+            <a:r>
+              <a:rPr lang="de-DE" dirty="0">
+                <a:solidFill>
+                  <a:schemeClr val="accent4"/>
+                </a:solidFill>
+              </a:rPr>
+              <a:t> </a:t>
+            </a:r>
+            <a:r>
+              <a:rPr lang="de-DE" dirty="0" err="1">
+                <a:solidFill>
+                  <a:schemeClr val="accent4"/>
+                </a:solidFill>
+              </a:rPr>
+              <a:t>arbitration</a:t>
+            </a:r>
+            <a:r>
+              <a:rPr lang="de-DE" dirty="0">
+                <a:solidFill>
+                  <a:schemeClr val="accent4"/>
+                </a:solidFill>
+              </a:rPr>
+              <a:t> </a:t>
+            </a:r>
+            <a:r>
+              <a:rPr lang="de-DE" dirty="0" err="1">
+                <a:solidFill>
+                  <a:schemeClr val="accent4"/>
+                </a:solidFill>
+              </a:rPr>
+              <a:t>between</a:t>
+            </a:r>
+            <a:r>
+              <a:rPr lang="de-DE" dirty="0">
+                <a:solidFill>
+                  <a:schemeClr val="accent4"/>
+                </a:solidFill>
+              </a:rPr>
+              <a:t> </a:t>
+            </a:r>
+            <a:r>
+              <a:rPr lang="de-DE" dirty="0" err="1">
+                <a:solidFill>
+                  <a:schemeClr val="accent4"/>
+                </a:solidFill>
+              </a:rPr>
+              <a:t>candidate</a:t>
+            </a:r>
+            <a:r>
+              <a:rPr lang="de-DE" dirty="0">
+                <a:solidFill>
+                  <a:schemeClr val="accent4"/>
+                </a:solidFill>
+              </a:rPr>
+              <a:t> </a:t>
+            </a:r>
+            <a:r>
+              <a:rPr lang="de-DE" dirty="0" err="1">
+                <a:solidFill>
+                  <a:schemeClr val="accent4"/>
+                </a:solidFill>
+              </a:rPr>
+              <a:t>dimensions</a:t>
+            </a:r>
+            <a:r>
+              <a:rPr lang="de-DE" dirty="0">
+                <a:solidFill>
+                  <a:schemeClr val="accent4"/>
+                </a:solidFill>
+              </a:rPr>
+              <a:t> </a:t>
+            </a:r>
+            <a:r>
+              <a:rPr lang="de-DE" dirty="0" err="1">
+                <a:solidFill>
+                  <a:schemeClr val="accent4"/>
+                </a:solidFill>
+              </a:rPr>
+              <a:t>of</a:t>
+            </a:r>
+            <a:r>
+              <a:rPr lang="de-DE" dirty="0">
+                <a:solidFill>
+                  <a:schemeClr val="accent4"/>
+                </a:solidFill>
+              </a:rPr>
+              <a:t> </a:t>
+            </a:r>
+            <a:r>
+              <a:rPr lang="de-DE" dirty="0" err="1">
+                <a:solidFill>
+                  <a:schemeClr val="accent4"/>
+                </a:solidFill>
+              </a:rPr>
+              <a:t>psychopathology</a:t>
+            </a:r>
+            <a:r>
+              <a:rPr lang="de-DE" dirty="0">
+                <a:solidFill>
+                  <a:schemeClr val="accent4"/>
+                </a:solidFill>
+              </a:rPr>
+              <a:t> </a:t>
+            </a:r>
+          </a:p>
+        </p:txBody>
+      </p:sp>
+    </p:spTree>
+    <p:extLst>
+      <p:ext uri="{BB962C8B-B14F-4D97-AF65-F5344CB8AC3E}">
+        <p14:creationId xmlns:p14="http://schemas.microsoft.com/office/powerpoint/2010/main" val="2032959605"/>
+      </p:ext>
+    </p:extLst>
+  </p:cSld>
+  <p:clrMapOvr>
+    <a:masterClrMapping/>
+  </p:clrMapOvr>
+</p:sld>
+</file>
+
+<file path=ppt/slides/slide9.xml><?xml version="1.0" encoding="utf-8"?>
+<p:sld xmlns:a="http://schemas.openxmlformats.org/drawingml/2006/main" xmlns:r="http://schemas.openxmlformats.org/officeDocument/2006/relationships" xmlns:p="http://schemas.openxmlformats.org/presentationml/2006/main">
+  <p:cSld>
+    <p:spTree>
+      <p:nvGrpSpPr>
+        <p:cNvPr id="1" name=""/>
+        <p:cNvGrpSpPr/>
+        <p:nvPr/>
+      </p:nvGrpSpPr>
+      <p:grpSpPr>
+        <a:xfrm>
+          <a:off x="0" y="0"/>
+          <a:ext cx="0" cy="0"/>
+          <a:chOff x="0" y="0"/>
+          <a:chExt cx="0" cy="0"/>
+        </a:xfrm>
+      </p:grpSpPr>
+      <p:sp>
+        <p:nvSpPr>
+          <p:cNvPr id="2" name="Titel 1">
+            <a:extLst>
+              <a:ext uri="{FF2B5EF4-FFF2-40B4-BE49-F238E27FC236}">
+                <a16:creationId xmlns:a16="http://schemas.microsoft.com/office/drawing/2014/main" id="{AEDF1756-C3AD-49D9-9F73-C47CC5FF8404}"/>
+              </a:ext>
+            </a:extLst>
+          </p:cNvPr>
+          <p:cNvSpPr>
+            <a:spLocks noGrp="1"/>
+          </p:cNvSpPr>
+          <p:nvPr>
+            <p:ph type="title"/>
+          </p:nvPr>
+        </p:nvSpPr>
+        <p:spPr/>
+        <p:txBody>
+          <a:bodyPr/>
+          <a:lstStyle/>
+          <a:p>
+            <a:r>
+              <a:rPr lang="de-DE" dirty="0" err="1"/>
+              <a:t>Which</a:t>
+            </a:r>
+            <a:r>
+              <a:rPr lang="de-DE" dirty="0"/>
+              <a:t> </a:t>
+            </a:r>
+            <a:r>
+              <a:rPr lang="de-DE" dirty="0" err="1"/>
+              <a:t>Estimator</a:t>
+            </a:r>
+            <a:endParaRPr lang="de-DE" dirty="0"/>
+          </a:p>
+        </p:txBody>
+      </p:sp>
+      <p:sp>
+        <p:nvSpPr>
+          <p:cNvPr id="3" name="Inhaltsplatzhalter 2">
+            <a:extLst>
+              <a:ext uri="{FF2B5EF4-FFF2-40B4-BE49-F238E27FC236}">
+                <a16:creationId xmlns:a16="http://schemas.microsoft.com/office/drawing/2014/main" id="{BC1A5B2D-2810-496F-B6F5-B2681DBAD1D7}"/>
+              </a:ext>
+            </a:extLst>
+          </p:cNvPr>
+          <p:cNvSpPr>
+            <a:spLocks noGrp="1"/>
+          </p:cNvSpPr>
+          <p:nvPr>
+            <p:ph idx="1"/>
+          </p:nvPr>
+        </p:nvSpPr>
+        <p:spPr/>
+        <p:txBody>
+          <a:bodyPr>
+            <a:normAutofit/>
+          </a:bodyPr>
+          <a:lstStyle/>
+          <a:p>
+            <a:endParaRPr lang="de-DE" dirty="0"/>
+          </a:p>
+          <a:p>
+            <a:r>
+              <a:rPr lang="de-DE" dirty="0" err="1"/>
+              <a:t>Which</a:t>
+            </a:r>
+            <a:r>
+              <a:rPr lang="de-DE" dirty="0"/>
+              <a:t> </a:t>
+            </a:r>
+            <a:r>
+              <a:rPr lang="de-DE" dirty="0" err="1"/>
+              <a:t>estimator</a:t>
+            </a:r>
+            <a:r>
+              <a:rPr lang="de-DE" dirty="0"/>
+              <a:t> </a:t>
+            </a:r>
+            <a:r>
+              <a:rPr lang="de-DE" dirty="0" err="1"/>
+              <a:t>to</a:t>
+            </a:r>
+            <a:r>
+              <a:rPr lang="de-DE" dirty="0"/>
+              <a:t> </a:t>
+            </a:r>
+            <a:r>
+              <a:rPr lang="de-DE" dirty="0" err="1"/>
+              <a:t>use</a:t>
+            </a:r>
+            <a:r>
+              <a:rPr lang="de-DE" dirty="0"/>
+              <a:t> (</a:t>
+            </a:r>
+            <a:r>
+              <a:rPr lang="de-DE" dirty="0" err="1"/>
+              <a:t>only</a:t>
+            </a:r>
+            <a:r>
+              <a:rPr lang="de-DE" dirty="0"/>
+              <a:t> EFA)?</a:t>
+            </a:r>
+          </a:p>
+          <a:p>
+            <a:pPr lvl="1"/>
+            <a:r>
+              <a:rPr lang="de-DE" dirty="0"/>
+              <a:t>ML (</a:t>
+            </a:r>
+            <a:r>
+              <a:rPr lang="de-DE" dirty="0" err="1"/>
+              <a:t>continuous</a:t>
+            </a:r>
+            <a:r>
+              <a:rPr lang="de-DE" dirty="0"/>
+              <a:t>)</a:t>
+            </a:r>
+          </a:p>
+          <a:p>
+            <a:pPr lvl="2"/>
+            <a:r>
+              <a:rPr lang="de-DE" dirty="0" err="1"/>
+              <a:t>Assumes</a:t>
+            </a:r>
+            <a:r>
+              <a:rPr lang="de-DE" dirty="0"/>
+              <a:t> multivariate </a:t>
+            </a:r>
+            <a:r>
+              <a:rPr lang="de-DE" dirty="0" err="1"/>
+              <a:t>normality</a:t>
+            </a:r>
+            <a:endParaRPr lang="de-DE" dirty="0"/>
+          </a:p>
+          <a:p>
+            <a:pPr lvl="1"/>
+            <a:r>
+              <a:rPr lang="de-DE" dirty="0"/>
+              <a:t>WLSMV (ordinal)</a:t>
+            </a:r>
+          </a:p>
+          <a:p>
+            <a:pPr lvl="1"/>
+            <a:r>
+              <a:rPr lang="de-DE" dirty="0"/>
+              <a:t>…</a:t>
+            </a:r>
+          </a:p>
+          <a:p>
+            <a:pPr lvl="1"/>
+            <a:endParaRPr lang="de-DE" dirty="0"/>
+          </a:p>
+        </p:txBody>
+      </p:sp>
+      <p:sp>
+        <p:nvSpPr>
+          <p:cNvPr id="6" name="Textfeld 5">
+            <a:extLst>
+              <a:ext uri="{FF2B5EF4-FFF2-40B4-BE49-F238E27FC236}">
+                <a16:creationId xmlns:a16="http://schemas.microsoft.com/office/drawing/2014/main" id="{65C9B705-4B1F-47EA-9031-B005C34B4564}"/>
+              </a:ext>
+            </a:extLst>
+          </p:cNvPr>
+          <p:cNvSpPr txBox="1"/>
+          <p:nvPr/>
+        </p:nvSpPr>
+        <p:spPr>
+          <a:xfrm>
+            <a:off x="6273799" y="4281259"/>
+            <a:ext cx="5257800" cy="430887"/>
+          </a:xfrm>
+          <a:prstGeom prst="rect">
+            <a:avLst/>
+          </a:prstGeom>
+          <a:solidFill>
+            <a:schemeClr val="bg1">
+              <a:lumMod val="95000"/>
+            </a:schemeClr>
+          </a:solidFill>
+          <a:ln w="38100">
+            <a:solidFill>
+              <a:schemeClr val="accent4"/>
+            </a:solidFill>
+          </a:ln>
+        </p:spPr>
+        <p:txBody>
+          <a:bodyPr wrap="square" rtlCol="0">
+            <a:spAutoFit/>
+          </a:bodyPr>
+          <a:lstStyle/>
+          <a:p>
+            <a:r>
+              <a:rPr lang="en-US" sz="1100" dirty="0">
+                <a:latin typeface="Cascadia Mono" panose="020B0609020000020004" pitchFamily="49" charset="0"/>
+                <a:ea typeface="Cascadia Mono" panose="020B0609020000020004" pitchFamily="49" charset="0"/>
+                <a:cs typeface="Cascadia Mono" panose="020B0609020000020004" pitchFamily="49" charset="0"/>
+              </a:rPr>
+              <a:t>fa(R, </a:t>
+            </a:r>
+            <a:r>
+              <a:rPr lang="en-US" sz="1100" dirty="0" err="1">
+                <a:latin typeface="Cascadia Mono" panose="020B0609020000020004" pitchFamily="49" charset="0"/>
+                <a:ea typeface="Cascadia Mono" panose="020B0609020000020004" pitchFamily="49" charset="0"/>
+                <a:cs typeface="Cascadia Mono" panose="020B0609020000020004" pitchFamily="49" charset="0"/>
+              </a:rPr>
+              <a:t>nfactors</a:t>
+            </a:r>
+            <a:r>
+              <a:rPr lang="en-US" sz="1100" dirty="0">
+                <a:latin typeface="Cascadia Mono" panose="020B0609020000020004" pitchFamily="49" charset="0"/>
+                <a:ea typeface="Cascadia Mono" panose="020B0609020000020004" pitchFamily="49" charset="0"/>
+                <a:cs typeface="Cascadia Mono" panose="020B0609020000020004" pitchFamily="49" charset="0"/>
+              </a:rPr>
+              <a:t> = k, </a:t>
+            </a:r>
+            <a:r>
+              <a:rPr lang="en-US" sz="1100" dirty="0" err="1">
+                <a:latin typeface="Cascadia Mono" panose="020B0609020000020004" pitchFamily="49" charset="0"/>
+                <a:ea typeface="Cascadia Mono" panose="020B0609020000020004" pitchFamily="49" charset="0"/>
+                <a:cs typeface="Cascadia Mono" panose="020B0609020000020004" pitchFamily="49" charset="0"/>
+              </a:rPr>
+              <a:t>fm</a:t>
+            </a:r>
+            <a:r>
+              <a:rPr lang="en-US" sz="1100" dirty="0">
+                <a:latin typeface="Cascadia Mono" panose="020B0609020000020004" pitchFamily="49" charset="0"/>
+                <a:ea typeface="Cascadia Mono" panose="020B0609020000020004" pitchFamily="49" charset="0"/>
+                <a:cs typeface="Cascadia Mono" panose="020B0609020000020004" pitchFamily="49" charset="0"/>
+              </a:rPr>
+              <a:t> = "ml", rotate = "</a:t>
+            </a:r>
+            <a:r>
+              <a:rPr lang="en-US" sz="1100" dirty="0" err="1">
+                <a:latin typeface="Cascadia Mono" panose="020B0609020000020004" pitchFamily="49" charset="0"/>
+                <a:ea typeface="Cascadia Mono" panose="020B0609020000020004" pitchFamily="49" charset="0"/>
+                <a:cs typeface="Cascadia Mono" panose="020B0609020000020004" pitchFamily="49" charset="0"/>
+              </a:rPr>
+              <a:t>oblimin</a:t>
+            </a:r>
+            <a:r>
+              <a:rPr lang="en-US" sz="1100" dirty="0">
+                <a:latin typeface="Cascadia Mono" panose="020B0609020000020004" pitchFamily="49" charset="0"/>
+                <a:ea typeface="Cascadia Mono" panose="020B0609020000020004" pitchFamily="49" charset="0"/>
+                <a:cs typeface="Cascadia Mono" panose="020B0609020000020004" pitchFamily="49" charset="0"/>
+              </a:rPr>
+              <a:t>", scores = "regression", </a:t>
+            </a:r>
+            <a:r>
+              <a:rPr lang="en-US" sz="1100" dirty="0" err="1">
+                <a:latin typeface="Cascadia Mono" panose="020B0609020000020004" pitchFamily="49" charset="0"/>
+                <a:ea typeface="Cascadia Mono" panose="020B0609020000020004" pitchFamily="49" charset="0"/>
+                <a:cs typeface="Cascadia Mono" panose="020B0609020000020004" pitchFamily="49" charset="0"/>
+              </a:rPr>
+              <a:t>n.obs</a:t>
+            </a:r>
+            <a:r>
+              <a:rPr lang="en-US" sz="1100" dirty="0">
+                <a:latin typeface="Cascadia Mono" panose="020B0609020000020004" pitchFamily="49" charset="0"/>
+                <a:ea typeface="Cascadia Mono" panose="020B0609020000020004" pitchFamily="49" charset="0"/>
+                <a:cs typeface="Cascadia Mono" panose="020B0609020000020004" pitchFamily="49" charset="0"/>
+              </a:rPr>
+              <a:t> = </a:t>
+            </a:r>
+            <a:r>
+              <a:rPr lang="en-US" sz="1100" dirty="0" err="1">
+                <a:latin typeface="Cascadia Mono" panose="020B0609020000020004" pitchFamily="49" charset="0"/>
+                <a:ea typeface="Cascadia Mono" panose="020B0609020000020004" pitchFamily="49" charset="0"/>
+                <a:cs typeface="Cascadia Mono" panose="020B0609020000020004" pitchFamily="49" charset="0"/>
+              </a:rPr>
+              <a:t>nrow</a:t>
+            </a:r>
+            <a:r>
+              <a:rPr lang="en-US" sz="1100" dirty="0">
+                <a:latin typeface="Cascadia Mono" panose="020B0609020000020004" pitchFamily="49" charset="0"/>
+                <a:ea typeface="Cascadia Mono" panose="020B0609020000020004" pitchFamily="49" charset="0"/>
+                <a:cs typeface="Cascadia Mono" panose="020B0609020000020004" pitchFamily="49" charset="0"/>
+              </a:rPr>
+              <a:t>(items))</a:t>
+            </a:r>
+            <a:endParaRPr lang="de-DE" sz="1100" dirty="0">
+              <a:latin typeface="Cascadia Mono" panose="020B0609020000020004" pitchFamily="49" charset="0"/>
+              <a:ea typeface="Cascadia Mono" panose="020B0609020000020004" pitchFamily="49" charset="0"/>
+              <a:cs typeface="Cascadia Mono" panose="020B0609020000020004" pitchFamily="49" charset="0"/>
+            </a:endParaRPr>
+          </a:p>
+        </p:txBody>
+      </p:sp>
+      <p:sp>
+        <p:nvSpPr>
+          <p:cNvPr id="9" name="Textfeld 8">
+            <a:extLst>
+              <a:ext uri="{FF2B5EF4-FFF2-40B4-BE49-F238E27FC236}">
+                <a16:creationId xmlns:a16="http://schemas.microsoft.com/office/drawing/2014/main" id="{02475EAC-D201-4403-9537-9E3352D74B2A}"/>
+              </a:ext>
+            </a:extLst>
+          </p:cNvPr>
+          <p:cNvSpPr txBox="1"/>
+          <p:nvPr/>
+        </p:nvSpPr>
+        <p:spPr>
+          <a:xfrm>
+            <a:off x="3420526" y="234692"/>
+            <a:ext cx="8501943" cy="369332"/>
+          </a:xfrm>
+          <a:prstGeom prst="rect">
+            <a:avLst/>
+          </a:prstGeom>
+          <a:noFill/>
+        </p:spPr>
+        <p:txBody>
+          <a:bodyPr wrap="none" rtlCol="0">
+            <a:spAutoFit/>
+          </a:bodyPr>
+          <a:lstStyle/>
+          <a:p>
+            <a:r>
+              <a:rPr lang="de-DE" dirty="0">
+                <a:solidFill>
+                  <a:schemeClr val="accent4"/>
+                </a:solidFill>
+              </a:rPr>
+              <a:t>Fox et al. 2025 </a:t>
+            </a:r>
+            <a:r>
+              <a:rPr lang="de-DE" dirty="0" err="1">
+                <a:solidFill>
+                  <a:schemeClr val="accent4"/>
+                </a:solidFill>
+              </a:rPr>
+              <a:t>Cognitive</a:t>
+            </a:r>
+            <a:r>
+              <a:rPr lang="de-DE" dirty="0">
+                <a:solidFill>
+                  <a:schemeClr val="accent4"/>
+                </a:solidFill>
+              </a:rPr>
+              <a:t> </a:t>
+            </a:r>
+            <a:r>
+              <a:rPr lang="de-DE" dirty="0" err="1">
+                <a:solidFill>
+                  <a:schemeClr val="accent4"/>
+                </a:solidFill>
+              </a:rPr>
+              <a:t>arbitration</a:t>
+            </a:r>
+            <a:r>
+              <a:rPr lang="de-DE" dirty="0">
+                <a:solidFill>
+                  <a:schemeClr val="accent4"/>
+                </a:solidFill>
+              </a:rPr>
+              <a:t> </a:t>
+            </a:r>
+            <a:r>
+              <a:rPr lang="de-DE" dirty="0" err="1">
+                <a:solidFill>
+                  <a:schemeClr val="accent4"/>
+                </a:solidFill>
+              </a:rPr>
+              <a:t>between</a:t>
+            </a:r>
+            <a:r>
+              <a:rPr lang="de-DE" dirty="0">
+                <a:solidFill>
+                  <a:schemeClr val="accent4"/>
+                </a:solidFill>
+              </a:rPr>
+              <a:t> </a:t>
+            </a:r>
+            <a:r>
+              <a:rPr lang="de-DE" dirty="0" err="1">
+                <a:solidFill>
+                  <a:schemeClr val="accent4"/>
+                </a:solidFill>
+              </a:rPr>
+              <a:t>candidate</a:t>
+            </a:r>
+            <a:r>
+              <a:rPr lang="de-DE" dirty="0">
+                <a:solidFill>
+                  <a:schemeClr val="accent4"/>
+                </a:solidFill>
+              </a:rPr>
+              <a:t> </a:t>
+            </a:r>
+            <a:r>
+              <a:rPr lang="de-DE" dirty="0" err="1">
+                <a:solidFill>
+                  <a:schemeClr val="accent4"/>
+                </a:solidFill>
+              </a:rPr>
+              <a:t>dimensions</a:t>
+            </a:r>
+            <a:r>
+              <a:rPr lang="de-DE" dirty="0">
+                <a:solidFill>
+                  <a:schemeClr val="accent4"/>
+                </a:solidFill>
+              </a:rPr>
+              <a:t> </a:t>
+            </a:r>
+            <a:r>
+              <a:rPr lang="de-DE" dirty="0" err="1">
+                <a:solidFill>
+                  <a:schemeClr val="accent4"/>
+                </a:solidFill>
+              </a:rPr>
+              <a:t>of</a:t>
+            </a:r>
+            <a:r>
+              <a:rPr lang="de-DE" dirty="0">
+                <a:solidFill>
+                  <a:schemeClr val="accent4"/>
+                </a:solidFill>
+              </a:rPr>
+              <a:t> </a:t>
+            </a:r>
+            <a:r>
+              <a:rPr lang="de-DE" dirty="0" err="1">
+                <a:solidFill>
+                  <a:schemeClr val="accent4"/>
+                </a:solidFill>
+              </a:rPr>
+              <a:t>psychopathology</a:t>
+            </a:r>
+            <a:r>
+              <a:rPr lang="de-DE" dirty="0">
+                <a:solidFill>
+                  <a:schemeClr val="accent4"/>
+                </a:solidFill>
+              </a:rPr>
+              <a:t> </a:t>
+            </a:r>
+          </a:p>
+        </p:txBody>
+      </p:sp>
+      <p:sp>
+        <p:nvSpPr>
+          <p:cNvPr id="10" name="Rechteck 9">
+            <a:extLst>
+              <a:ext uri="{FF2B5EF4-FFF2-40B4-BE49-F238E27FC236}">
+                <a16:creationId xmlns:a16="http://schemas.microsoft.com/office/drawing/2014/main" id="{0A543A00-5DF6-4DD7-933A-61825CEB7941}"/>
+              </a:ext>
+            </a:extLst>
+          </p:cNvPr>
+          <p:cNvSpPr/>
+          <p:nvPr/>
+        </p:nvSpPr>
+        <p:spPr>
+          <a:xfrm>
+            <a:off x="4428834" y="3008657"/>
+            <a:ext cx="1930402" cy="304800"/>
+          </a:xfrm>
+          <a:prstGeom prst="rect">
+            <a:avLst/>
+          </a:prstGeom>
+          <a:noFill/>
+          <a:ln w="57150">
+            <a:solidFill>
+              <a:schemeClr val="accent4"/>
+            </a:solidFill>
+          </a:ln>
+        </p:spPr>
+        <p:style>
+          <a:lnRef idx="2">
+            <a:schemeClr val="accent1">
+              <a:shade val="50000"/>
+            </a:schemeClr>
+          </a:lnRef>
+          <a:fillRef idx="1">
+            <a:schemeClr val="accent1"/>
+          </a:fillRef>
+          <a:effectRef idx="0">
+            <a:schemeClr val="accent1"/>
+          </a:effectRef>
+          <a:fontRef idx="minor">
+            <a:schemeClr val="lt1"/>
+          </a:fontRef>
+        </p:style>
+        <p:txBody>
+          <a:bodyPr rtlCol="0" anchor="ctr"/>
+          <a:lstStyle/>
+          <a:p>
+            <a:pPr algn="ctr"/>
+            <a:endParaRPr lang="de-DE"/>
+          </a:p>
+        </p:txBody>
+      </p:sp>
+    </p:spTree>
+    <p:extLst>
+      <p:ext uri="{BB962C8B-B14F-4D97-AF65-F5344CB8AC3E}">
+        <p14:creationId xmlns:p14="http://schemas.microsoft.com/office/powerpoint/2010/main" val="2763116210"/>
       </p:ext>
     </p:extLst>
   </p:cSld>
@@ -7390,4 +11264,299 @@
     </a:ext>
   </a:extLst>
 </a:theme>
+</file>
+
+<file path=ppt/theme/theme2.xml><?xml version="1.0" encoding="utf-8"?>
+<a:theme xmlns:a="http://schemas.openxmlformats.org/drawingml/2006/main" name="Office">
+  <a:themeElements>
+    <a:clrScheme name="Office">
+      <a:dk1>
+        <a:sysClr val="windowText" lastClr="000000"/>
+      </a:dk1>
+      <a:lt1>
+        <a:sysClr val="window" lastClr="FFFFFF"/>
+      </a:lt1>
+      <a:dk2>
+        <a:srgbClr val="44546A"/>
+      </a:dk2>
+      <a:lt2>
+        <a:srgbClr val="E7E6E6"/>
+      </a:lt2>
+      <a:accent1>
+        <a:srgbClr val="4472C4"/>
+      </a:accent1>
+      <a:accent2>
+        <a:srgbClr val="ED7D31"/>
+      </a:accent2>
+      <a:accent3>
+        <a:srgbClr val="A5A5A5"/>
+      </a:accent3>
+      <a:accent4>
+        <a:srgbClr val="FFC000"/>
+      </a:accent4>
+      <a:accent5>
+        <a:srgbClr val="5B9BD5"/>
+      </a:accent5>
+      <a:accent6>
+        <a:srgbClr val="70AD47"/>
+      </a:accent6>
+      <a:hlink>
+        <a:srgbClr val="0563C1"/>
+      </a:hlink>
+      <a:folHlink>
+        <a:srgbClr val="954F72"/>
+      </a:folHlink>
+    </a:clrScheme>
+    <a:fontScheme name="Office">
+      <a:majorFont>
+        <a:latin typeface="Calibri Light" panose="020F0302020204030204"/>
+        <a:ea typeface=""/>
+        <a:cs typeface=""/>
+        <a:font script="Jpan" typeface="游ゴシック Light"/>
+        <a:font script="Hang" typeface="맑은 고딕"/>
+        <a:font script="Hans" typeface="等线 Light"/>
+        <a:font script="Hant" typeface="新細明體"/>
+        <a:font script="Arab" typeface="Times New Roman"/>
+        <a:font script="Hebr" typeface="Times New Roman"/>
+        <a:font script="Thai" typeface="Angsana New"/>
+        <a:font script="Ethi" typeface="Nyala"/>
+        <a:font script="Beng" typeface="Vrinda"/>
+        <a:font script="Gujr" typeface="Shruti"/>
+        <a:font script="Khmr" typeface="MoolBoran"/>
+        <a:font script="Knda" typeface="Tunga"/>
+        <a:font script="Guru" typeface="Raavi"/>
+        <a:font script="Cans" typeface="Euphemia"/>
+        <a:font script="Cher" typeface="Plantagenet Cherokee"/>
+        <a:font script="Yiii" typeface="Microsoft Yi Baiti"/>
+        <a:font script="Tibt" typeface="Microsoft Himalaya"/>
+        <a:font script="Thaa" typeface="MV Boli"/>
+        <a:font script="Deva" typeface="Mangal"/>
+        <a:font script="Telu" typeface="Gautami"/>
+        <a:font script="Taml" typeface="Latha"/>
+        <a:font script="Syrc" typeface="Estrangelo Edessa"/>
+        <a:font script="Orya" typeface="Kalinga"/>
+        <a:font script="Mlym" typeface="Kartika"/>
+        <a:font script="Laoo" typeface="DokChampa"/>
+        <a:font script="Sinh" typeface="Iskoola Pota"/>
+        <a:font script="Mong" typeface="Mongolian Baiti"/>
+        <a:font script="Viet" typeface="Times New Roman"/>
+        <a:font script="Uigh" typeface="Microsoft Uighur"/>
+        <a:font script="Geor" typeface="Sylfaen"/>
+        <a:font script="Armn" typeface="Arial"/>
+        <a:font script="Bugi" typeface="Leelawadee UI"/>
+        <a:font script="Bopo" typeface="Microsoft JhengHei"/>
+        <a:font script="Java" typeface="Javanese Text"/>
+        <a:font script="Lisu" typeface="Segoe UI"/>
+        <a:font script="Mymr" typeface="Myanmar Text"/>
+        <a:font script="Nkoo" typeface="Ebrima"/>
+        <a:font script="Olck" typeface="Nirmala UI"/>
+        <a:font script="Osma" typeface="Ebrima"/>
+        <a:font script="Phag" typeface="Phagspa"/>
+        <a:font script="Syrn" typeface="Estrangelo Edessa"/>
+        <a:font script="Syrj" typeface="Estrangelo Edessa"/>
+        <a:font script="Syre" typeface="Estrangelo Edessa"/>
+        <a:font script="Sora" typeface="Nirmala UI"/>
+        <a:font script="Tale" typeface="Microsoft Tai Le"/>
+        <a:font script="Talu" typeface="Microsoft New Tai Lue"/>
+        <a:font script="Tfng" typeface="Ebrima"/>
+      </a:majorFont>
+      <a:minorFont>
+        <a:latin typeface="Calibri" panose="020F0502020204030204"/>
+        <a:ea typeface=""/>
+        <a:cs typeface=""/>
+        <a:font script="Jpan" typeface="游ゴシック"/>
+        <a:font script="Hang" typeface="맑은 고딕"/>
+        <a:font script="Hans" typeface="等线"/>
+        <a:font script="Hant" typeface="新細明體"/>
+        <a:font script="Arab" typeface="Arial"/>
+        <a:font script="Hebr" typeface="Arial"/>
+        <a:font script="Thai" typeface="Cordia New"/>
+        <a:font script="Ethi" typeface="Nyala"/>
+        <a:font script="Beng" typeface="Vrinda"/>
+        <a:font script="Gujr" typeface="Shruti"/>
+        <a:font script="Khmr" typeface="DaunPenh"/>
+        <a:font script="Knda" typeface="Tunga"/>
+        <a:font script="Guru" typeface="Raavi"/>
+        <a:font script="Cans" typeface="Euphemia"/>
+        <a:font script="Cher" typeface="Plantagenet Cherokee"/>
+        <a:font script="Yiii" typeface="Microsoft Yi Baiti"/>
+        <a:font script="Tibt" typeface="Microsoft Himalaya"/>
+        <a:font script="Thaa" typeface="MV Boli"/>
+        <a:font script="Deva" typeface="Mangal"/>
+        <a:font script="Telu" typeface="Gautami"/>
+        <a:font script="Taml" typeface="Latha"/>
+        <a:font script="Syrc" typeface="Estrangelo Edessa"/>
+        <a:font script="Orya" typeface="Kalinga"/>
+        <a:font script="Mlym" typeface="Kartika"/>
+        <a:font script="Laoo" typeface="DokChampa"/>
+        <a:font script="Sinh" typeface="Iskoola Pota"/>
+        <a:font script="Mong" typeface="Mongolian Baiti"/>
+        <a:font script="Viet" typeface="Arial"/>
+        <a:font script="Uigh" typeface="Microsoft Uighur"/>
+        <a:font script="Geor" typeface="Sylfaen"/>
+        <a:font script="Armn" typeface="Arial"/>
+        <a:font script="Bugi" typeface="Leelawadee UI"/>
+        <a:font script="Bopo" typeface="Microsoft JhengHei"/>
+        <a:font script="Java" typeface="Javanese Text"/>
+        <a:font script="Lisu" typeface="Segoe UI"/>
+        <a:font script="Mymr" typeface="Myanmar Text"/>
+        <a:font script="Nkoo" typeface="Ebrima"/>
+        <a:font script="Olck" typeface="Nirmala UI"/>
+        <a:font script="Osma" typeface="Ebrima"/>
+        <a:font script="Phag" typeface="Phagspa"/>
+        <a:font script="Syrn" typeface="Estrangelo Edessa"/>
+        <a:font script="Syrj" typeface="Estrangelo Edessa"/>
+        <a:font script="Syre" typeface="Estrangelo Edessa"/>
+        <a:font script="Sora" typeface="Nirmala UI"/>
+        <a:font script="Tale" typeface="Microsoft Tai Le"/>
+        <a:font script="Talu" typeface="Microsoft New Tai Lue"/>
+        <a:font script="Tfng" typeface="Ebrima"/>
+      </a:minorFont>
+    </a:fontScheme>
+    <a:fmtScheme name="Office">
+      <a:fillStyleLst>
+        <a:solidFill>
+          <a:schemeClr val="phClr"/>
+        </a:solidFill>
+        <a:gradFill rotWithShape="1">
+          <a:gsLst>
+            <a:gs pos="0">
+              <a:schemeClr val="phClr">
+                <a:lumMod val="110000"/>
+                <a:satMod val="105000"/>
+                <a:tint val="67000"/>
+              </a:schemeClr>
+            </a:gs>
+            <a:gs pos="50000">
+              <a:schemeClr val="phClr">
+                <a:lumMod val="105000"/>
+                <a:satMod val="103000"/>
+                <a:tint val="73000"/>
+              </a:schemeClr>
+            </a:gs>
+            <a:gs pos="100000">
+              <a:schemeClr val="phClr">
+                <a:lumMod val="105000"/>
+                <a:satMod val="109000"/>
+                <a:tint val="81000"/>
+              </a:schemeClr>
+            </a:gs>
+          </a:gsLst>
+          <a:lin ang="5400000" scaled="0"/>
+        </a:gradFill>
+        <a:gradFill rotWithShape="1">
+          <a:gsLst>
+            <a:gs pos="0">
+              <a:schemeClr val="phClr">
+                <a:satMod val="103000"/>
+                <a:lumMod val="102000"/>
+                <a:tint val="94000"/>
+              </a:schemeClr>
+            </a:gs>
+            <a:gs pos="50000">
+              <a:schemeClr val="phClr">
+                <a:satMod val="110000"/>
+                <a:lumMod val="100000"/>
+                <a:shade val="100000"/>
+              </a:schemeClr>
+            </a:gs>
+            <a:gs pos="100000">
+              <a:schemeClr val="phClr">
+                <a:lumMod val="99000"/>
+                <a:satMod val="120000"/>
+                <a:shade val="78000"/>
+              </a:schemeClr>
+            </a:gs>
+          </a:gsLst>
+          <a:lin ang="5400000" scaled="0"/>
+        </a:gradFill>
+      </a:fillStyleLst>
+      <a:lnStyleLst>
+        <a:ln w="6350" cap="flat" cmpd="sng" algn="ctr">
+          <a:solidFill>
+            <a:schemeClr val="phClr"/>
+          </a:solidFill>
+          <a:prstDash val="solid"/>
+          <a:miter lim="800000"/>
+        </a:ln>
+        <a:ln w="12700" cap="flat" cmpd="sng" algn="ctr">
+          <a:solidFill>
+            <a:schemeClr val="phClr"/>
+          </a:solidFill>
+          <a:prstDash val="solid"/>
+          <a:miter lim="800000"/>
+        </a:ln>
+        <a:ln w="19050" cap="flat" cmpd="sng" algn="ctr">
+          <a:solidFill>
+            <a:schemeClr val="phClr"/>
+          </a:solidFill>
+          <a:prstDash val="solid"/>
+          <a:miter lim="800000"/>
+        </a:ln>
+      </a:lnStyleLst>
+      <a:effectStyleLst>
+        <a:effectStyle>
+          <a:effectLst/>
+        </a:effectStyle>
+        <a:effectStyle>
+          <a:effectLst/>
+        </a:effectStyle>
+        <a:effectStyle>
+          <a:effectLst>
+            <a:outerShdw blurRad="57150" dist="19050" dir="5400000" algn="ctr" rotWithShape="0">
+              <a:srgbClr val="000000">
+                <a:alpha val="63000"/>
+              </a:srgbClr>
+            </a:outerShdw>
+          </a:effectLst>
+        </a:effectStyle>
+      </a:effectStyleLst>
+      <a:bgFillStyleLst>
+        <a:solidFill>
+          <a:schemeClr val="phClr"/>
+        </a:solidFill>
+        <a:solidFill>
+          <a:schemeClr val="phClr">
+            <a:tint val="95000"/>
+            <a:satMod val="170000"/>
+          </a:schemeClr>
+        </a:solidFill>
+        <a:gradFill rotWithShape="1">
+          <a:gsLst>
+            <a:gs pos="0">
+              <a:schemeClr val="phClr">
+                <a:tint val="93000"/>
+                <a:satMod val="150000"/>
+                <a:shade val="98000"/>
+                <a:lumMod val="102000"/>
+              </a:schemeClr>
+            </a:gs>
+            <a:gs pos="50000">
+              <a:schemeClr val="phClr">
+                <a:tint val="98000"/>
+                <a:satMod val="130000"/>
+                <a:shade val="90000"/>
+                <a:lumMod val="103000"/>
+              </a:schemeClr>
+            </a:gs>
+            <a:gs pos="100000">
+              <a:schemeClr val="phClr">
+                <a:shade val="63000"/>
+                <a:satMod val="120000"/>
+              </a:schemeClr>
+            </a:gs>
+          </a:gsLst>
+          <a:lin ang="5400000" scaled="0"/>
+        </a:gradFill>
+      </a:bgFillStyleLst>
+    </a:fmtScheme>
+  </a:themeElements>
+  <a:objectDefaults/>
+  <a:extraClrSchemeLst/>
+  <a:extLst>
+    <a:ext uri="{05A4C25C-085E-4340-85A3-A5531E510DB2}">
+      <thm15:themeFamily xmlns:thm15="http://schemas.microsoft.com/office/thememl/2012/main" name="Office Theme" id="{62F939B6-93AF-4DB8-9C6B-D6C7DFDC589F}" vid="{4A3C46E8-61CC-4603-A589-7422A47A8E4A}"/>
+    </a:ext>
+  </a:extLst>
+</a:theme>
 </file>